--- a/Meeting log/최종발표(K).pptx
+++ b/Meeting log/최종발표(K).pptx
@@ -131,7 +131,7 @@
   </p:defaultTextStyle>
   <p:extLst>
     <p:ext uri="{521415D9-36F7-43E2-AB2F-B90AF26B5E84}">
-      <p14:sectionLst xmlns:p14="http://schemas.microsoft.com/office/powerpoint/2010/main">
+      <p14:sectionLst xmlns:p14="http://schemas.microsoft.com/office/powerpoint/2010/main" xmlns="">
         <p14:section name="기본 구역" id="{1106E5F8-8406-4686-920A-1C861D8B396D}">
           <p14:sldIdLst>
             <p14:sldId id="279"/>
@@ -182,7 +182,7 @@
       </p14:sectionLst>
     </p:ext>
     <p:ext uri="{EFAFB233-063F-42B5-8137-9DF3F51BA10A}">
-      <p15:sldGuideLst xmlns:p15="http://schemas.microsoft.com/office/powerpoint/2012/main">
+      <p15:sldGuideLst xmlns:p15="http://schemas.microsoft.com/office/powerpoint/2012/main" xmlns="">
         <p15:guide id="1" orient="horz" pos="2160">
           <p15:clr>
             <a:srgbClr val="A4A3A4"/>
@@ -2803,14 +2803,17 @@
       </dgm:t>
     </dgm:pt>
     <dgm:pt modelId="{417E0FCB-4869-453D-B3F5-061275B71B96}">
-      <dgm:prSet/>
+      <dgm:prSet custT="1"/>
       <dgm:spPr/>
       <dgm:t>
         <a:bodyPr/>
         <a:lstStyle/>
         <a:p>
           <a:r>
-            <a:rPr lang="en-US"/>
+            <a:rPr lang="en-US" sz="2000" dirty="0">
+              <a:latin typeface="나눔고딕" pitchFamily="50" charset="-127"/>
+              <a:ea typeface="나눔고딕" pitchFamily="50" charset="-127"/>
+            </a:rPr>
             <a:t>01. Problem</a:t>
           </a:r>
         </a:p>
@@ -2823,7 +2826,10 @@
         <a:bodyPr/>
         <a:lstStyle/>
         <a:p>
-          <a:endParaRPr lang="en-US"/>
+          <a:endParaRPr lang="en-US" sz="2000">
+            <a:latin typeface="나눔고딕" pitchFamily="50" charset="-127"/>
+            <a:ea typeface="나눔고딕" pitchFamily="50" charset="-127"/>
+          </a:endParaRPr>
         </a:p>
       </dgm:t>
     </dgm:pt>
@@ -2834,19 +2840,25 @@
         <a:bodyPr/>
         <a:lstStyle/>
         <a:p>
-          <a:endParaRPr lang="en-US"/>
+          <a:endParaRPr lang="en-US" sz="2000">
+            <a:latin typeface="나눔고딕" pitchFamily="50" charset="-127"/>
+            <a:ea typeface="나눔고딕" pitchFamily="50" charset="-127"/>
+          </a:endParaRPr>
         </a:p>
       </dgm:t>
     </dgm:pt>
     <dgm:pt modelId="{D123C08B-1D6C-4A5E-B29C-83CD509FC28C}">
-      <dgm:prSet/>
+      <dgm:prSet custT="1"/>
       <dgm:spPr/>
       <dgm:t>
         <a:bodyPr/>
         <a:lstStyle/>
         <a:p>
           <a:r>
-            <a:rPr lang="en-US"/>
+            <a:rPr lang="en-US" sz="2000">
+              <a:latin typeface="나눔고딕" pitchFamily="50" charset="-127"/>
+              <a:ea typeface="나눔고딕" pitchFamily="50" charset="-127"/>
+            </a:rPr>
             <a:t>03. Overview</a:t>
           </a:r>
         </a:p>
@@ -2859,7 +2871,10 @@
         <a:bodyPr/>
         <a:lstStyle/>
         <a:p>
-          <a:endParaRPr lang="en-US"/>
+          <a:endParaRPr lang="en-US" sz="2000">
+            <a:latin typeface="나눔고딕" pitchFamily="50" charset="-127"/>
+            <a:ea typeface="나눔고딕" pitchFamily="50" charset="-127"/>
+          </a:endParaRPr>
         </a:p>
       </dgm:t>
     </dgm:pt>
@@ -2870,19 +2885,25 @@
         <a:bodyPr/>
         <a:lstStyle/>
         <a:p>
-          <a:endParaRPr lang="en-US"/>
+          <a:endParaRPr lang="en-US" sz="2000">
+            <a:latin typeface="나눔고딕" pitchFamily="50" charset="-127"/>
+            <a:ea typeface="나눔고딕" pitchFamily="50" charset="-127"/>
+          </a:endParaRPr>
         </a:p>
       </dgm:t>
     </dgm:pt>
     <dgm:pt modelId="{422960E1-8A06-4C74-99B8-CE01E7186A9B}">
-      <dgm:prSet/>
+      <dgm:prSet custT="1"/>
       <dgm:spPr/>
       <dgm:t>
         <a:bodyPr/>
         <a:lstStyle/>
         <a:p>
           <a:r>
-            <a:rPr lang="en-US"/>
+            <a:rPr lang="en-US" sz="2000">
+              <a:latin typeface="나눔고딕" pitchFamily="50" charset="-127"/>
+              <a:ea typeface="나눔고딕" pitchFamily="50" charset="-127"/>
+            </a:rPr>
             <a:t>04. Demo</a:t>
           </a:r>
         </a:p>
@@ -2895,7 +2916,10 @@
         <a:bodyPr/>
         <a:lstStyle/>
         <a:p>
-          <a:endParaRPr lang="en-US"/>
+          <a:endParaRPr lang="en-US" sz="2000">
+            <a:latin typeface="나눔고딕" pitchFamily="50" charset="-127"/>
+            <a:ea typeface="나눔고딕" pitchFamily="50" charset="-127"/>
+          </a:endParaRPr>
         </a:p>
       </dgm:t>
     </dgm:pt>
@@ -2906,19 +2930,25 @@
         <a:bodyPr/>
         <a:lstStyle/>
         <a:p>
-          <a:endParaRPr lang="en-US"/>
+          <a:endParaRPr lang="en-US" sz="2000">
+            <a:latin typeface="나눔고딕" pitchFamily="50" charset="-127"/>
+            <a:ea typeface="나눔고딕" pitchFamily="50" charset="-127"/>
+          </a:endParaRPr>
         </a:p>
       </dgm:t>
     </dgm:pt>
     <dgm:pt modelId="{125760B4-0A94-4E80-B0D4-174501E1F137}">
-      <dgm:prSet/>
+      <dgm:prSet custT="1"/>
       <dgm:spPr/>
       <dgm:t>
         <a:bodyPr/>
         <a:lstStyle/>
         <a:p>
           <a:r>
-            <a:rPr lang="en-US"/>
+            <a:rPr lang="en-US" sz="2000">
+              <a:latin typeface="나눔고딕" pitchFamily="50" charset="-127"/>
+              <a:ea typeface="나눔고딕" pitchFamily="50" charset="-127"/>
+            </a:rPr>
             <a:t>05. Future Prospect</a:t>
           </a:r>
         </a:p>
@@ -2931,7 +2961,10 @@
         <a:bodyPr/>
         <a:lstStyle/>
         <a:p>
-          <a:endParaRPr lang="en-US"/>
+          <a:endParaRPr lang="en-US" sz="2000">
+            <a:latin typeface="나눔고딕" pitchFamily="50" charset="-127"/>
+            <a:ea typeface="나눔고딕" pitchFamily="50" charset="-127"/>
+          </a:endParaRPr>
         </a:p>
       </dgm:t>
     </dgm:pt>
@@ -2942,19 +2975,25 @@
         <a:bodyPr/>
         <a:lstStyle/>
         <a:p>
-          <a:endParaRPr lang="en-US"/>
+          <a:endParaRPr lang="en-US" sz="2000">
+            <a:latin typeface="나눔고딕" pitchFamily="50" charset="-127"/>
+            <a:ea typeface="나눔고딕" pitchFamily="50" charset="-127"/>
+          </a:endParaRPr>
         </a:p>
       </dgm:t>
     </dgm:pt>
     <dgm:pt modelId="{53EF8FA2-12ED-4D24-A681-74E36A08DBB2}">
-      <dgm:prSet/>
+      <dgm:prSet custT="1"/>
       <dgm:spPr/>
       <dgm:t>
         <a:bodyPr/>
         <a:lstStyle/>
         <a:p>
           <a:r>
-            <a:rPr lang="en-US"/>
+            <a:rPr lang="en-US" sz="2000">
+              <a:latin typeface="나눔고딕" pitchFamily="50" charset="-127"/>
+              <a:ea typeface="나눔고딕" pitchFamily="50" charset="-127"/>
+            </a:rPr>
             <a:t>02. Difference</a:t>
           </a:r>
         </a:p>
@@ -2967,7 +3006,10 @@
         <a:bodyPr/>
         <a:lstStyle/>
         <a:p>
-          <a:endParaRPr lang="en-US"/>
+          <a:endParaRPr lang="en-US" sz="2000">
+            <a:latin typeface="나눔고딕" pitchFamily="50" charset="-127"/>
+            <a:ea typeface="나눔고딕" pitchFamily="50" charset="-127"/>
+          </a:endParaRPr>
         </a:p>
       </dgm:t>
     </dgm:pt>
@@ -2978,7 +3020,10 @@
         <a:bodyPr/>
         <a:lstStyle/>
         <a:p>
-          <a:endParaRPr lang="en-US"/>
+          <a:endParaRPr lang="en-US" sz="2000">
+            <a:latin typeface="나눔고딕" pitchFamily="50" charset="-127"/>
+            <a:ea typeface="나눔고딕" pitchFamily="50" charset="-127"/>
+          </a:endParaRPr>
         </a:p>
       </dgm:t>
     </dgm:pt>
@@ -2990,6 +3035,14 @@
         </dgm:presLayoutVars>
       </dgm:prSet>
       <dgm:spPr/>
+      <dgm:t>
+        <a:bodyPr/>
+        <a:lstStyle/>
+        <a:p>
+          <a:pPr latinLnBrk="1"/>
+          <a:endParaRPr lang="ko-KR" altLang="en-US"/>
+        </a:p>
+      </dgm:t>
     </dgm:pt>
     <dgm:pt modelId="{EBFA5CC5-75F3-4768-AF71-BC7290168657}" type="pres">
       <dgm:prSet presAssocID="{417E0FCB-4869-453D-B3F5-061275B71B96}" presName="compNode" presStyleCnt="0"/>
@@ -3027,6 +3080,14 @@
         </dgm:presLayoutVars>
       </dgm:prSet>
       <dgm:spPr/>
+      <dgm:t>
+        <a:bodyPr/>
+        <a:lstStyle/>
+        <a:p>
+          <a:pPr latinLnBrk="1"/>
+          <a:endParaRPr lang="ko-KR" altLang="en-US"/>
+        </a:p>
+      </dgm:t>
     </dgm:pt>
     <dgm:pt modelId="{5719C5AE-7C58-4C78-B473-8D32C66EFA13}" type="pres">
       <dgm:prSet presAssocID="{0CD775F0-27B8-4AED-A10F-55DDEAEF2BF6}" presName="sibTrans" presStyleCnt="0"/>
@@ -3068,6 +3129,14 @@
         </dgm:presLayoutVars>
       </dgm:prSet>
       <dgm:spPr/>
+      <dgm:t>
+        <a:bodyPr/>
+        <a:lstStyle/>
+        <a:p>
+          <a:pPr latinLnBrk="1"/>
+          <a:endParaRPr lang="ko-KR" altLang="en-US"/>
+        </a:p>
+      </dgm:t>
     </dgm:pt>
     <dgm:pt modelId="{D4A883A8-DD94-468B-AC57-21737D4212A7}" type="pres">
       <dgm:prSet presAssocID="{7417F64F-5FAB-4377-B2D9-5358300BEB9F}" presName="sibTrans" presStyleCnt="0"/>
@@ -3088,7 +3157,7 @@
           <a:blip xmlns:r="http://schemas.openxmlformats.org/officeDocument/2006/relationships" r:embed="rId3">
             <a:extLst>
               <a:ext uri="{96DAC541-7B7A-43D3-8B79-37D633B846F1}">
-                <asvg:svgBlip xmlns:asvg="http://schemas.microsoft.com/office/drawing/2016/SVG/main" r:embed="rId4"/>
+                <asvg:svgBlip xmlns:asvg="http://schemas.microsoft.com/office/drawing/2016/SVG/main" xmlns="" r:embed="rId4"/>
               </a:ext>
             </a:extLst>
           </a:blip>
@@ -3103,7 +3172,7 @@
       </dgm:spPr>
       <dgm:extLst>
         <a:ext uri="{E40237B7-FDA0-4F09-8148-C483321AD2D9}">
-          <dgm14:cNvPr xmlns:dgm14="http://schemas.microsoft.com/office/drawing/2010/diagram" id="0" name="" descr="클립보드"/>
+          <dgm14:cNvPr xmlns:dgm14="http://schemas.microsoft.com/office/drawing/2010/diagram" xmlns="" id="0" name="" descr="클립보드"/>
         </a:ext>
       </dgm:extLst>
     </dgm:pt>
@@ -3119,6 +3188,14 @@
         </dgm:presLayoutVars>
       </dgm:prSet>
       <dgm:spPr/>
+      <dgm:t>
+        <a:bodyPr/>
+        <a:lstStyle/>
+        <a:p>
+          <a:pPr latinLnBrk="1"/>
+          <a:endParaRPr lang="ko-KR" altLang="en-US"/>
+        </a:p>
+      </dgm:t>
     </dgm:pt>
     <dgm:pt modelId="{534B64A9-E8AA-41A2-B560-2D9352EE028B}" type="pres">
       <dgm:prSet presAssocID="{3E6F5820-47A0-4729-A1BB-3AB54AE30744}" presName="sibTrans" presStyleCnt="0"/>
@@ -3139,7 +3216,7 @@
           <a:blip xmlns:r="http://schemas.openxmlformats.org/officeDocument/2006/relationships" r:embed="rId5">
             <a:extLst>
               <a:ext uri="{96DAC541-7B7A-43D3-8B79-37D633B846F1}">
-                <asvg:svgBlip xmlns:asvg="http://schemas.microsoft.com/office/drawing/2016/SVG/main" r:embed="rId6"/>
+                <asvg:svgBlip xmlns:asvg="http://schemas.microsoft.com/office/drawing/2016/SVG/main" xmlns="" r:embed="rId6"/>
               </a:ext>
             </a:extLst>
           </a:blip>
@@ -3154,7 +3231,7 @@
       </dgm:spPr>
       <dgm:extLst>
         <a:ext uri="{E40237B7-FDA0-4F09-8148-C483321AD2D9}">
-          <dgm14:cNvPr xmlns:dgm14="http://schemas.microsoft.com/office/drawing/2010/diagram" id="0" name="" descr="미디어를 사용하여 프레젠테이션"/>
+          <dgm14:cNvPr xmlns:dgm14="http://schemas.microsoft.com/office/drawing/2010/diagram" xmlns="" id="0" name="" descr="미디어를 사용하여 프레젠테이션"/>
         </a:ext>
       </dgm:extLst>
     </dgm:pt>
@@ -3170,6 +3247,14 @@
         </dgm:presLayoutVars>
       </dgm:prSet>
       <dgm:spPr/>
+      <dgm:t>
+        <a:bodyPr/>
+        <a:lstStyle/>
+        <a:p>
+          <a:pPr latinLnBrk="1"/>
+          <a:endParaRPr lang="ko-KR" altLang="en-US"/>
+        </a:p>
+      </dgm:t>
     </dgm:pt>
     <dgm:pt modelId="{8E9846EF-893C-4F79-99C2-D0001EFB064B}" type="pres">
       <dgm:prSet presAssocID="{EFA90031-D2D2-4317-875B-EA8C1264DC80}" presName="sibTrans" presStyleCnt="0"/>
@@ -3190,10 +3275,10 @@
           <a:blip xmlns:r="http://schemas.openxmlformats.org/officeDocument/2006/relationships" r:embed="rId7">
             <a:extLst>
               <a:ext uri="{28A0092B-C50C-407E-A947-70E740481C1C}">
-                <a14:useLocalDpi xmlns:a14="http://schemas.microsoft.com/office/drawing/2010/main" val="0"/>
+                <a14:useLocalDpi xmlns:a14="http://schemas.microsoft.com/office/drawing/2010/main" xmlns="" val="0"/>
               </a:ext>
               <a:ext uri="{96DAC541-7B7A-43D3-8B79-37D633B846F1}">
-                <asvg:svgBlip xmlns:asvg="http://schemas.microsoft.com/office/drawing/2016/SVG/main" r:embed="rId8"/>
+                <asvg:svgBlip xmlns:asvg="http://schemas.microsoft.com/office/drawing/2016/SVG/main" xmlns="" r:embed="rId8"/>
               </a:ext>
             </a:extLst>
           </a:blip>
@@ -3207,7 +3292,7 @@
       </dgm:spPr>
       <dgm:extLst>
         <a:ext uri="{E40237B7-FDA0-4F09-8148-C483321AD2D9}">
-          <dgm14:cNvPr xmlns:dgm14="http://schemas.microsoft.com/office/drawing/2010/diagram" id="0" name="" descr="Open Enrollment"/>
+          <dgm14:cNvPr xmlns:dgm14="http://schemas.microsoft.com/office/drawing/2010/diagram" xmlns="" id="0" name="" descr="Open Enrollment"/>
         </a:ext>
       </dgm:extLst>
     </dgm:pt>
@@ -3223,19 +3308,27 @@
         </dgm:presLayoutVars>
       </dgm:prSet>
       <dgm:spPr/>
+      <dgm:t>
+        <a:bodyPr/>
+        <a:lstStyle/>
+        <a:p>
+          <a:pPr latinLnBrk="1"/>
+          <a:endParaRPr lang="ko-KR" altLang="en-US"/>
+        </a:p>
+      </dgm:t>
     </dgm:pt>
   </dgm:ptLst>
   <dgm:cxnLst>
+    <dgm:cxn modelId="{3CDD6D52-AADC-4FB5-9716-C50580AD6F2A}" srcId="{5ACD299C-5E25-46F4-A948-BB35A9761240}" destId="{422960E1-8A06-4C74-99B8-CE01E7186A9B}" srcOrd="3" destOrd="0" parTransId="{B6E94084-F07A-405B-B32D-4FCD90DF6858}" sibTransId="{EFA90031-D2D2-4317-875B-EA8C1264DC80}"/>
+    <dgm:cxn modelId="{767AEFAA-621C-4E0C-89EE-80D5073410CD}" srcId="{5ACD299C-5E25-46F4-A948-BB35A9761240}" destId="{53EF8FA2-12ED-4D24-A681-74E36A08DBB2}" srcOrd="1" destOrd="0" parTransId="{F6F76FBE-489B-4C67-B586-C7878F1D7349}" sibTransId="{7417F64F-5FAB-4377-B2D9-5358300BEB9F}"/>
+    <dgm:cxn modelId="{EBA8E59F-9F85-4909-A0A6-273D30F701FF}" srcId="{5ACD299C-5E25-46F4-A948-BB35A9761240}" destId="{125760B4-0A94-4E80-B0D4-174501E1F137}" srcOrd="4" destOrd="0" parTransId="{10415F0A-5789-49E1-8AB3-901F244E5999}" sibTransId="{0BE4A6DB-7490-4673-B0A7-C23A35F2E38C}"/>
     <dgm:cxn modelId="{2F2EF645-D7F7-41BF-837E-E28AED4C25F2}" srcId="{5ACD299C-5E25-46F4-A948-BB35A9761240}" destId="{417E0FCB-4869-453D-B3F5-061275B71B96}" srcOrd="0" destOrd="0" parTransId="{6F95D94C-D2BE-4C8A-94B9-EEAFFBFB7E6F}" sibTransId="{0CD775F0-27B8-4AED-A10F-55DDEAEF2BF6}"/>
-    <dgm:cxn modelId="{3CDD6D52-AADC-4FB5-9716-C50580AD6F2A}" srcId="{5ACD299C-5E25-46F4-A948-BB35A9761240}" destId="{422960E1-8A06-4C74-99B8-CE01E7186A9B}" srcOrd="3" destOrd="0" parTransId="{B6E94084-F07A-405B-B32D-4FCD90DF6858}" sibTransId="{EFA90031-D2D2-4317-875B-EA8C1264DC80}"/>
+    <dgm:cxn modelId="{C9776DA4-AFA6-4E2B-B616-E19CC9355BF5}" type="presOf" srcId="{D123C08B-1D6C-4A5E-B29C-83CD509FC28C}" destId="{1052781D-0C3E-4384-B10C-A5491A63248C}" srcOrd="0" destOrd="0" presId="urn:microsoft.com/office/officeart/2018/2/layout/IconVerticalSolidList"/>
+    <dgm:cxn modelId="{A4AAB49B-3F97-45B2-AF01-C2CFF7A44A3E}" type="presOf" srcId="{417E0FCB-4869-453D-B3F5-061275B71B96}" destId="{CAE94781-AB6A-4197-9706-FE35B560DF2A}" srcOrd="0" destOrd="0" presId="urn:microsoft.com/office/officeart/2018/2/layout/IconVerticalSolidList"/>
+    <dgm:cxn modelId="{04215CF2-E49E-44DA-BCEA-28E02A4C541F}" type="presOf" srcId="{422960E1-8A06-4C74-99B8-CE01E7186A9B}" destId="{844001CC-F8D8-493C-9795-F5C663BC03ED}" srcOrd="0" destOrd="0" presId="urn:microsoft.com/office/officeart/2018/2/layout/IconVerticalSolidList"/>
     <dgm:cxn modelId="{39E8C898-04BB-4091-B407-F0DE350E1687}" type="presOf" srcId="{125760B4-0A94-4E80-B0D4-174501E1F137}" destId="{3701CB5F-ECBB-4A5D-8F93-0CDAF913CAFE}" srcOrd="0" destOrd="0" presId="urn:microsoft.com/office/officeart/2018/2/layout/IconVerticalSolidList"/>
-    <dgm:cxn modelId="{A4AAB49B-3F97-45B2-AF01-C2CFF7A44A3E}" type="presOf" srcId="{417E0FCB-4869-453D-B3F5-061275B71B96}" destId="{CAE94781-AB6A-4197-9706-FE35B560DF2A}" srcOrd="0" destOrd="0" presId="urn:microsoft.com/office/officeart/2018/2/layout/IconVerticalSolidList"/>
+    <dgm:cxn modelId="{57162BE7-DB6E-4EA9-9A75-C84B52B657AA}" type="presOf" srcId="{53EF8FA2-12ED-4D24-A681-74E36A08DBB2}" destId="{8B19D5F0-D706-480B-98D9-0DC4D4E9A689}" srcOrd="0" destOrd="0" presId="urn:microsoft.com/office/officeart/2018/2/layout/IconVerticalSolidList"/>
     <dgm:cxn modelId="{EE4A1B9C-FC44-4719-8596-3E7CCE552331}" srcId="{5ACD299C-5E25-46F4-A948-BB35A9761240}" destId="{D123C08B-1D6C-4A5E-B29C-83CD509FC28C}" srcOrd="2" destOrd="0" parTransId="{071D5D87-C48F-4439-9AA3-4BA3E9D15285}" sibTransId="{3E6F5820-47A0-4729-A1BB-3AB54AE30744}"/>
-    <dgm:cxn modelId="{EBA8E59F-9F85-4909-A0A6-273D30F701FF}" srcId="{5ACD299C-5E25-46F4-A948-BB35A9761240}" destId="{125760B4-0A94-4E80-B0D4-174501E1F137}" srcOrd="4" destOrd="0" parTransId="{10415F0A-5789-49E1-8AB3-901F244E5999}" sibTransId="{0BE4A6DB-7490-4673-B0A7-C23A35F2E38C}"/>
-    <dgm:cxn modelId="{C9776DA4-AFA6-4E2B-B616-E19CC9355BF5}" type="presOf" srcId="{D123C08B-1D6C-4A5E-B29C-83CD509FC28C}" destId="{1052781D-0C3E-4384-B10C-A5491A63248C}" srcOrd="0" destOrd="0" presId="urn:microsoft.com/office/officeart/2018/2/layout/IconVerticalSolidList"/>
-    <dgm:cxn modelId="{767AEFAA-621C-4E0C-89EE-80D5073410CD}" srcId="{5ACD299C-5E25-46F4-A948-BB35A9761240}" destId="{53EF8FA2-12ED-4D24-A681-74E36A08DBB2}" srcOrd="1" destOrd="0" parTransId="{F6F76FBE-489B-4C67-B586-C7878F1D7349}" sibTransId="{7417F64F-5FAB-4377-B2D9-5358300BEB9F}"/>
-    <dgm:cxn modelId="{57162BE7-DB6E-4EA9-9A75-C84B52B657AA}" type="presOf" srcId="{53EF8FA2-12ED-4D24-A681-74E36A08DBB2}" destId="{8B19D5F0-D706-480B-98D9-0DC4D4E9A689}" srcOrd="0" destOrd="0" presId="urn:microsoft.com/office/officeart/2018/2/layout/IconVerticalSolidList"/>
-    <dgm:cxn modelId="{04215CF2-E49E-44DA-BCEA-28E02A4C541F}" type="presOf" srcId="{422960E1-8A06-4C74-99B8-CE01E7186A9B}" destId="{844001CC-F8D8-493C-9795-F5C663BC03ED}" srcOrd="0" destOrd="0" presId="urn:microsoft.com/office/officeart/2018/2/layout/IconVerticalSolidList"/>
     <dgm:cxn modelId="{9FED51FB-D721-42FD-A69D-8DD54903EBD1}" type="presOf" srcId="{5ACD299C-5E25-46F4-A948-BB35A9761240}" destId="{0C68C339-CF02-4E0C-9E5F-48DAB18E54CA}" srcOrd="0" destOrd="0" presId="urn:microsoft.com/office/officeart/2018/2/layout/IconVerticalSolidList"/>
     <dgm:cxn modelId="{2BFF0A2B-39F6-4B84-938D-4894AB9024DE}" type="presParOf" srcId="{0C68C339-CF02-4E0C-9E5F-48DAB18E54CA}" destId="{EBFA5CC5-75F3-4768-AF71-BC7290168657}" srcOrd="0" destOrd="0" presId="urn:microsoft.com/office/officeart/2018/2/layout/IconVerticalSolidList"/>
     <dgm:cxn modelId="{57AC875A-5FD9-4C7A-84AB-7918FEF44740}" type="presParOf" srcId="{EBFA5CC5-75F3-4768-AF71-BC7290168657}" destId="{C1417FB3-E4E9-41E3-A5AD-808A59F8E0EE}" srcOrd="0" destOrd="0" presId="urn:microsoft.com/office/officeart/2018/2/layout/IconVerticalSolidList"/>
@@ -3271,7 +3364,7 @@
   <dgm:whole/>
   <dgm:extLst>
     <a:ext uri="http://schemas.microsoft.com/office/drawing/2008/diagram">
-      <dsp:dataModelExt xmlns:dsp="http://schemas.microsoft.com/office/drawing/2008/diagram" relId="rId6" minVer="http://schemas.openxmlformats.org/drawingml/2006/diagram"/>
+      <dsp:dataModelExt xmlns:dsp="http://schemas.microsoft.com/office/drawing/2008/diagram" xmlns="" relId="rId6" minVer="http://schemas.openxmlformats.org/drawingml/2006/diagram"/>
     </a:ext>
   </dgm:extLst>
 </dgm:dataModel>
@@ -3302,7 +3395,10 @@
             <a:defRPr cap="all"/>
           </a:pPr>
           <a:r>
-            <a:rPr lang="en-US"/>
+            <a:rPr lang="en-US" dirty="0">
+              <a:latin typeface="나눔바른펜" pitchFamily="50" charset="-127"/>
+              <a:ea typeface="나눔바른펜" pitchFamily="50" charset="-127"/>
+            </a:rPr>
             <a:t>Expandability</a:t>
           </a:r>
         </a:p>
@@ -3315,7 +3411,10 @@
         <a:bodyPr/>
         <a:lstStyle/>
         <a:p>
-          <a:endParaRPr lang="en-US"/>
+          <a:endParaRPr lang="en-US">
+            <a:latin typeface="나눔바른펜" pitchFamily="50" charset="-127"/>
+            <a:ea typeface="나눔바른펜" pitchFamily="50" charset="-127"/>
+          </a:endParaRPr>
         </a:p>
       </dgm:t>
     </dgm:pt>
@@ -3326,7 +3425,10 @@
         <a:bodyPr/>
         <a:lstStyle/>
         <a:p>
-          <a:endParaRPr lang="en-US"/>
+          <a:endParaRPr lang="en-US">
+            <a:latin typeface="나눔바른펜" pitchFamily="50" charset="-127"/>
+            <a:ea typeface="나눔바른펜" pitchFamily="50" charset="-127"/>
+          </a:endParaRPr>
         </a:p>
       </dgm:t>
     </dgm:pt>
@@ -3341,7 +3443,10 @@
             <a:defRPr cap="all"/>
           </a:pPr>
           <a:r>
-            <a:rPr lang="en-US"/>
+            <a:rPr lang="en-US" dirty="0">
+              <a:latin typeface="나눔바른펜" pitchFamily="50" charset="-127"/>
+              <a:ea typeface="나눔바른펜" pitchFamily="50" charset="-127"/>
+            </a:rPr>
             <a:t>Whole room control</a:t>
           </a:r>
         </a:p>
@@ -3354,7 +3459,10 @@
         <a:bodyPr/>
         <a:lstStyle/>
         <a:p>
-          <a:endParaRPr lang="en-US"/>
+          <a:endParaRPr lang="en-US">
+            <a:latin typeface="나눔바른펜" pitchFamily="50" charset="-127"/>
+            <a:ea typeface="나눔바른펜" pitchFamily="50" charset="-127"/>
+          </a:endParaRPr>
         </a:p>
       </dgm:t>
     </dgm:pt>
@@ -3365,7 +3473,10 @@
         <a:bodyPr/>
         <a:lstStyle/>
         <a:p>
-          <a:endParaRPr lang="en-US"/>
+          <a:endParaRPr lang="en-US">
+            <a:latin typeface="나눔바른펜" pitchFamily="50" charset="-127"/>
+            <a:ea typeface="나눔바른펜" pitchFamily="50" charset="-127"/>
+          </a:endParaRPr>
         </a:p>
       </dgm:t>
     </dgm:pt>
@@ -3377,6 +3488,14 @@
         </dgm:presLayoutVars>
       </dgm:prSet>
       <dgm:spPr/>
+      <dgm:t>
+        <a:bodyPr/>
+        <a:lstStyle/>
+        <a:p>
+          <a:pPr latinLnBrk="1"/>
+          <a:endParaRPr lang="ko-KR" altLang="en-US"/>
+        </a:p>
+      </dgm:t>
     </dgm:pt>
     <dgm:pt modelId="{D2785325-3F41-40DE-A7C0-BBB2CECFA736}" type="pres">
       <dgm:prSet presAssocID="{56BE57BE-BE3D-4992-BD4E-909F196784EF}" presName="compNode" presStyleCnt="0"/>
@@ -3400,10 +3519,10 @@
           <a:blip xmlns:r="http://schemas.openxmlformats.org/officeDocument/2006/relationships" r:embed="rId1">
             <a:extLst>
               <a:ext uri="{28A0092B-C50C-407E-A947-70E740481C1C}">
-                <a14:useLocalDpi xmlns:a14="http://schemas.microsoft.com/office/drawing/2010/main" val="0"/>
+                <a14:useLocalDpi xmlns:a14="http://schemas.microsoft.com/office/drawing/2010/main" xmlns="" val="0"/>
               </a:ext>
               <a:ext uri="{96DAC541-7B7A-43D3-8B79-37D633B846F1}">
-                <asvg:svgBlip xmlns:asvg="http://schemas.microsoft.com/office/drawing/2016/SVG/main" r:embed="rId2"/>
+                <asvg:svgBlip xmlns:asvg="http://schemas.microsoft.com/office/drawing/2016/SVG/main" xmlns="" r:embed="rId2"/>
               </a:ext>
             </a:extLst>
           </a:blip>
@@ -3418,7 +3537,7 @@
       </dgm:spPr>
       <dgm:extLst>
         <a:ext uri="{E40237B7-FDA0-4F09-8148-C483321AD2D9}">
-          <dgm14:cNvPr xmlns:dgm14="http://schemas.microsoft.com/office/drawing/2010/diagram" id="0" name="" descr="최대화"/>
+          <dgm14:cNvPr xmlns:dgm14="http://schemas.microsoft.com/office/drawing/2010/diagram" xmlns="" id="0" name="" descr="최대화"/>
         </a:ext>
       </dgm:extLst>
     </dgm:pt>
@@ -3427,13 +3546,21 @@
       <dgm:spPr/>
     </dgm:pt>
     <dgm:pt modelId="{F46F8FF8-FEC5-4E0B-9BCA-C491A5831307}" type="pres">
-      <dgm:prSet presAssocID="{56BE57BE-BE3D-4992-BD4E-909F196784EF}" presName="textRect" presStyleLbl="revTx" presStyleIdx="0" presStyleCnt="2">
+      <dgm:prSet presAssocID="{56BE57BE-BE3D-4992-BD4E-909F196784EF}" presName="textRect" presStyleLbl="revTx" presStyleIdx="0" presStyleCnt="2" custLinFactNeighborY="-50890">
         <dgm:presLayoutVars>
           <dgm:chMax val="1"/>
           <dgm:chPref val="1"/>
         </dgm:presLayoutVars>
       </dgm:prSet>
       <dgm:spPr/>
+      <dgm:t>
+        <a:bodyPr/>
+        <a:lstStyle/>
+        <a:p>
+          <a:pPr latinLnBrk="1"/>
+          <a:endParaRPr lang="ko-KR" altLang="en-US"/>
+        </a:p>
+      </dgm:t>
     </dgm:pt>
     <dgm:pt modelId="{12E067E0-DA7F-4CF1-9736-79EA285E01B8}" type="pres">
       <dgm:prSet presAssocID="{A0A94812-F3D6-415F-9EFC-48F5DF980DBD}" presName="sibTrans" presStyleCnt="0"/>
@@ -3461,7 +3588,7 @@
           <a:blip xmlns:r="http://schemas.openxmlformats.org/officeDocument/2006/relationships" r:embed="rId3">
             <a:extLst>
               <a:ext uri="{96DAC541-7B7A-43D3-8B79-37D633B846F1}">
-                <asvg:svgBlip xmlns:asvg="http://schemas.microsoft.com/office/drawing/2016/SVG/main" r:embed="rId4"/>
+                <asvg:svgBlip xmlns:asvg="http://schemas.microsoft.com/office/drawing/2016/SVG/main" xmlns="" r:embed="rId4"/>
               </a:ext>
             </a:extLst>
           </a:blip>
@@ -3476,7 +3603,7 @@
       </dgm:spPr>
       <dgm:extLst>
         <a:ext uri="{E40237B7-FDA0-4F09-8148-C483321AD2D9}">
-          <dgm14:cNvPr xmlns:dgm14="http://schemas.microsoft.com/office/drawing/2010/diagram" id="0" name="" descr="집"/>
+          <dgm14:cNvPr xmlns:dgm14="http://schemas.microsoft.com/office/drawing/2010/diagram" xmlns="" id="0" name="" descr="집"/>
         </a:ext>
       </dgm:extLst>
     </dgm:pt>
@@ -3485,21 +3612,29 @@
       <dgm:spPr/>
     </dgm:pt>
     <dgm:pt modelId="{18B257E2-EE44-492B-95BF-6B72CA64DBAE}" type="pres">
-      <dgm:prSet presAssocID="{47B24CDB-85B8-4D9B-BB2B-A30DE2AAF8AE}" presName="textRect" presStyleLbl="revTx" presStyleIdx="1" presStyleCnt="2">
+      <dgm:prSet presAssocID="{47B24CDB-85B8-4D9B-BB2B-A30DE2AAF8AE}" presName="textRect" presStyleLbl="revTx" presStyleIdx="1" presStyleCnt="2" custLinFactNeighborY="-50890">
         <dgm:presLayoutVars>
           <dgm:chMax val="1"/>
           <dgm:chPref val="1"/>
         </dgm:presLayoutVars>
       </dgm:prSet>
       <dgm:spPr/>
+      <dgm:t>
+        <a:bodyPr/>
+        <a:lstStyle/>
+        <a:p>
+          <a:pPr latinLnBrk="1"/>
+          <a:endParaRPr lang="ko-KR" altLang="en-US"/>
+        </a:p>
+      </dgm:t>
     </dgm:pt>
   </dgm:ptLst>
   <dgm:cxnLst>
+    <dgm:cxn modelId="{AEAC19D5-37EB-44BE-8323-1D9DD73D41B0}" srcId="{FB179D03-55A4-4BFB-BA29-A1AE58BE4D5D}" destId="{47B24CDB-85B8-4D9B-BB2B-A30DE2AAF8AE}" srcOrd="1" destOrd="0" parTransId="{47AEA7CD-2877-494B-94C6-60C90AD7AA9B}" sibTransId="{EF300F6B-C2EC-4A20-BD34-C7D4B5587E35}"/>
+    <dgm:cxn modelId="{B3F98C36-F89B-4649-A42C-6A8132827695}" type="presOf" srcId="{47B24CDB-85B8-4D9B-BB2B-A30DE2AAF8AE}" destId="{18B257E2-EE44-492B-95BF-6B72CA64DBAE}" srcOrd="0" destOrd="0" presId="urn:microsoft.com/office/officeart/2018/5/layout/IconLeafLabelList"/>
+    <dgm:cxn modelId="{227826D9-7AE1-453C-9DF1-74AC36466407}" srcId="{FB179D03-55A4-4BFB-BA29-A1AE58BE4D5D}" destId="{56BE57BE-BE3D-4992-BD4E-909F196784EF}" srcOrd="0" destOrd="0" parTransId="{56B4A710-DE0F-4881-9DE5-0C39EE7A2A18}" sibTransId="{A0A94812-F3D6-415F-9EFC-48F5DF980DBD}"/>
+    <dgm:cxn modelId="{2D48AD8A-743B-435B-9918-6E72B4150AA6}" type="presOf" srcId="{FB179D03-55A4-4BFB-BA29-A1AE58BE4D5D}" destId="{9C63DDD2-A999-466E-9A3A-E9773D4BA9F4}" srcOrd="0" destOrd="0" presId="urn:microsoft.com/office/officeart/2018/5/layout/IconLeafLabelList"/>
     <dgm:cxn modelId="{F93F1121-CA25-4A49-B779-880240CC3EFC}" type="presOf" srcId="{56BE57BE-BE3D-4992-BD4E-909F196784EF}" destId="{F46F8FF8-FEC5-4E0B-9BCA-C491A5831307}" srcOrd="0" destOrd="0" presId="urn:microsoft.com/office/officeart/2018/5/layout/IconLeafLabelList"/>
-    <dgm:cxn modelId="{B3F98C36-F89B-4649-A42C-6A8132827695}" type="presOf" srcId="{47B24CDB-85B8-4D9B-BB2B-A30DE2AAF8AE}" destId="{18B257E2-EE44-492B-95BF-6B72CA64DBAE}" srcOrd="0" destOrd="0" presId="urn:microsoft.com/office/officeart/2018/5/layout/IconLeafLabelList"/>
-    <dgm:cxn modelId="{2D48AD8A-743B-435B-9918-6E72B4150AA6}" type="presOf" srcId="{FB179D03-55A4-4BFB-BA29-A1AE58BE4D5D}" destId="{9C63DDD2-A999-466E-9A3A-E9773D4BA9F4}" srcOrd="0" destOrd="0" presId="urn:microsoft.com/office/officeart/2018/5/layout/IconLeafLabelList"/>
-    <dgm:cxn modelId="{AEAC19D5-37EB-44BE-8323-1D9DD73D41B0}" srcId="{FB179D03-55A4-4BFB-BA29-A1AE58BE4D5D}" destId="{47B24CDB-85B8-4D9B-BB2B-A30DE2AAF8AE}" srcOrd="1" destOrd="0" parTransId="{47AEA7CD-2877-494B-94C6-60C90AD7AA9B}" sibTransId="{EF300F6B-C2EC-4A20-BD34-C7D4B5587E35}"/>
-    <dgm:cxn modelId="{227826D9-7AE1-453C-9DF1-74AC36466407}" srcId="{FB179D03-55A4-4BFB-BA29-A1AE58BE4D5D}" destId="{56BE57BE-BE3D-4992-BD4E-909F196784EF}" srcOrd="0" destOrd="0" parTransId="{56B4A710-DE0F-4881-9DE5-0C39EE7A2A18}" sibTransId="{A0A94812-F3D6-415F-9EFC-48F5DF980DBD}"/>
     <dgm:cxn modelId="{DC5128CD-939A-480E-86BF-5B43D2F43E07}" type="presParOf" srcId="{9C63DDD2-A999-466E-9A3A-E9773D4BA9F4}" destId="{D2785325-3F41-40DE-A7C0-BBB2CECFA736}" srcOrd="0" destOrd="0" presId="urn:microsoft.com/office/officeart/2018/5/layout/IconLeafLabelList"/>
     <dgm:cxn modelId="{4D48D250-D9B9-456B-921B-65AEE0941D23}" type="presParOf" srcId="{D2785325-3F41-40DE-A7C0-BBB2CECFA736}" destId="{BBA4621A-322C-435D-9E4A-BA01548D0E1B}" srcOrd="0" destOrd="0" presId="urn:microsoft.com/office/officeart/2018/5/layout/IconLeafLabelList"/>
     <dgm:cxn modelId="{94377762-6C08-46EA-8C82-1A5FB2CEA71A}" type="presParOf" srcId="{D2785325-3F41-40DE-A7C0-BBB2CECFA736}" destId="{3E6B9650-8EA8-4C86-8EBF-6C9A2756D111}" srcOrd="1" destOrd="0" presId="urn:microsoft.com/office/officeart/2018/5/layout/IconLeafLabelList"/>
@@ -3516,7 +3651,7 @@
   <dgm:whole/>
   <dgm:extLst>
     <a:ext uri="http://schemas.microsoft.com/office/drawing/2008/diagram">
-      <dsp:dataModelExt xmlns:dsp="http://schemas.microsoft.com/office/drawing/2008/diagram" relId="rId6" minVer="http://schemas.openxmlformats.org/drawingml/2006/diagram"/>
+      <dsp:dataModelExt xmlns:dsp="http://schemas.microsoft.com/office/drawing/2008/diagram" xmlns="" relId="rId6" minVer="http://schemas.openxmlformats.org/drawingml/2006/diagram"/>
     </a:ext>
   </dgm:extLst>
 </dgm:dataModel>
@@ -3788,6 +3923,14 @@
         </dgm:presLayoutVars>
       </dgm:prSet>
       <dgm:spPr/>
+      <dgm:t>
+        <a:bodyPr/>
+        <a:lstStyle/>
+        <a:p>
+          <a:pPr latinLnBrk="1"/>
+          <a:endParaRPr lang="ko-KR" altLang="en-US"/>
+        </a:p>
+      </dgm:t>
     </dgm:pt>
     <dgm:pt modelId="{5807772E-2887-424A-BDC8-C7678CBECE06}" type="pres">
       <dgm:prSet presAssocID="{C40F0CCF-B4D7-40BD-A111-1C7035A35CFC}" presName="root1" presStyleCnt="0"/>
@@ -3800,6 +3943,14 @@
         </dgm:presLayoutVars>
       </dgm:prSet>
       <dgm:spPr/>
+      <dgm:t>
+        <a:bodyPr/>
+        <a:lstStyle/>
+        <a:p>
+          <a:pPr latinLnBrk="1"/>
+          <a:endParaRPr lang="ko-KR" altLang="en-US"/>
+        </a:p>
+      </dgm:t>
     </dgm:pt>
     <dgm:pt modelId="{C48E6FCD-4BE7-4D6B-9BD7-91A537CFA336}" type="pres">
       <dgm:prSet presAssocID="{C40F0CCF-B4D7-40BD-A111-1C7035A35CFC}" presName="level2hierChild" presStyleCnt="0"/>
@@ -3808,10 +3959,26 @@
     <dgm:pt modelId="{FE5D332E-24B7-4DE0-B775-C78983F9023D}" type="pres">
       <dgm:prSet presAssocID="{B18E8640-6777-4376-A3D6-5B2EA3672B59}" presName="conn2-1" presStyleLbl="parChTrans1D2" presStyleIdx="0" presStyleCnt="2"/>
       <dgm:spPr/>
+      <dgm:t>
+        <a:bodyPr/>
+        <a:lstStyle/>
+        <a:p>
+          <a:pPr latinLnBrk="1"/>
+          <a:endParaRPr lang="ko-KR" altLang="en-US"/>
+        </a:p>
+      </dgm:t>
     </dgm:pt>
     <dgm:pt modelId="{237E3D2B-4B81-43BB-A7F6-46714F4DB0F6}" type="pres">
       <dgm:prSet presAssocID="{B18E8640-6777-4376-A3D6-5B2EA3672B59}" presName="connTx" presStyleLbl="parChTrans1D2" presStyleIdx="0" presStyleCnt="2"/>
       <dgm:spPr/>
+      <dgm:t>
+        <a:bodyPr/>
+        <a:lstStyle/>
+        <a:p>
+          <a:pPr latinLnBrk="1"/>
+          <a:endParaRPr lang="ko-KR" altLang="en-US"/>
+        </a:p>
+      </dgm:t>
     </dgm:pt>
     <dgm:pt modelId="{C30D8EE0-2101-4130-9D24-B03E373D8B83}" type="pres">
       <dgm:prSet presAssocID="{A8093207-9065-41C6-A575-923E50CD1C43}" presName="root2" presStyleCnt="0"/>
@@ -3824,6 +3991,14 @@
         </dgm:presLayoutVars>
       </dgm:prSet>
       <dgm:spPr/>
+      <dgm:t>
+        <a:bodyPr/>
+        <a:lstStyle/>
+        <a:p>
+          <a:pPr latinLnBrk="1"/>
+          <a:endParaRPr lang="ko-KR" altLang="en-US"/>
+        </a:p>
+      </dgm:t>
     </dgm:pt>
     <dgm:pt modelId="{73869C20-F17A-4361-8BBD-07BA1350D49E}" type="pres">
       <dgm:prSet presAssocID="{A8093207-9065-41C6-A575-923E50CD1C43}" presName="level3hierChild" presStyleCnt="0"/>
@@ -3832,10 +4007,26 @@
     <dgm:pt modelId="{3A63F886-0103-4EF1-AA03-2D8A0F946D45}" type="pres">
       <dgm:prSet presAssocID="{D90C114C-505D-474E-BFBE-7C34B8359F4E}" presName="conn2-1" presStyleLbl="parChTrans1D3" presStyleIdx="0" presStyleCnt="2"/>
       <dgm:spPr/>
+      <dgm:t>
+        <a:bodyPr/>
+        <a:lstStyle/>
+        <a:p>
+          <a:pPr latinLnBrk="1"/>
+          <a:endParaRPr lang="ko-KR" altLang="en-US"/>
+        </a:p>
+      </dgm:t>
     </dgm:pt>
     <dgm:pt modelId="{A5625E34-1686-42D5-9390-C75FF20E056D}" type="pres">
       <dgm:prSet presAssocID="{D90C114C-505D-474E-BFBE-7C34B8359F4E}" presName="connTx" presStyleLbl="parChTrans1D3" presStyleIdx="0" presStyleCnt="2"/>
       <dgm:spPr/>
+      <dgm:t>
+        <a:bodyPr/>
+        <a:lstStyle/>
+        <a:p>
+          <a:pPr latinLnBrk="1"/>
+          <a:endParaRPr lang="ko-KR" altLang="en-US"/>
+        </a:p>
+      </dgm:t>
     </dgm:pt>
     <dgm:pt modelId="{08F88B2D-C1AB-4B80-A02F-108903B2D838}" type="pres">
       <dgm:prSet presAssocID="{2C9E3462-1F0D-4F6A-855E-FFEFADBE506B}" presName="root2" presStyleCnt="0"/>
@@ -3848,6 +4039,14 @@
         </dgm:presLayoutVars>
       </dgm:prSet>
       <dgm:spPr/>
+      <dgm:t>
+        <a:bodyPr/>
+        <a:lstStyle/>
+        <a:p>
+          <a:pPr latinLnBrk="1"/>
+          <a:endParaRPr lang="ko-KR" altLang="en-US"/>
+        </a:p>
+      </dgm:t>
     </dgm:pt>
     <dgm:pt modelId="{103B9D9C-00CB-43AD-8769-60FFDB175D5B}" type="pres">
       <dgm:prSet presAssocID="{2C9E3462-1F0D-4F6A-855E-FFEFADBE506B}" presName="level3hierChild" presStyleCnt="0"/>
@@ -3856,10 +4055,26 @@
     <dgm:pt modelId="{2DB14C51-0D40-4FD7-ABD5-663C7ED61A25}" type="pres">
       <dgm:prSet presAssocID="{37BFD930-A191-4B96-A286-2713362D6521}" presName="conn2-1" presStyleLbl="parChTrans1D4" presStyleIdx="0" presStyleCnt="1"/>
       <dgm:spPr/>
+      <dgm:t>
+        <a:bodyPr/>
+        <a:lstStyle/>
+        <a:p>
+          <a:pPr latinLnBrk="1"/>
+          <a:endParaRPr lang="ko-KR" altLang="en-US"/>
+        </a:p>
+      </dgm:t>
     </dgm:pt>
     <dgm:pt modelId="{3395913D-06A2-46F0-AAA1-C636C28303B3}" type="pres">
       <dgm:prSet presAssocID="{37BFD930-A191-4B96-A286-2713362D6521}" presName="connTx" presStyleLbl="parChTrans1D4" presStyleIdx="0" presStyleCnt="1"/>
       <dgm:spPr/>
+      <dgm:t>
+        <a:bodyPr/>
+        <a:lstStyle/>
+        <a:p>
+          <a:pPr latinLnBrk="1"/>
+          <a:endParaRPr lang="ko-KR" altLang="en-US"/>
+        </a:p>
+      </dgm:t>
     </dgm:pt>
     <dgm:pt modelId="{32C877A8-C103-461C-9F9F-2D39B6A5FC4B}" type="pres">
       <dgm:prSet presAssocID="{EFB0823C-3E8B-4796-BF1F-9AA6B30C8DF9}" presName="root2" presStyleCnt="0"/>
@@ -3872,6 +4087,14 @@
         </dgm:presLayoutVars>
       </dgm:prSet>
       <dgm:spPr/>
+      <dgm:t>
+        <a:bodyPr/>
+        <a:lstStyle/>
+        <a:p>
+          <a:pPr latinLnBrk="1"/>
+          <a:endParaRPr lang="ko-KR" altLang="en-US"/>
+        </a:p>
+      </dgm:t>
     </dgm:pt>
     <dgm:pt modelId="{46CF6A95-586F-4BFB-9403-3A04E24792BE}" type="pres">
       <dgm:prSet presAssocID="{EFB0823C-3E8B-4796-BF1F-9AA6B30C8DF9}" presName="level3hierChild" presStyleCnt="0"/>
@@ -3880,10 +4103,26 @@
     <dgm:pt modelId="{F258A24A-19F4-4774-AE70-4D81CA39719B}" type="pres">
       <dgm:prSet presAssocID="{12AAB9E5-C98B-4113-ADA4-E303BF5500F3}" presName="conn2-1" presStyleLbl="parChTrans1D2" presStyleIdx="1" presStyleCnt="2"/>
       <dgm:spPr/>
+      <dgm:t>
+        <a:bodyPr/>
+        <a:lstStyle/>
+        <a:p>
+          <a:pPr latinLnBrk="1"/>
+          <a:endParaRPr lang="ko-KR" altLang="en-US"/>
+        </a:p>
+      </dgm:t>
     </dgm:pt>
     <dgm:pt modelId="{CC774972-7C2D-4C77-8B9D-F20D72BC7198}" type="pres">
       <dgm:prSet presAssocID="{12AAB9E5-C98B-4113-ADA4-E303BF5500F3}" presName="connTx" presStyleLbl="parChTrans1D2" presStyleIdx="1" presStyleCnt="2"/>
       <dgm:spPr/>
+      <dgm:t>
+        <a:bodyPr/>
+        <a:lstStyle/>
+        <a:p>
+          <a:pPr latinLnBrk="1"/>
+          <a:endParaRPr lang="ko-KR" altLang="en-US"/>
+        </a:p>
+      </dgm:t>
     </dgm:pt>
     <dgm:pt modelId="{20F85196-A142-4DB4-A661-AFED3070D157}" type="pres">
       <dgm:prSet presAssocID="{47C7C607-356A-4AB1-A5F0-ABDB90558C9E}" presName="root2" presStyleCnt="0"/>
@@ -3896,6 +4135,14 @@
         </dgm:presLayoutVars>
       </dgm:prSet>
       <dgm:spPr/>
+      <dgm:t>
+        <a:bodyPr/>
+        <a:lstStyle/>
+        <a:p>
+          <a:pPr latinLnBrk="1"/>
+          <a:endParaRPr lang="ko-KR" altLang="en-US"/>
+        </a:p>
+      </dgm:t>
     </dgm:pt>
     <dgm:pt modelId="{36155EFF-7D4C-4EBE-B373-4DD9191C2486}" type="pres">
       <dgm:prSet presAssocID="{47C7C607-356A-4AB1-A5F0-ABDB90558C9E}" presName="level3hierChild" presStyleCnt="0"/>
@@ -3904,10 +4151,26 @@
     <dgm:pt modelId="{8B6F7892-E44A-4B03-8D1A-8F7D335D5218}" type="pres">
       <dgm:prSet presAssocID="{F087F5A5-9F11-421C-8239-270367875DBE}" presName="conn2-1" presStyleLbl="parChTrans1D3" presStyleIdx="1" presStyleCnt="2"/>
       <dgm:spPr/>
+      <dgm:t>
+        <a:bodyPr/>
+        <a:lstStyle/>
+        <a:p>
+          <a:pPr latinLnBrk="1"/>
+          <a:endParaRPr lang="ko-KR" altLang="en-US"/>
+        </a:p>
+      </dgm:t>
     </dgm:pt>
     <dgm:pt modelId="{35A639FA-10EA-474A-A210-054311DBAAAD}" type="pres">
       <dgm:prSet presAssocID="{F087F5A5-9F11-421C-8239-270367875DBE}" presName="connTx" presStyleLbl="parChTrans1D3" presStyleIdx="1" presStyleCnt="2"/>
       <dgm:spPr/>
+      <dgm:t>
+        <a:bodyPr/>
+        <a:lstStyle/>
+        <a:p>
+          <a:pPr latinLnBrk="1"/>
+          <a:endParaRPr lang="ko-KR" altLang="en-US"/>
+        </a:p>
+      </dgm:t>
     </dgm:pt>
     <dgm:pt modelId="{B0F0CC81-D34E-4932-9D05-6B01D189639C}" type="pres">
       <dgm:prSet presAssocID="{3B16EF75-A6ED-4098-BFA2-A5578B0A55A9}" presName="root2" presStyleCnt="0"/>
@@ -3920,6 +4183,14 @@
         </dgm:presLayoutVars>
       </dgm:prSet>
       <dgm:spPr/>
+      <dgm:t>
+        <a:bodyPr/>
+        <a:lstStyle/>
+        <a:p>
+          <a:pPr latinLnBrk="1"/>
+          <a:endParaRPr lang="ko-KR" altLang="en-US"/>
+        </a:p>
+      </dgm:t>
     </dgm:pt>
     <dgm:pt modelId="{6903426F-9085-4208-B65F-C0F03BD100BD}" type="pres">
       <dgm:prSet presAssocID="{3B16EF75-A6ED-4098-BFA2-A5578B0A55A9}" presName="level3hierChild" presStyleCnt="0"/>
@@ -3927,29 +4198,29 @@
     </dgm:pt>
   </dgm:ptLst>
   <dgm:cxnLst>
-    <dgm:cxn modelId="{CF817F0C-3F87-4366-8AB1-ED9BA26E2B19}" srcId="{C40F0CCF-B4D7-40BD-A111-1C7035A35CFC}" destId="{A8093207-9065-41C6-A575-923E50CD1C43}" srcOrd="0" destOrd="0" parTransId="{B18E8640-6777-4376-A3D6-5B2EA3672B59}" sibTransId="{A90DA732-12F9-4D02-81AE-634D2E9758BC}"/>
-    <dgm:cxn modelId="{3E076D0E-EA4B-4E34-9DC0-6EC8340A1CA4}" srcId="{C40F0CCF-B4D7-40BD-A111-1C7035A35CFC}" destId="{47C7C607-356A-4AB1-A5F0-ABDB90558C9E}" srcOrd="1" destOrd="0" parTransId="{12AAB9E5-C98B-4113-ADA4-E303BF5500F3}" sibTransId="{E76AEFCE-802C-452D-9F67-7599A14E10BE}"/>
-    <dgm:cxn modelId="{FDAB3926-4FD1-482C-9D90-DD0243B11E2F}" type="presOf" srcId="{12AAB9E5-C98B-4113-ADA4-E303BF5500F3}" destId="{F258A24A-19F4-4774-AE70-4D81CA39719B}" srcOrd="0" destOrd="0" presId="urn:microsoft.com/office/officeart/2005/8/layout/hierarchy2"/>
+    <dgm:cxn modelId="{D18255AB-7AA3-4DC7-A054-4A11F1D4433D}" type="presOf" srcId="{D90C114C-505D-474E-BFBE-7C34B8359F4E}" destId="{A5625E34-1686-42D5-9390-C75FF20E056D}" srcOrd="1" destOrd="0" presId="urn:microsoft.com/office/officeart/2005/8/layout/hierarchy2"/>
+    <dgm:cxn modelId="{ADE4A6CB-B67F-4D63-9B33-DE6318CEAA82}" type="presOf" srcId="{EFB0823C-3E8B-4796-BF1F-9AA6B30C8DF9}" destId="{BF27111C-0097-462D-8072-738521CD8B00}" srcOrd="0" destOrd="0" presId="urn:microsoft.com/office/officeart/2005/8/layout/hierarchy2"/>
+    <dgm:cxn modelId="{DFAE7173-E309-4047-9826-BEB8F9D9DD1B}" type="presOf" srcId="{25383AF9-F664-4C64-A521-6796E0CB31AC}" destId="{C42CED37-3290-4C37-81D4-F9FF05389168}" srcOrd="0" destOrd="0" presId="urn:microsoft.com/office/officeart/2005/8/layout/hierarchy2"/>
+    <dgm:cxn modelId="{DD18B6DB-A572-4E0E-A28A-5498CE0DAE16}" type="presOf" srcId="{37BFD930-A191-4B96-A286-2713362D6521}" destId="{2DB14C51-0D40-4FD7-ABD5-663C7ED61A25}" srcOrd="0" destOrd="0" presId="urn:microsoft.com/office/officeart/2005/8/layout/hierarchy2"/>
     <dgm:cxn modelId="{E04C6E31-FA24-48A6-98B5-1B3078545852}" type="presOf" srcId="{47C7C607-356A-4AB1-A5F0-ABDB90558C9E}" destId="{D59B0C1F-33FE-47E0-BA3B-39C1E1BA7F8F}" srcOrd="0" destOrd="0" presId="urn:microsoft.com/office/officeart/2005/8/layout/hierarchy2"/>
-    <dgm:cxn modelId="{71301833-11AF-481C-926F-6CFCD01CC858}" type="presOf" srcId="{C40F0CCF-B4D7-40BD-A111-1C7035A35CFC}" destId="{A093CB4A-800A-4EB9-88C6-487D81992262}" srcOrd="0" destOrd="0" presId="urn:microsoft.com/office/officeart/2005/8/layout/hierarchy2"/>
-    <dgm:cxn modelId="{A1757B37-B15A-4A89-A789-3C0B3E2A3AFC}" type="presOf" srcId="{F087F5A5-9F11-421C-8239-270367875DBE}" destId="{35A639FA-10EA-474A-A210-054311DBAAAD}" srcOrd="1" destOrd="0" presId="urn:microsoft.com/office/officeart/2005/8/layout/hierarchy2"/>
-    <dgm:cxn modelId="{8A5C733F-DB88-43EF-8C59-AC498B73AFC4}" srcId="{25383AF9-F664-4C64-A521-6796E0CB31AC}" destId="{C40F0CCF-B4D7-40BD-A111-1C7035A35CFC}" srcOrd="0" destOrd="0" parTransId="{72CBE8BF-244E-4FAB-AE99-5046C6A07EE7}" sibTransId="{6D15CFDC-050E-40FD-A940-7CE3549FD965}"/>
     <dgm:cxn modelId="{88360D40-71F6-460A-A047-C27C0A763CCE}" type="presOf" srcId="{B18E8640-6777-4376-A3D6-5B2EA3672B59}" destId="{237E3D2B-4B81-43BB-A7F6-46714F4DB0F6}" srcOrd="1" destOrd="0" presId="urn:microsoft.com/office/officeart/2005/8/layout/hierarchy2"/>
     <dgm:cxn modelId="{E1A8E847-B219-460B-8076-34741AF0910E}" type="presOf" srcId="{3B16EF75-A6ED-4098-BFA2-A5578B0A55A9}" destId="{87602343-EB44-488C-A66D-7B04B17039E3}" srcOrd="0" destOrd="0" presId="urn:microsoft.com/office/officeart/2005/8/layout/hierarchy2"/>
-    <dgm:cxn modelId="{D746BF68-5F4A-4974-91E6-A1608551E91D}" type="presOf" srcId="{D90C114C-505D-474E-BFBE-7C34B8359F4E}" destId="{3A63F886-0103-4EF1-AA03-2D8A0F946D45}" srcOrd="0" destOrd="0" presId="urn:microsoft.com/office/officeart/2005/8/layout/hierarchy2"/>
+    <dgm:cxn modelId="{96974DCF-1949-4DEE-9787-84B9E653D9FE}" type="presOf" srcId="{A8093207-9065-41C6-A575-923E50CD1C43}" destId="{63DB0CE0-7416-427D-9477-9AB017F7CF23}" srcOrd="0" destOrd="0" presId="urn:microsoft.com/office/officeart/2005/8/layout/hierarchy2"/>
     <dgm:cxn modelId="{36590370-FA30-424A-9A5F-BFD6485B92B1}" type="presOf" srcId="{37BFD930-A191-4B96-A286-2713362D6521}" destId="{3395913D-06A2-46F0-AAA1-C636C28303B3}" srcOrd="1" destOrd="0" presId="urn:microsoft.com/office/officeart/2005/8/layout/hierarchy2"/>
-    <dgm:cxn modelId="{DFAE7173-E309-4047-9826-BEB8F9D9DD1B}" type="presOf" srcId="{25383AF9-F664-4C64-A521-6796E0CB31AC}" destId="{C42CED37-3290-4C37-81D4-F9FF05389168}" srcOrd="0" destOrd="0" presId="urn:microsoft.com/office/officeart/2005/8/layout/hierarchy2"/>
+    <dgm:cxn modelId="{A1757B37-B15A-4A89-A789-3C0B3E2A3AFC}" type="presOf" srcId="{F087F5A5-9F11-421C-8239-270367875DBE}" destId="{35A639FA-10EA-474A-A210-054311DBAAAD}" srcOrd="1" destOrd="0" presId="urn:microsoft.com/office/officeart/2005/8/layout/hierarchy2"/>
+    <dgm:cxn modelId="{FDAB3926-4FD1-482C-9D90-DD0243B11E2F}" type="presOf" srcId="{12AAB9E5-C98B-4113-ADA4-E303BF5500F3}" destId="{F258A24A-19F4-4774-AE70-4D81CA39719B}" srcOrd="0" destOrd="0" presId="urn:microsoft.com/office/officeart/2005/8/layout/hierarchy2"/>
+    <dgm:cxn modelId="{3E076D0E-EA4B-4E34-9DC0-6EC8340A1CA4}" srcId="{C40F0CCF-B4D7-40BD-A111-1C7035A35CFC}" destId="{47C7C607-356A-4AB1-A5F0-ABDB90558C9E}" srcOrd="1" destOrd="0" parTransId="{12AAB9E5-C98B-4113-ADA4-E303BF5500F3}" sibTransId="{E76AEFCE-802C-452D-9F67-7599A14E10BE}"/>
+    <dgm:cxn modelId="{D90847C9-B537-4A38-9F15-E8A0B5475A4A}" srcId="{2C9E3462-1F0D-4F6A-855E-FFEFADBE506B}" destId="{EFB0823C-3E8B-4796-BF1F-9AA6B30C8DF9}" srcOrd="0" destOrd="0" parTransId="{37BFD930-A191-4B96-A286-2713362D6521}" sibTransId="{6CC51D9E-E41D-45A7-98B6-D9534E0AAA34}"/>
+    <dgm:cxn modelId="{71301833-11AF-481C-926F-6CFCD01CC858}" type="presOf" srcId="{C40F0CCF-B4D7-40BD-A111-1C7035A35CFC}" destId="{A093CB4A-800A-4EB9-88C6-487D81992262}" srcOrd="0" destOrd="0" presId="urn:microsoft.com/office/officeart/2005/8/layout/hierarchy2"/>
     <dgm:cxn modelId="{24C8F157-C593-45D7-9412-F419EE1B914C}" type="presOf" srcId="{12AAB9E5-C98B-4113-ADA4-E303BF5500F3}" destId="{CC774972-7C2D-4C77-8B9D-F20D72BC7198}" srcOrd="1" destOrd="0" presId="urn:microsoft.com/office/officeart/2005/8/layout/hierarchy2"/>
-    <dgm:cxn modelId="{4C6C5F8D-4F60-47CF-913D-43223335C64E}" srcId="{47C7C607-356A-4AB1-A5F0-ABDB90558C9E}" destId="{3B16EF75-A6ED-4098-BFA2-A5578B0A55A9}" srcOrd="0" destOrd="0" parTransId="{F087F5A5-9F11-421C-8239-270367875DBE}" sibTransId="{3B4C588D-9139-4223-B286-DE90E57C362E}"/>
-    <dgm:cxn modelId="{D18255AB-7AA3-4DC7-A054-4A11F1D4433D}" type="presOf" srcId="{D90C114C-505D-474E-BFBE-7C34B8359F4E}" destId="{A5625E34-1686-42D5-9390-C75FF20E056D}" srcOrd="1" destOrd="0" presId="urn:microsoft.com/office/officeart/2005/8/layout/hierarchy2"/>
     <dgm:cxn modelId="{EFE4A8AF-8729-44E8-B634-1D483E273F70}" srcId="{A8093207-9065-41C6-A575-923E50CD1C43}" destId="{2C9E3462-1F0D-4F6A-855E-FFEFADBE506B}" srcOrd="0" destOrd="0" parTransId="{D90C114C-505D-474E-BFBE-7C34B8359F4E}" sibTransId="{02326669-4411-4857-A171-C13DA27FE69F}"/>
     <dgm:cxn modelId="{C76871B7-CB27-4EBA-A1ED-967E447B4F53}" type="presOf" srcId="{F087F5A5-9F11-421C-8239-270367875DBE}" destId="{8B6F7892-E44A-4B03-8D1A-8F7D335D5218}" srcOrd="0" destOrd="0" presId="urn:microsoft.com/office/officeart/2005/8/layout/hierarchy2"/>
-    <dgm:cxn modelId="{D90847C9-B537-4A38-9F15-E8A0B5475A4A}" srcId="{2C9E3462-1F0D-4F6A-855E-FFEFADBE506B}" destId="{EFB0823C-3E8B-4796-BF1F-9AA6B30C8DF9}" srcOrd="0" destOrd="0" parTransId="{37BFD930-A191-4B96-A286-2713362D6521}" sibTransId="{6CC51D9E-E41D-45A7-98B6-D9534E0AAA34}"/>
-    <dgm:cxn modelId="{ADE4A6CB-B67F-4D63-9B33-DE6318CEAA82}" type="presOf" srcId="{EFB0823C-3E8B-4796-BF1F-9AA6B30C8DF9}" destId="{BF27111C-0097-462D-8072-738521CD8B00}" srcOrd="0" destOrd="0" presId="urn:microsoft.com/office/officeart/2005/8/layout/hierarchy2"/>
+    <dgm:cxn modelId="{19487BE8-8C2E-4844-9CBF-FF59FDD31589}" type="presOf" srcId="{2C9E3462-1F0D-4F6A-855E-FFEFADBE506B}" destId="{4ABFDE08-36F1-482D-B025-DC2D910C1135}" srcOrd="0" destOrd="0" presId="urn:microsoft.com/office/officeart/2005/8/layout/hierarchy2"/>
+    <dgm:cxn modelId="{CF817F0C-3F87-4366-8AB1-ED9BA26E2B19}" srcId="{C40F0CCF-B4D7-40BD-A111-1C7035A35CFC}" destId="{A8093207-9065-41C6-A575-923E50CD1C43}" srcOrd="0" destOrd="0" parTransId="{B18E8640-6777-4376-A3D6-5B2EA3672B59}" sibTransId="{A90DA732-12F9-4D02-81AE-634D2E9758BC}"/>
+    <dgm:cxn modelId="{D746BF68-5F4A-4974-91E6-A1608551E91D}" type="presOf" srcId="{D90C114C-505D-474E-BFBE-7C34B8359F4E}" destId="{3A63F886-0103-4EF1-AA03-2D8A0F946D45}" srcOrd="0" destOrd="0" presId="urn:microsoft.com/office/officeart/2005/8/layout/hierarchy2"/>
+    <dgm:cxn modelId="{8A5C733F-DB88-43EF-8C59-AC498B73AFC4}" srcId="{25383AF9-F664-4C64-A521-6796E0CB31AC}" destId="{C40F0CCF-B4D7-40BD-A111-1C7035A35CFC}" srcOrd="0" destOrd="0" parTransId="{72CBE8BF-244E-4FAB-AE99-5046C6A07EE7}" sibTransId="{6D15CFDC-050E-40FD-A940-7CE3549FD965}"/>
+    <dgm:cxn modelId="{4C6C5F8D-4F60-47CF-913D-43223335C64E}" srcId="{47C7C607-356A-4AB1-A5F0-ABDB90558C9E}" destId="{3B16EF75-A6ED-4098-BFA2-A5578B0A55A9}" srcOrd="0" destOrd="0" parTransId="{F087F5A5-9F11-421C-8239-270367875DBE}" sibTransId="{3B4C588D-9139-4223-B286-DE90E57C362E}"/>
     <dgm:cxn modelId="{2CD0CCCE-3DFD-4FBB-BBF8-3093FC42D6DA}" type="presOf" srcId="{B18E8640-6777-4376-A3D6-5B2EA3672B59}" destId="{FE5D332E-24B7-4DE0-B775-C78983F9023D}" srcOrd="0" destOrd="0" presId="urn:microsoft.com/office/officeart/2005/8/layout/hierarchy2"/>
-    <dgm:cxn modelId="{96974DCF-1949-4DEE-9787-84B9E653D9FE}" type="presOf" srcId="{A8093207-9065-41C6-A575-923E50CD1C43}" destId="{63DB0CE0-7416-427D-9477-9AB017F7CF23}" srcOrd="0" destOrd="0" presId="urn:microsoft.com/office/officeart/2005/8/layout/hierarchy2"/>
-    <dgm:cxn modelId="{DD18B6DB-A572-4E0E-A28A-5498CE0DAE16}" type="presOf" srcId="{37BFD930-A191-4B96-A286-2713362D6521}" destId="{2DB14C51-0D40-4FD7-ABD5-663C7ED61A25}" srcOrd="0" destOrd="0" presId="urn:microsoft.com/office/officeart/2005/8/layout/hierarchy2"/>
-    <dgm:cxn modelId="{19487BE8-8C2E-4844-9CBF-FF59FDD31589}" type="presOf" srcId="{2C9E3462-1F0D-4F6A-855E-FFEFADBE506B}" destId="{4ABFDE08-36F1-482D-B025-DC2D910C1135}" srcOrd="0" destOrd="0" presId="urn:microsoft.com/office/officeart/2005/8/layout/hierarchy2"/>
     <dgm:cxn modelId="{7EFF5F66-B911-40D7-A5FB-11344C427B55}" type="presParOf" srcId="{C42CED37-3290-4C37-81D4-F9FF05389168}" destId="{5807772E-2887-424A-BDC8-C7678CBECE06}" srcOrd="0" destOrd="0" presId="urn:microsoft.com/office/officeart/2005/8/layout/hierarchy2"/>
     <dgm:cxn modelId="{6F883CC2-CFFC-4803-B949-48E97063BD3E}" type="presParOf" srcId="{5807772E-2887-424A-BDC8-C7678CBECE06}" destId="{A093CB4A-800A-4EB9-88C6-487D81992262}" srcOrd="0" destOrd="0" presId="urn:microsoft.com/office/officeart/2005/8/layout/hierarchy2"/>
     <dgm:cxn modelId="{E4D4AE46-B603-431D-91F8-85F54D9A463B}" type="presParOf" srcId="{5807772E-2887-424A-BDC8-C7678CBECE06}" destId="{C48E6FCD-4BE7-4D6B-9BD7-91A537CFA336}" srcOrd="1" destOrd="0" presId="urn:microsoft.com/office/officeart/2005/8/layout/hierarchy2"/>
@@ -3983,7 +4254,7 @@
   <dgm:whole/>
   <dgm:extLst>
     <a:ext uri="http://schemas.microsoft.com/office/drawing/2008/diagram">
-      <dsp:dataModelExt xmlns:dsp="http://schemas.microsoft.com/office/drawing/2008/diagram" relId="rId6" minVer="http://schemas.openxmlformats.org/drawingml/2006/diagram"/>
+      <dsp:dataModelExt xmlns:dsp="http://schemas.microsoft.com/office/drawing/2008/diagram" xmlns="" relId="rId6" minVer="http://schemas.openxmlformats.org/drawingml/2006/diagram"/>
     </a:ext>
   </dgm:extLst>
 </dgm:dataModel>
@@ -6238,7 +6509,7 @@
   </dgm:layoutNode>
   <dgm:extLst>
     <a:ext uri="{68A01E43-0DF5-4B5B-8FA6-DAF915123BFB}">
-      <dgm1612:lstStyle xmlns:dgm1612="http://schemas.microsoft.com/office/drawing/2016/12/diagram">
+      <dgm1612:lstStyle xmlns:dgm1612="http://schemas.microsoft.com/office/drawing/2016/12/diagram" xmlns="">
         <a:lvl1pPr>
           <a:lnSpc>
             <a:spcPct val="100000"/>
@@ -6397,7 +6668,7 @@
             <dgm:adjLst/>
             <dgm:extLst>
               <a:ext uri="{B698B0E9-8C71-41B9-8309-B3DCBF30829C}">
-                <dgm1612:spPr xmlns:dgm1612="http://schemas.microsoft.com/office/drawing/2016/12/diagram">
+                <dgm1612:spPr xmlns:dgm1612="http://schemas.microsoft.com/office/drawing/2016/12/diagram" xmlns="">
                   <a:prstGeom prst="round2DiagRect">
                     <a:avLst>
                       <a:gd name="adj1" fmla="val 29727"/>
@@ -6469,7 +6740,7 @@
   </dgm:layoutNode>
   <dgm:extLst>
     <a:ext uri="{68A01E43-0DF5-4B5B-8FA6-DAF915123BFB}">
-      <dgm1612:lstStyle xmlns:dgm1612="http://schemas.microsoft.com/office/drawing/2016/12/diagram">
+      <dgm1612:lstStyle xmlns:dgm1612="http://schemas.microsoft.com/office/drawing/2016/12/diagram" xmlns="">
         <a:lvl1pPr>
           <a:lnSpc>
             <a:spcPct val="100000"/>
@@ -9986,6 +10257,7 @@
           <a:p>
             <a:fld id="{7ED3CB0E-4A8D-4C9C-83E9-EB9ADDAAAE44}" type="datetimeFigureOut">
               <a:rPr lang="ko-KR" altLang="en-US" smtClean="0"/>
+              <a:pPr/>
               <a:t>2019-12-09</a:t>
             </a:fld>
             <a:endParaRPr lang="ko-KR" altLang="en-US"/>
@@ -10146,6 +10418,7 @@
           <a:p>
             <a:fld id="{97C267CF-555D-41A4-B1F8-E701C52DDD20}" type="slidenum">
               <a:rPr lang="ko-KR" altLang="en-US" smtClean="0"/>
+              <a:pPr/>
               <a:t>‹#›</a:t>
             </a:fld>
             <a:endParaRPr lang="ko-KR" altLang="en-US"/>
@@ -10323,6 +10596,7 @@
           <a:p>
             <a:fld id="{97C267CF-555D-41A4-B1F8-E701C52DDD20}" type="slidenum">
               <a:rPr lang="ko-KR" altLang="en-US" smtClean="0"/>
+              <a:pPr/>
               <a:t>3</a:t>
             </a:fld>
             <a:endParaRPr lang="ko-KR" altLang="en-US"/>
@@ -10410,6 +10684,7 @@
           <a:p>
             <a:fld id="{97C267CF-555D-41A4-B1F8-E701C52DDD20}" type="slidenum">
               <a:rPr lang="ko-KR" altLang="en-US" smtClean="0"/>
+              <a:pPr/>
               <a:t>5</a:t>
             </a:fld>
             <a:endParaRPr lang="ko-KR" altLang="en-US"/>
@@ -10419,7 +10694,7 @@
     </p:spTree>
     <p:extLst>
       <p:ext uri="{BB962C8B-B14F-4D97-AF65-F5344CB8AC3E}">
-        <p14:creationId xmlns:p14="http://schemas.microsoft.com/office/powerpoint/2010/main" val="387761427"/>
+        <p14:creationId xmlns:p14="http://schemas.microsoft.com/office/powerpoint/2010/main" xmlns="" val="387761427"/>
       </p:ext>
     </p:extLst>
   </p:cSld>
@@ -10510,6 +10785,7 @@
           <a:p>
             <a:fld id="{97C267CF-555D-41A4-B1F8-E701C52DDD20}" type="slidenum">
               <a:rPr lang="ko-KR" altLang="en-US" smtClean="0"/>
+              <a:pPr/>
               <a:t>9</a:t>
             </a:fld>
             <a:endParaRPr lang="ko-KR" altLang="en-US"/>
@@ -10519,7 +10795,7 @@
     </p:spTree>
     <p:extLst>
       <p:ext uri="{BB962C8B-B14F-4D97-AF65-F5344CB8AC3E}">
-        <p14:creationId xmlns:p14="http://schemas.microsoft.com/office/powerpoint/2010/main" val="970178543"/>
+        <p14:creationId xmlns:p14="http://schemas.microsoft.com/office/powerpoint/2010/main" xmlns="" val="970178543"/>
       </p:ext>
     </p:extLst>
   </p:cSld>
@@ -10594,6 +10870,7 @@
           <a:p>
             <a:fld id="{97C267CF-555D-41A4-B1F8-E701C52DDD20}" type="slidenum">
               <a:rPr lang="ko-KR" altLang="en-US" smtClean="0"/>
+              <a:pPr/>
               <a:t>10</a:t>
             </a:fld>
             <a:endParaRPr lang="ko-KR" altLang="en-US"/>
@@ -10603,7 +10880,7 @@
     </p:spTree>
     <p:extLst>
       <p:ext uri="{BB962C8B-B14F-4D97-AF65-F5344CB8AC3E}">
-        <p14:creationId xmlns:p14="http://schemas.microsoft.com/office/powerpoint/2010/main" val="2850248847"/>
+        <p14:creationId xmlns:p14="http://schemas.microsoft.com/office/powerpoint/2010/main" xmlns="" val="2850248847"/>
       </p:ext>
     </p:extLst>
   </p:cSld>
@@ -10678,6 +10955,7 @@
           <a:p>
             <a:fld id="{97C267CF-555D-41A4-B1F8-E701C52DDD20}" type="slidenum">
               <a:rPr lang="ko-KR" altLang="en-US" smtClean="0"/>
+              <a:pPr/>
               <a:t>20</a:t>
             </a:fld>
             <a:endParaRPr lang="ko-KR" altLang="en-US"/>
@@ -10687,7 +10965,7 @@
     </p:spTree>
     <p:extLst>
       <p:ext uri="{BB962C8B-B14F-4D97-AF65-F5344CB8AC3E}">
-        <p14:creationId xmlns:p14="http://schemas.microsoft.com/office/powerpoint/2010/main" val="1616006536"/>
+        <p14:creationId xmlns:p14="http://schemas.microsoft.com/office/powerpoint/2010/main" xmlns="" val="1616006536"/>
       </p:ext>
     </p:extLst>
   </p:cSld>
@@ -10762,6 +11040,7 @@
           <a:p>
             <a:fld id="{97C267CF-555D-41A4-B1F8-E701C52DDD20}" type="slidenum">
               <a:rPr lang="ko-KR" altLang="en-US" smtClean="0"/>
+              <a:pPr/>
               <a:t>22</a:t>
             </a:fld>
             <a:endParaRPr lang="ko-KR" altLang="en-US"/>
@@ -10771,7 +11050,7 @@
     </p:spTree>
     <p:extLst>
       <p:ext uri="{BB962C8B-B14F-4D97-AF65-F5344CB8AC3E}">
-        <p14:creationId xmlns:p14="http://schemas.microsoft.com/office/powerpoint/2010/main" val="4023481248"/>
+        <p14:creationId xmlns:p14="http://schemas.microsoft.com/office/powerpoint/2010/main" xmlns="" val="4023481248"/>
       </p:ext>
     </p:extLst>
   </p:cSld>
@@ -10803,7 +11082,7 @@
           <p:cNvPr id="2" name="제목 1">
             <a:extLst>
               <a:ext uri="{FF2B5EF4-FFF2-40B4-BE49-F238E27FC236}">
-                <a16:creationId xmlns:a16="http://schemas.microsoft.com/office/drawing/2014/main" id="{25DE434A-D5B2-4AB7-A481-31658821783B}"/>
+                <a16:creationId xmlns:a16="http://schemas.microsoft.com/office/drawing/2014/main" xmlns="" id="{25DE434A-D5B2-4AB7-A481-31658821783B}"/>
               </a:ext>
             </a:extLst>
           </p:cNvPr>
@@ -10841,7 +11120,7 @@
           <p:cNvPr id="3" name="부제목 2">
             <a:extLst>
               <a:ext uri="{FF2B5EF4-FFF2-40B4-BE49-F238E27FC236}">
-                <a16:creationId xmlns:a16="http://schemas.microsoft.com/office/drawing/2014/main" id="{086B928F-0844-480A-8A0A-F92BC91CBC5F}"/>
+                <a16:creationId xmlns:a16="http://schemas.microsoft.com/office/drawing/2014/main" xmlns="" id="{086B928F-0844-480A-8A0A-F92BC91CBC5F}"/>
               </a:ext>
             </a:extLst>
           </p:cNvPr>
@@ -10912,7 +11191,7 @@
           <p:cNvPr id="4" name="날짜 개체 틀 3">
             <a:extLst>
               <a:ext uri="{FF2B5EF4-FFF2-40B4-BE49-F238E27FC236}">
-                <a16:creationId xmlns:a16="http://schemas.microsoft.com/office/drawing/2014/main" id="{48A27FEC-8DD1-45DD-A02F-1699C35A69DD}"/>
+                <a16:creationId xmlns:a16="http://schemas.microsoft.com/office/drawing/2014/main" xmlns="" id="{48A27FEC-8DD1-45DD-A02F-1699C35A69DD}"/>
               </a:ext>
             </a:extLst>
           </p:cNvPr>
@@ -10942,7 +11221,7 @@
           <p:cNvPr id="5" name="바닥글 개체 틀 4">
             <a:extLst>
               <a:ext uri="{FF2B5EF4-FFF2-40B4-BE49-F238E27FC236}">
-                <a16:creationId xmlns:a16="http://schemas.microsoft.com/office/drawing/2014/main" id="{A9F92222-5300-438C-897D-1C20BA09BA68}"/>
+                <a16:creationId xmlns:a16="http://schemas.microsoft.com/office/drawing/2014/main" xmlns="" id="{A9F92222-5300-438C-897D-1C20BA09BA68}"/>
               </a:ext>
             </a:extLst>
           </p:cNvPr>
@@ -10967,7 +11246,7 @@
           <p:cNvPr id="6" name="슬라이드 번호 개체 틀 5">
             <a:extLst>
               <a:ext uri="{FF2B5EF4-FFF2-40B4-BE49-F238E27FC236}">
-                <a16:creationId xmlns:a16="http://schemas.microsoft.com/office/drawing/2014/main" id="{0B62EEB9-FB0B-4893-8825-BFF6822DFD2F}"/>
+                <a16:creationId xmlns:a16="http://schemas.microsoft.com/office/drawing/2014/main" xmlns="" id="{0B62EEB9-FB0B-4893-8825-BFF6822DFD2F}"/>
               </a:ext>
             </a:extLst>
           </p:cNvPr>
@@ -10995,7 +11274,7 @@
     </p:spTree>
     <p:extLst>
       <p:ext uri="{BB962C8B-B14F-4D97-AF65-F5344CB8AC3E}">
-        <p14:creationId xmlns:p14="http://schemas.microsoft.com/office/powerpoint/2010/main" val="821889993"/>
+        <p14:creationId xmlns:p14="http://schemas.microsoft.com/office/powerpoint/2010/main" xmlns="" val="821889993"/>
       </p:ext>
     </p:extLst>
   </p:cSld>
@@ -11027,7 +11306,7 @@
           <p:cNvPr id="2" name="제목 1">
             <a:extLst>
               <a:ext uri="{FF2B5EF4-FFF2-40B4-BE49-F238E27FC236}">
-                <a16:creationId xmlns:a16="http://schemas.microsoft.com/office/drawing/2014/main" id="{E774706C-4137-4F32-B267-02E7A2EBE49A}"/>
+                <a16:creationId xmlns:a16="http://schemas.microsoft.com/office/drawing/2014/main" xmlns="" id="{E774706C-4137-4F32-B267-02E7A2EBE49A}"/>
               </a:ext>
             </a:extLst>
           </p:cNvPr>
@@ -11056,7 +11335,7 @@
           <p:cNvPr id="3" name="세로 텍스트 개체 틀 2">
             <a:extLst>
               <a:ext uri="{FF2B5EF4-FFF2-40B4-BE49-F238E27FC236}">
-                <a16:creationId xmlns:a16="http://schemas.microsoft.com/office/drawing/2014/main" id="{B77AFA45-EE41-467D-9A65-0B289D3C443C}"/>
+                <a16:creationId xmlns:a16="http://schemas.microsoft.com/office/drawing/2014/main" xmlns="" id="{B77AFA45-EE41-467D-9A65-0B289D3C443C}"/>
               </a:ext>
             </a:extLst>
           </p:cNvPr>
@@ -11114,7 +11393,7 @@
           <p:cNvPr id="4" name="날짜 개체 틀 3">
             <a:extLst>
               <a:ext uri="{FF2B5EF4-FFF2-40B4-BE49-F238E27FC236}">
-                <a16:creationId xmlns:a16="http://schemas.microsoft.com/office/drawing/2014/main" id="{9F110230-E0A8-48B2-9DBB-9464FF9AF9A1}"/>
+                <a16:creationId xmlns:a16="http://schemas.microsoft.com/office/drawing/2014/main" xmlns="" id="{9F110230-E0A8-48B2-9DBB-9464FF9AF9A1}"/>
               </a:ext>
             </a:extLst>
           </p:cNvPr>
@@ -11144,7 +11423,7 @@
           <p:cNvPr id="5" name="바닥글 개체 틀 4">
             <a:extLst>
               <a:ext uri="{FF2B5EF4-FFF2-40B4-BE49-F238E27FC236}">
-                <a16:creationId xmlns:a16="http://schemas.microsoft.com/office/drawing/2014/main" id="{3EC3FD86-008A-41E4-8C64-B84452EF62C8}"/>
+                <a16:creationId xmlns:a16="http://schemas.microsoft.com/office/drawing/2014/main" xmlns="" id="{3EC3FD86-008A-41E4-8C64-B84452EF62C8}"/>
               </a:ext>
             </a:extLst>
           </p:cNvPr>
@@ -11169,7 +11448,7 @@
           <p:cNvPr id="6" name="슬라이드 번호 개체 틀 5">
             <a:extLst>
               <a:ext uri="{FF2B5EF4-FFF2-40B4-BE49-F238E27FC236}">
-                <a16:creationId xmlns:a16="http://schemas.microsoft.com/office/drawing/2014/main" id="{2E1E1989-2D33-47C3-A555-A7721459B74A}"/>
+                <a16:creationId xmlns:a16="http://schemas.microsoft.com/office/drawing/2014/main" xmlns="" id="{2E1E1989-2D33-47C3-A555-A7721459B74A}"/>
               </a:ext>
             </a:extLst>
           </p:cNvPr>
@@ -11197,7 +11476,7 @@
     </p:spTree>
     <p:extLst>
       <p:ext uri="{BB962C8B-B14F-4D97-AF65-F5344CB8AC3E}">
-        <p14:creationId xmlns:p14="http://schemas.microsoft.com/office/powerpoint/2010/main" val="186214262"/>
+        <p14:creationId xmlns:p14="http://schemas.microsoft.com/office/powerpoint/2010/main" xmlns="" val="186214262"/>
       </p:ext>
     </p:extLst>
   </p:cSld>
@@ -11229,7 +11508,7 @@
           <p:cNvPr id="2" name="세로 제목 1">
             <a:extLst>
               <a:ext uri="{FF2B5EF4-FFF2-40B4-BE49-F238E27FC236}">
-                <a16:creationId xmlns:a16="http://schemas.microsoft.com/office/drawing/2014/main" id="{E5A4E239-0C25-44F4-9BE5-EA1A76F89CFD}"/>
+                <a16:creationId xmlns:a16="http://schemas.microsoft.com/office/drawing/2014/main" xmlns="" id="{E5A4E239-0C25-44F4-9BE5-EA1A76F89CFD}"/>
               </a:ext>
             </a:extLst>
           </p:cNvPr>
@@ -11263,7 +11542,7 @@
           <p:cNvPr id="3" name="세로 텍스트 개체 틀 2">
             <a:extLst>
               <a:ext uri="{FF2B5EF4-FFF2-40B4-BE49-F238E27FC236}">
-                <a16:creationId xmlns:a16="http://schemas.microsoft.com/office/drawing/2014/main" id="{B4915C57-86D5-4150-8537-79EE0C65DA42}"/>
+                <a16:creationId xmlns:a16="http://schemas.microsoft.com/office/drawing/2014/main" xmlns="" id="{B4915C57-86D5-4150-8537-79EE0C65DA42}"/>
               </a:ext>
             </a:extLst>
           </p:cNvPr>
@@ -11326,7 +11605,7 @@
           <p:cNvPr id="4" name="날짜 개체 틀 3">
             <a:extLst>
               <a:ext uri="{FF2B5EF4-FFF2-40B4-BE49-F238E27FC236}">
-                <a16:creationId xmlns:a16="http://schemas.microsoft.com/office/drawing/2014/main" id="{82C0689C-AF09-4181-A0AC-ACF4F1EE6797}"/>
+                <a16:creationId xmlns:a16="http://schemas.microsoft.com/office/drawing/2014/main" xmlns="" id="{82C0689C-AF09-4181-A0AC-ACF4F1EE6797}"/>
               </a:ext>
             </a:extLst>
           </p:cNvPr>
@@ -11356,7 +11635,7 @@
           <p:cNvPr id="5" name="바닥글 개체 틀 4">
             <a:extLst>
               <a:ext uri="{FF2B5EF4-FFF2-40B4-BE49-F238E27FC236}">
-                <a16:creationId xmlns:a16="http://schemas.microsoft.com/office/drawing/2014/main" id="{F4A69085-6A91-4C30-AE1F-EEF4561E69E0}"/>
+                <a16:creationId xmlns:a16="http://schemas.microsoft.com/office/drawing/2014/main" xmlns="" id="{F4A69085-6A91-4C30-AE1F-EEF4561E69E0}"/>
               </a:ext>
             </a:extLst>
           </p:cNvPr>
@@ -11381,7 +11660,7 @@
           <p:cNvPr id="6" name="슬라이드 번호 개체 틀 5">
             <a:extLst>
               <a:ext uri="{FF2B5EF4-FFF2-40B4-BE49-F238E27FC236}">
-                <a16:creationId xmlns:a16="http://schemas.microsoft.com/office/drawing/2014/main" id="{30E3CEB9-708E-49D5-80BD-727A65B63286}"/>
+                <a16:creationId xmlns:a16="http://schemas.microsoft.com/office/drawing/2014/main" xmlns="" id="{30E3CEB9-708E-49D5-80BD-727A65B63286}"/>
               </a:ext>
             </a:extLst>
           </p:cNvPr>
@@ -11409,7 +11688,7 @@
     </p:spTree>
     <p:extLst>
       <p:ext uri="{BB962C8B-B14F-4D97-AF65-F5344CB8AC3E}">
-        <p14:creationId xmlns:p14="http://schemas.microsoft.com/office/powerpoint/2010/main" val="1166580674"/>
+        <p14:creationId xmlns:p14="http://schemas.microsoft.com/office/powerpoint/2010/main" xmlns="" val="1166580674"/>
       </p:ext>
     </p:extLst>
   </p:cSld>
@@ -11441,7 +11720,7 @@
           <p:cNvPr id="2" name="제목 1">
             <a:extLst>
               <a:ext uri="{FF2B5EF4-FFF2-40B4-BE49-F238E27FC236}">
-                <a16:creationId xmlns:a16="http://schemas.microsoft.com/office/drawing/2014/main" id="{81F49730-22DD-4224-A1EE-062412E2605B}"/>
+                <a16:creationId xmlns:a16="http://schemas.microsoft.com/office/drawing/2014/main" xmlns="" id="{81F49730-22DD-4224-A1EE-062412E2605B}"/>
               </a:ext>
             </a:extLst>
           </p:cNvPr>
@@ -11470,7 +11749,7 @@
           <p:cNvPr id="3" name="내용 개체 틀 2">
             <a:extLst>
               <a:ext uri="{FF2B5EF4-FFF2-40B4-BE49-F238E27FC236}">
-                <a16:creationId xmlns:a16="http://schemas.microsoft.com/office/drawing/2014/main" id="{E4B1B25F-6CF8-43A5-B8D4-5F5A223688EF}"/>
+                <a16:creationId xmlns:a16="http://schemas.microsoft.com/office/drawing/2014/main" xmlns="" id="{E4B1B25F-6CF8-43A5-B8D4-5F5A223688EF}"/>
               </a:ext>
             </a:extLst>
           </p:cNvPr>
@@ -11528,7 +11807,7 @@
           <p:cNvPr id="4" name="날짜 개체 틀 3">
             <a:extLst>
               <a:ext uri="{FF2B5EF4-FFF2-40B4-BE49-F238E27FC236}">
-                <a16:creationId xmlns:a16="http://schemas.microsoft.com/office/drawing/2014/main" id="{91A61525-C371-4801-8B48-370A4810D46D}"/>
+                <a16:creationId xmlns:a16="http://schemas.microsoft.com/office/drawing/2014/main" xmlns="" id="{91A61525-C371-4801-8B48-370A4810D46D}"/>
               </a:ext>
             </a:extLst>
           </p:cNvPr>
@@ -11558,7 +11837,7 @@
           <p:cNvPr id="5" name="바닥글 개체 틀 4">
             <a:extLst>
               <a:ext uri="{FF2B5EF4-FFF2-40B4-BE49-F238E27FC236}">
-                <a16:creationId xmlns:a16="http://schemas.microsoft.com/office/drawing/2014/main" id="{21B57DD1-F96C-4F38-8923-79F1BEA30153}"/>
+                <a16:creationId xmlns:a16="http://schemas.microsoft.com/office/drawing/2014/main" xmlns="" id="{21B57DD1-F96C-4F38-8923-79F1BEA30153}"/>
               </a:ext>
             </a:extLst>
           </p:cNvPr>
@@ -11583,7 +11862,7 @@
           <p:cNvPr id="6" name="슬라이드 번호 개체 틀 5">
             <a:extLst>
               <a:ext uri="{FF2B5EF4-FFF2-40B4-BE49-F238E27FC236}">
-                <a16:creationId xmlns:a16="http://schemas.microsoft.com/office/drawing/2014/main" id="{D487984A-F49B-4D1D-9C85-C9E7577F5E06}"/>
+                <a16:creationId xmlns:a16="http://schemas.microsoft.com/office/drawing/2014/main" xmlns="" id="{D487984A-F49B-4D1D-9C85-C9E7577F5E06}"/>
               </a:ext>
             </a:extLst>
           </p:cNvPr>
@@ -11611,7 +11890,7 @@
     </p:spTree>
     <p:extLst>
       <p:ext uri="{BB962C8B-B14F-4D97-AF65-F5344CB8AC3E}">
-        <p14:creationId xmlns:p14="http://schemas.microsoft.com/office/powerpoint/2010/main" val="791326461"/>
+        <p14:creationId xmlns:p14="http://schemas.microsoft.com/office/powerpoint/2010/main" xmlns="" val="791326461"/>
       </p:ext>
     </p:extLst>
   </p:cSld>
@@ -11643,7 +11922,7 @@
           <p:cNvPr id="2" name="제목 1">
             <a:extLst>
               <a:ext uri="{FF2B5EF4-FFF2-40B4-BE49-F238E27FC236}">
-                <a16:creationId xmlns:a16="http://schemas.microsoft.com/office/drawing/2014/main" id="{1AEB2AA2-3B3E-4CE5-B431-863AC021E222}"/>
+                <a16:creationId xmlns:a16="http://schemas.microsoft.com/office/drawing/2014/main" xmlns="" id="{1AEB2AA2-3B3E-4CE5-B431-863AC021E222}"/>
               </a:ext>
             </a:extLst>
           </p:cNvPr>
@@ -11681,7 +11960,7 @@
           <p:cNvPr id="3" name="텍스트 개체 틀 2">
             <a:extLst>
               <a:ext uri="{FF2B5EF4-FFF2-40B4-BE49-F238E27FC236}">
-                <a16:creationId xmlns:a16="http://schemas.microsoft.com/office/drawing/2014/main" id="{C1CE2F5D-D6B8-4FE0-B605-4467F56D2123}"/>
+                <a16:creationId xmlns:a16="http://schemas.microsoft.com/office/drawing/2014/main" xmlns="" id="{C1CE2F5D-D6B8-4FE0-B605-4467F56D2123}"/>
               </a:ext>
             </a:extLst>
           </p:cNvPr>
@@ -11806,7 +12085,7 @@
           <p:cNvPr id="4" name="날짜 개체 틀 3">
             <a:extLst>
               <a:ext uri="{FF2B5EF4-FFF2-40B4-BE49-F238E27FC236}">
-                <a16:creationId xmlns:a16="http://schemas.microsoft.com/office/drawing/2014/main" id="{DD49E351-9F0D-472B-8811-B806FB6FC2DA}"/>
+                <a16:creationId xmlns:a16="http://schemas.microsoft.com/office/drawing/2014/main" xmlns="" id="{DD49E351-9F0D-472B-8811-B806FB6FC2DA}"/>
               </a:ext>
             </a:extLst>
           </p:cNvPr>
@@ -11836,7 +12115,7 @@
           <p:cNvPr id="5" name="바닥글 개체 틀 4">
             <a:extLst>
               <a:ext uri="{FF2B5EF4-FFF2-40B4-BE49-F238E27FC236}">
-                <a16:creationId xmlns:a16="http://schemas.microsoft.com/office/drawing/2014/main" id="{2914523B-99A3-4999-BF47-D0A252B2F1D0}"/>
+                <a16:creationId xmlns:a16="http://schemas.microsoft.com/office/drawing/2014/main" xmlns="" id="{2914523B-99A3-4999-BF47-D0A252B2F1D0}"/>
               </a:ext>
             </a:extLst>
           </p:cNvPr>
@@ -11861,7 +12140,7 @@
           <p:cNvPr id="6" name="슬라이드 번호 개체 틀 5">
             <a:extLst>
               <a:ext uri="{FF2B5EF4-FFF2-40B4-BE49-F238E27FC236}">
-                <a16:creationId xmlns:a16="http://schemas.microsoft.com/office/drawing/2014/main" id="{17DA02AC-46DA-48C1-8455-5A3F10E0500B}"/>
+                <a16:creationId xmlns:a16="http://schemas.microsoft.com/office/drawing/2014/main" xmlns="" id="{17DA02AC-46DA-48C1-8455-5A3F10E0500B}"/>
               </a:ext>
             </a:extLst>
           </p:cNvPr>
@@ -11889,7 +12168,7 @@
     </p:spTree>
     <p:extLst>
       <p:ext uri="{BB962C8B-B14F-4D97-AF65-F5344CB8AC3E}">
-        <p14:creationId xmlns:p14="http://schemas.microsoft.com/office/powerpoint/2010/main" val="2484572617"/>
+        <p14:creationId xmlns:p14="http://schemas.microsoft.com/office/powerpoint/2010/main" xmlns="" val="2484572617"/>
       </p:ext>
     </p:extLst>
   </p:cSld>
@@ -11921,7 +12200,7 @@
           <p:cNvPr id="2" name="제목 1">
             <a:extLst>
               <a:ext uri="{FF2B5EF4-FFF2-40B4-BE49-F238E27FC236}">
-                <a16:creationId xmlns:a16="http://schemas.microsoft.com/office/drawing/2014/main" id="{052D8932-A8E3-4736-854C-23354F51FD7E}"/>
+                <a16:creationId xmlns:a16="http://schemas.microsoft.com/office/drawing/2014/main" xmlns="" id="{052D8932-A8E3-4736-854C-23354F51FD7E}"/>
               </a:ext>
             </a:extLst>
           </p:cNvPr>
@@ -11950,7 +12229,7 @@
           <p:cNvPr id="3" name="내용 개체 틀 2">
             <a:extLst>
               <a:ext uri="{FF2B5EF4-FFF2-40B4-BE49-F238E27FC236}">
-                <a16:creationId xmlns:a16="http://schemas.microsoft.com/office/drawing/2014/main" id="{6C40931B-D6E4-4954-9E29-499143AC586C}"/>
+                <a16:creationId xmlns:a16="http://schemas.microsoft.com/office/drawing/2014/main" xmlns="" id="{6C40931B-D6E4-4954-9E29-499143AC586C}"/>
               </a:ext>
             </a:extLst>
           </p:cNvPr>
@@ -12013,7 +12292,7 @@
           <p:cNvPr id="4" name="내용 개체 틀 3">
             <a:extLst>
               <a:ext uri="{FF2B5EF4-FFF2-40B4-BE49-F238E27FC236}">
-                <a16:creationId xmlns:a16="http://schemas.microsoft.com/office/drawing/2014/main" id="{655CF46A-CD59-417D-8326-D3A358DA8CED}"/>
+                <a16:creationId xmlns:a16="http://schemas.microsoft.com/office/drawing/2014/main" xmlns="" id="{655CF46A-CD59-417D-8326-D3A358DA8CED}"/>
               </a:ext>
             </a:extLst>
           </p:cNvPr>
@@ -12076,7 +12355,7 @@
           <p:cNvPr id="5" name="날짜 개체 틀 4">
             <a:extLst>
               <a:ext uri="{FF2B5EF4-FFF2-40B4-BE49-F238E27FC236}">
-                <a16:creationId xmlns:a16="http://schemas.microsoft.com/office/drawing/2014/main" id="{3F2D0ADC-EEE6-49B8-8D10-C1B697C4B66C}"/>
+                <a16:creationId xmlns:a16="http://schemas.microsoft.com/office/drawing/2014/main" xmlns="" id="{3F2D0ADC-EEE6-49B8-8D10-C1B697C4B66C}"/>
               </a:ext>
             </a:extLst>
           </p:cNvPr>
@@ -12106,7 +12385,7 @@
           <p:cNvPr id="6" name="바닥글 개체 틀 5">
             <a:extLst>
               <a:ext uri="{FF2B5EF4-FFF2-40B4-BE49-F238E27FC236}">
-                <a16:creationId xmlns:a16="http://schemas.microsoft.com/office/drawing/2014/main" id="{D09E84D6-6A6D-4A4D-A3C6-1409BB68069D}"/>
+                <a16:creationId xmlns:a16="http://schemas.microsoft.com/office/drawing/2014/main" xmlns="" id="{D09E84D6-6A6D-4A4D-A3C6-1409BB68069D}"/>
               </a:ext>
             </a:extLst>
           </p:cNvPr>
@@ -12131,7 +12410,7 @@
           <p:cNvPr id="7" name="슬라이드 번호 개체 틀 6">
             <a:extLst>
               <a:ext uri="{FF2B5EF4-FFF2-40B4-BE49-F238E27FC236}">
-                <a16:creationId xmlns:a16="http://schemas.microsoft.com/office/drawing/2014/main" id="{A812F36E-3D78-4485-86AA-47E39B0C82E7}"/>
+                <a16:creationId xmlns:a16="http://schemas.microsoft.com/office/drawing/2014/main" xmlns="" id="{A812F36E-3D78-4485-86AA-47E39B0C82E7}"/>
               </a:ext>
             </a:extLst>
           </p:cNvPr>
@@ -12159,7 +12438,7 @@
     </p:spTree>
     <p:extLst>
       <p:ext uri="{BB962C8B-B14F-4D97-AF65-F5344CB8AC3E}">
-        <p14:creationId xmlns:p14="http://schemas.microsoft.com/office/powerpoint/2010/main" val="3229152006"/>
+        <p14:creationId xmlns:p14="http://schemas.microsoft.com/office/powerpoint/2010/main" xmlns="" val="3229152006"/>
       </p:ext>
     </p:extLst>
   </p:cSld>
@@ -12191,7 +12470,7 @@
           <p:cNvPr id="2" name="제목 1">
             <a:extLst>
               <a:ext uri="{FF2B5EF4-FFF2-40B4-BE49-F238E27FC236}">
-                <a16:creationId xmlns:a16="http://schemas.microsoft.com/office/drawing/2014/main" id="{4B074A4D-FCC4-4C3E-A87F-A2895BDB30B5}"/>
+                <a16:creationId xmlns:a16="http://schemas.microsoft.com/office/drawing/2014/main" xmlns="" id="{4B074A4D-FCC4-4C3E-A87F-A2895BDB30B5}"/>
               </a:ext>
             </a:extLst>
           </p:cNvPr>
@@ -12225,7 +12504,7 @@
           <p:cNvPr id="3" name="텍스트 개체 틀 2">
             <a:extLst>
               <a:ext uri="{FF2B5EF4-FFF2-40B4-BE49-F238E27FC236}">
-                <a16:creationId xmlns:a16="http://schemas.microsoft.com/office/drawing/2014/main" id="{F6C9C2C6-523A-42D4-BBDD-6B8BE4588F3B}"/>
+                <a16:creationId xmlns:a16="http://schemas.microsoft.com/office/drawing/2014/main" xmlns="" id="{F6C9C2C6-523A-42D4-BBDD-6B8BE4588F3B}"/>
               </a:ext>
             </a:extLst>
           </p:cNvPr>
@@ -12296,7 +12575,7 @@
           <p:cNvPr id="4" name="내용 개체 틀 3">
             <a:extLst>
               <a:ext uri="{FF2B5EF4-FFF2-40B4-BE49-F238E27FC236}">
-                <a16:creationId xmlns:a16="http://schemas.microsoft.com/office/drawing/2014/main" id="{80CC5BE2-8FEB-4C93-9CA3-017C525ADFA1}"/>
+                <a16:creationId xmlns:a16="http://schemas.microsoft.com/office/drawing/2014/main" xmlns="" id="{80CC5BE2-8FEB-4C93-9CA3-017C525ADFA1}"/>
               </a:ext>
             </a:extLst>
           </p:cNvPr>
@@ -12359,7 +12638,7 @@
           <p:cNvPr id="5" name="텍스트 개체 틀 4">
             <a:extLst>
               <a:ext uri="{FF2B5EF4-FFF2-40B4-BE49-F238E27FC236}">
-                <a16:creationId xmlns:a16="http://schemas.microsoft.com/office/drawing/2014/main" id="{AB209DFB-D3B0-4F33-B673-D5EDE408E2CF}"/>
+                <a16:creationId xmlns:a16="http://schemas.microsoft.com/office/drawing/2014/main" xmlns="" id="{AB209DFB-D3B0-4F33-B673-D5EDE408E2CF}"/>
               </a:ext>
             </a:extLst>
           </p:cNvPr>
@@ -12430,7 +12709,7 @@
           <p:cNvPr id="6" name="내용 개체 틀 5">
             <a:extLst>
               <a:ext uri="{FF2B5EF4-FFF2-40B4-BE49-F238E27FC236}">
-                <a16:creationId xmlns:a16="http://schemas.microsoft.com/office/drawing/2014/main" id="{2C2DD82E-65ED-433B-A4C7-481343D9031B}"/>
+                <a16:creationId xmlns:a16="http://schemas.microsoft.com/office/drawing/2014/main" xmlns="" id="{2C2DD82E-65ED-433B-A4C7-481343D9031B}"/>
               </a:ext>
             </a:extLst>
           </p:cNvPr>
@@ -12493,7 +12772,7 @@
           <p:cNvPr id="7" name="날짜 개체 틀 6">
             <a:extLst>
               <a:ext uri="{FF2B5EF4-FFF2-40B4-BE49-F238E27FC236}">
-                <a16:creationId xmlns:a16="http://schemas.microsoft.com/office/drawing/2014/main" id="{25511E2F-7AB9-4D66-88EE-A5DEDC900CDF}"/>
+                <a16:creationId xmlns:a16="http://schemas.microsoft.com/office/drawing/2014/main" xmlns="" id="{25511E2F-7AB9-4D66-88EE-A5DEDC900CDF}"/>
               </a:ext>
             </a:extLst>
           </p:cNvPr>
@@ -12523,7 +12802,7 @@
           <p:cNvPr id="8" name="바닥글 개체 틀 7">
             <a:extLst>
               <a:ext uri="{FF2B5EF4-FFF2-40B4-BE49-F238E27FC236}">
-                <a16:creationId xmlns:a16="http://schemas.microsoft.com/office/drawing/2014/main" id="{BF4E3981-1CE1-4FB3-AD4E-819398B13CC7}"/>
+                <a16:creationId xmlns:a16="http://schemas.microsoft.com/office/drawing/2014/main" xmlns="" id="{BF4E3981-1CE1-4FB3-AD4E-819398B13CC7}"/>
               </a:ext>
             </a:extLst>
           </p:cNvPr>
@@ -12548,7 +12827,7 @@
           <p:cNvPr id="9" name="슬라이드 번호 개체 틀 8">
             <a:extLst>
               <a:ext uri="{FF2B5EF4-FFF2-40B4-BE49-F238E27FC236}">
-                <a16:creationId xmlns:a16="http://schemas.microsoft.com/office/drawing/2014/main" id="{9B37F2FA-B578-4899-B140-32EDF7580FAA}"/>
+                <a16:creationId xmlns:a16="http://schemas.microsoft.com/office/drawing/2014/main" xmlns="" id="{9B37F2FA-B578-4899-B140-32EDF7580FAA}"/>
               </a:ext>
             </a:extLst>
           </p:cNvPr>
@@ -12576,7 +12855,7 @@
     </p:spTree>
     <p:extLst>
       <p:ext uri="{BB962C8B-B14F-4D97-AF65-F5344CB8AC3E}">
-        <p14:creationId xmlns:p14="http://schemas.microsoft.com/office/powerpoint/2010/main" val="460780579"/>
+        <p14:creationId xmlns:p14="http://schemas.microsoft.com/office/powerpoint/2010/main" xmlns="" val="460780579"/>
       </p:ext>
     </p:extLst>
   </p:cSld>
@@ -12608,7 +12887,7 @@
           <p:cNvPr id="2" name="제목 1">
             <a:extLst>
               <a:ext uri="{FF2B5EF4-FFF2-40B4-BE49-F238E27FC236}">
-                <a16:creationId xmlns:a16="http://schemas.microsoft.com/office/drawing/2014/main" id="{BA105E53-532F-4AFF-B17E-366FCBBD89A4}"/>
+                <a16:creationId xmlns:a16="http://schemas.microsoft.com/office/drawing/2014/main" xmlns="" id="{BA105E53-532F-4AFF-B17E-366FCBBD89A4}"/>
               </a:ext>
             </a:extLst>
           </p:cNvPr>
@@ -12637,7 +12916,7 @@
           <p:cNvPr id="3" name="날짜 개체 틀 2">
             <a:extLst>
               <a:ext uri="{FF2B5EF4-FFF2-40B4-BE49-F238E27FC236}">
-                <a16:creationId xmlns:a16="http://schemas.microsoft.com/office/drawing/2014/main" id="{1ABE6EF9-8BDF-40C2-83FA-649C298CCAB0}"/>
+                <a16:creationId xmlns:a16="http://schemas.microsoft.com/office/drawing/2014/main" xmlns="" id="{1ABE6EF9-8BDF-40C2-83FA-649C298CCAB0}"/>
               </a:ext>
             </a:extLst>
           </p:cNvPr>
@@ -12667,7 +12946,7 @@
           <p:cNvPr id="4" name="바닥글 개체 틀 3">
             <a:extLst>
               <a:ext uri="{FF2B5EF4-FFF2-40B4-BE49-F238E27FC236}">
-                <a16:creationId xmlns:a16="http://schemas.microsoft.com/office/drawing/2014/main" id="{B840DD08-FFF7-42F1-B7AD-E7AD7E63DE02}"/>
+                <a16:creationId xmlns:a16="http://schemas.microsoft.com/office/drawing/2014/main" xmlns="" id="{B840DD08-FFF7-42F1-B7AD-E7AD7E63DE02}"/>
               </a:ext>
             </a:extLst>
           </p:cNvPr>
@@ -12692,7 +12971,7 @@
           <p:cNvPr id="5" name="슬라이드 번호 개체 틀 4">
             <a:extLst>
               <a:ext uri="{FF2B5EF4-FFF2-40B4-BE49-F238E27FC236}">
-                <a16:creationId xmlns:a16="http://schemas.microsoft.com/office/drawing/2014/main" id="{29A08319-8CE4-443E-B984-DAA50DDBFAA5}"/>
+                <a16:creationId xmlns:a16="http://schemas.microsoft.com/office/drawing/2014/main" xmlns="" id="{29A08319-8CE4-443E-B984-DAA50DDBFAA5}"/>
               </a:ext>
             </a:extLst>
           </p:cNvPr>
@@ -12720,7 +12999,7 @@
     </p:spTree>
     <p:extLst>
       <p:ext uri="{BB962C8B-B14F-4D97-AF65-F5344CB8AC3E}">
-        <p14:creationId xmlns:p14="http://schemas.microsoft.com/office/powerpoint/2010/main" val="999968901"/>
+        <p14:creationId xmlns:p14="http://schemas.microsoft.com/office/powerpoint/2010/main" xmlns="" val="999968901"/>
       </p:ext>
     </p:extLst>
   </p:cSld>
@@ -12752,7 +13031,7 @@
           <p:cNvPr id="2" name="날짜 개체 틀 1">
             <a:extLst>
               <a:ext uri="{FF2B5EF4-FFF2-40B4-BE49-F238E27FC236}">
-                <a16:creationId xmlns:a16="http://schemas.microsoft.com/office/drawing/2014/main" id="{39705644-09D4-444C-8BBB-82FDF1670DB5}"/>
+                <a16:creationId xmlns:a16="http://schemas.microsoft.com/office/drawing/2014/main" xmlns="" id="{39705644-09D4-444C-8BBB-82FDF1670DB5}"/>
               </a:ext>
             </a:extLst>
           </p:cNvPr>
@@ -12782,7 +13061,7 @@
           <p:cNvPr id="3" name="바닥글 개체 틀 2">
             <a:extLst>
               <a:ext uri="{FF2B5EF4-FFF2-40B4-BE49-F238E27FC236}">
-                <a16:creationId xmlns:a16="http://schemas.microsoft.com/office/drawing/2014/main" id="{15DBD5FA-8217-4A3C-8F12-2CB52683DE75}"/>
+                <a16:creationId xmlns:a16="http://schemas.microsoft.com/office/drawing/2014/main" xmlns="" id="{15DBD5FA-8217-4A3C-8F12-2CB52683DE75}"/>
               </a:ext>
             </a:extLst>
           </p:cNvPr>
@@ -12807,7 +13086,7 @@
           <p:cNvPr id="4" name="슬라이드 번호 개체 틀 3">
             <a:extLst>
               <a:ext uri="{FF2B5EF4-FFF2-40B4-BE49-F238E27FC236}">
-                <a16:creationId xmlns:a16="http://schemas.microsoft.com/office/drawing/2014/main" id="{BD44A6FF-0DC0-46BE-8647-4D3118BA15B7}"/>
+                <a16:creationId xmlns:a16="http://schemas.microsoft.com/office/drawing/2014/main" xmlns="" id="{BD44A6FF-0DC0-46BE-8647-4D3118BA15B7}"/>
               </a:ext>
             </a:extLst>
           </p:cNvPr>
@@ -12835,7 +13114,7 @@
     </p:spTree>
     <p:extLst>
       <p:ext uri="{BB962C8B-B14F-4D97-AF65-F5344CB8AC3E}">
-        <p14:creationId xmlns:p14="http://schemas.microsoft.com/office/powerpoint/2010/main" val="959848976"/>
+        <p14:creationId xmlns:p14="http://schemas.microsoft.com/office/powerpoint/2010/main" xmlns="" val="959848976"/>
       </p:ext>
     </p:extLst>
   </p:cSld>
@@ -12867,7 +13146,7 @@
           <p:cNvPr id="2" name="제목 1">
             <a:extLst>
               <a:ext uri="{FF2B5EF4-FFF2-40B4-BE49-F238E27FC236}">
-                <a16:creationId xmlns:a16="http://schemas.microsoft.com/office/drawing/2014/main" id="{6F73EF81-6D68-4475-A5A4-9AFAD0FC249E}"/>
+                <a16:creationId xmlns:a16="http://schemas.microsoft.com/office/drawing/2014/main" xmlns="" id="{6F73EF81-6D68-4475-A5A4-9AFAD0FC249E}"/>
               </a:ext>
             </a:extLst>
           </p:cNvPr>
@@ -12905,7 +13184,7 @@
           <p:cNvPr id="3" name="내용 개체 틀 2">
             <a:extLst>
               <a:ext uri="{FF2B5EF4-FFF2-40B4-BE49-F238E27FC236}">
-                <a16:creationId xmlns:a16="http://schemas.microsoft.com/office/drawing/2014/main" id="{91549184-1E2F-4375-AEE3-658443FA4755}"/>
+                <a16:creationId xmlns:a16="http://schemas.microsoft.com/office/drawing/2014/main" xmlns="" id="{91549184-1E2F-4375-AEE3-658443FA4755}"/>
               </a:ext>
             </a:extLst>
           </p:cNvPr>
@@ -12996,7 +13275,7 @@
           <p:cNvPr id="4" name="텍스트 개체 틀 3">
             <a:extLst>
               <a:ext uri="{FF2B5EF4-FFF2-40B4-BE49-F238E27FC236}">
-                <a16:creationId xmlns:a16="http://schemas.microsoft.com/office/drawing/2014/main" id="{1F5C0C4D-1249-4A42-8513-A337C15E3EFD}"/>
+                <a16:creationId xmlns:a16="http://schemas.microsoft.com/office/drawing/2014/main" xmlns="" id="{1F5C0C4D-1249-4A42-8513-A337C15E3EFD}"/>
               </a:ext>
             </a:extLst>
           </p:cNvPr>
@@ -13067,7 +13346,7 @@
           <p:cNvPr id="5" name="날짜 개체 틀 4">
             <a:extLst>
               <a:ext uri="{FF2B5EF4-FFF2-40B4-BE49-F238E27FC236}">
-                <a16:creationId xmlns:a16="http://schemas.microsoft.com/office/drawing/2014/main" id="{808E7B94-56C2-4398-8213-89DDE2DBBA2C}"/>
+                <a16:creationId xmlns:a16="http://schemas.microsoft.com/office/drawing/2014/main" xmlns="" id="{808E7B94-56C2-4398-8213-89DDE2DBBA2C}"/>
               </a:ext>
             </a:extLst>
           </p:cNvPr>
@@ -13097,7 +13376,7 @@
           <p:cNvPr id="6" name="바닥글 개체 틀 5">
             <a:extLst>
               <a:ext uri="{FF2B5EF4-FFF2-40B4-BE49-F238E27FC236}">
-                <a16:creationId xmlns:a16="http://schemas.microsoft.com/office/drawing/2014/main" id="{F38EF290-9BF4-4477-9C25-E40C17D5A0AF}"/>
+                <a16:creationId xmlns:a16="http://schemas.microsoft.com/office/drawing/2014/main" xmlns="" id="{F38EF290-9BF4-4477-9C25-E40C17D5A0AF}"/>
               </a:ext>
             </a:extLst>
           </p:cNvPr>
@@ -13122,7 +13401,7 @@
           <p:cNvPr id="7" name="슬라이드 번호 개체 틀 6">
             <a:extLst>
               <a:ext uri="{FF2B5EF4-FFF2-40B4-BE49-F238E27FC236}">
-                <a16:creationId xmlns:a16="http://schemas.microsoft.com/office/drawing/2014/main" id="{40517C3B-D98E-4E9A-AFF2-D0767FDD0038}"/>
+                <a16:creationId xmlns:a16="http://schemas.microsoft.com/office/drawing/2014/main" xmlns="" id="{40517C3B-D98E-4E9A-AFF2-D0767FDD0038}"/>
               </a:ext>
             </a:extLst>
           </p:cNvPr>
@@ -13150,7 +13429,7 @@
     </p:spTree>
     <p:extLst>
       <p:ext uri="{BB962C8B-B14F-4D97-AF65-F5344CB8AC3E}">
-        <p14:creationId xmlns:p14="http://schemas.microsoft.com/office/powerpoint/2010/main" val="3676420544"/>
+        <p14:creationId xmlns:p14="http://schemas.microsoft.com/office/powerpoint/2010/main" xmlns="" val="3676420544"/>
       </p:ext>
     </p:extLst>
   </p:cSld>
@@ -13182,7 +13461,7 @@
           <p:cNvPr id="2" name="제목 1">
             <a:extLst>
               <a:ext uri="{FF2B5EF4-FFF2-40B4-BE49-F238E27FC236}">
-                <a16:creationId xmlns:a16="http://schemas.microsoft.com/office/drawing/2014/main" id="{04B1CC03-CFC9-4835-A364-306F46154441}"/>
+                <a16:creationId xmlns:a16="http://schemas.microsoft.com/office/drawing/2014/main" xmlns="" id="{04B1CC03-CFC9-4835-A364-306F46154441}"/>
               </a:ext>
             </a:extLst>
           </p:cNvPr>
@@ -13220,7 +13499,7 @@
           <p:cNvPr id="3" name="그림 개체 틀 2">
             <a:extLst>
               <a:ext uri="{FF2B5EF4-FFF2-40B4-BE49-F238E27FC236}">
-                <a16:creationId xmlns:a16="http://schemas.microsoft.com/office/drawing/2014/main" id="{4DC630DD-4113-4CEF-9F05-0E52141E386C}"/>
+                <a16:creationId xmlns:a16="http://schemas.microsoft.com/office/drawing/2014/main" xmlns="" id="{4DC630DD-4113-4CEF-9F05-0E52141E386C}"/>
               </a:ext>
             </a:extLst>
           </p:cNvPr>
@@ -13287,7 +13566,7 @@
           <p:cNvPr id="4" name="텍스트 개체 틀 3">
             <a:extLst>
               <a:ext uri="{FF2B5EF4-FFF2-40B4-BE49-F238E27FC236}">
-                <a16:creationId xmlns:a16="http://schemas.microsoft.com/office/drawing/2014/main" id="{38D0FD8E-D8D3-4513-AE38-3F89B511C1C5}"/>
+                <a16:creationId xmlns:a16="http://schemas.microsoft.com/office/drawing/2014/main" xmlns="" id="{38D0FD8E-D8D3-4513-AE38-3F89B511C1C5}"/>
               </a:ext>
             </a:extLst>
           </p:cNvPr>
@@ -13358,7 +13637,7 @@
           <p:cNvPr id="5" name="날짜 개체 틀 4">
             <a:extLst>
               <a:ext uri="{FF2B5EF4-FFF2-40B4-BE49-F238E27FC236}">
-                <a16:creationId xmlns:a16="http://schemas.microsoft.com/office/drawing/2014/main" id="{FF953F04-2DC1-4ADC-B00A-5DE5ACAAF9E9}"/>
+                <a16:creationId xmlns:a16="http://schemas.microsoft.com/office/drawing/2014/main" xmlns="" id="{FF953F04-2DC1-4ADC-B00A-5DE5ACAAF9E9}"/>
               </a:ext>
             </a:extLst>
           </p:cNvPr>
@@ -13388,7 +13667,7 @@
           <p:cNvPr id="6" name="바닥글 개체 틀 5">
             <a:extLst>
               <a:ext uri="{FF2B5EF4-FFF2-40B4-BE49-F238E27FC236}">
-                <a16:creationId xmlns:a16="http://schemas.microsoft.com/office/drawing/2014/main" id="{F444B1AF-FBD4-404A-8746-AC186F484DC0}"/>
+                <a16:creationId xmlns:a16="http://schemas.microsoft.com/office/drawing/2014/main" xmlns="" id="{F444B1AF-FBD4-404A-8746-AC186F484DC0}"/>
               </a:ext>
             </a:extLst>
           </p:cNvPr>
@@ -13413,7 +13692,7 @@
           <p:cNvPr id="7" name="슬라이드 번호 개체 틀 6">
             <a:extLst>
               <a:ext uri="{FF2B5EF4-FFF2-40B4-BE49-F238E27FC236}">
-                <a16:creationId xmlns:a16="http://schemas.microsoft.com/office/drawing/2014/main" id="{9115B7A3-1500-477D-83C3-04917E66972A}"/>
+                <a16:creationId xmlns:a16="http://schemas.microsoft.com/office/drawing/2014/main" xmlns="" id="{9115B7A3-1500-477D-83C3-04917E66972A}"/>
               </a:ext>
             </a:extLst>
           </p:cNvPr>
@@ -13441,7 +13720,7 @@
     </p:spTree>
     <p:extLst>
       <p:ext uri="{BB962C8B-B14F-4D97-AF65-F5344CB8AC3E}">
-        <p14:creationId xmlns:p14="http://schemas.microsoft.com/office/powerpoint/2010/main" val="501064386"/>
+        <p14:creationId xmlns:p14="http://schemas.microsoft.com/office/powerpoint/2010/main" xmlns="" val="501064386"/>
       </p:ext>
     </p:extLst>
   </p:cSld>
@@ -13478,7 +13757,7 @@
           <p:cNvPr id="2" name="제목 개체 틀 1">
             <a:extLst>
               <a:ext uri="{FF2B5EF4-FFF2-40B4-BE49-F238E27FC236}">
-                <a16:creationId xmlns:a16="http://schemas.microsoft.com/office/drawing/2014/main" id="{C1565C64-16D9-41E0-8E8F-4E4C63453957}"/>
+                <a16:creationId xmlns:a16="http://schemas.microsoft.com/office/drawing/2014/main" xmlns="" id="{C1565C64-16D9-41E0-8E8F-4E4C63453957}"/>
               </a:ext>
             </a:extLst>
           </p:cNvPr>
@@ -13517,7 +13796,7 @@
           <p:cNvPr id="3" name="텍스트 개체 틀 2">
             <a:extLst>
               <a:ext uri="{FF2B5EF4-FFF2-40B4-BE49-F238E27FC236}">
-                <a16:creationId xmlns:a16="http://schemas.microsoft.com/office/drawing/2014/main" id="{6845B281-D8B4-4A14-9E84-6EBCB4C58FFE}"/>
+                <a16:creationId xmlns:a16="http://schemas.microsoft.com/office/drawing/2014/main" xmlns="" id="{6845B281-D8B4-4A14-9E84-6EBCB4C58FFE}"/>
               </a:ext>
             </a:extLst>
           </p:cNvPr>
@@ -13585,7 +13864,7 @@
           <p:cNvPr id="4" name="날짜 개체 틀 3">
             <a:extLst>
               <a:ext uri="{FF2B5EF4-FFF2-40B4-BE49-F238E27FC236}">
-                <a16:creationId xmlns:a16="http://schemas.microsoft.com/office/drawing/2014/main" id="{BFBA92E8-7950-4C75-850F-37A834C4C0E5}"/>
+                <a16:creationId xmlns:a16="http://schemas.microsoft.com/office/drawing/2014/main" xmlns="" id="{BFBA92E8-7950-4C75-850F-37A834C4C0E5}"/>
               </a:ext>
             </a:extLst>
           </p:cNvPr>
@@ -13633,7 +13912,7 @@
           <p:cNvPr id="5" name="바닥글 개체 틀 4">
             <a:extLst>
               <a:ext uri="{FF2B5EF4-FFF2-40B4-BE49-F238E27FC236}">
-                <a16:creationId xmlns:a16="http://schemas.microsoft.com/office/drawing/2014/main" id="{09C7AB67-3809-416E-923B-4C7CC1E7505B}"/>
+                <a16:creationId xmlns:a16="http://schemas.microsoft.com/office/drawing/2014/main" xmlns="" id="{09C7AB67-3809-416E-923B-4C7CC1E7505B}"/>
               </a:ext>
             </a:extLst>
           </p:cNvPr>
@@ -13676,7 +13955,7 @@
           <p:cNvPr id="6" name="슬라이드 번호 개체 틀 5">
             <a:extLst>
               <a:ext uri="{FF2B5EF4-FFF2-40B4-BE49-F238E27FC236}">
-                <a16:creationId xmlns:a16="http://schemas.microsoft.com/office/drawing/2014/main" id="{DD67BD17-3BC1-409B-BA8D-2DE3B30F2F1D}"/>
+                <a16:creationId xmlns:a16="http://schemas.microsoft.com/office/drawing/2014/main" xmlns="" id="{DD67BD17-3BC1-409B-BA8D-2DE3B30F2F1D}"/>
               </a:ext>
             </a:extLst>
           </p:cNvPr>
@@ -13722,7 +14001,7 @@
     </p:spTree>
     <p:extLst>
       <p:ext uri="{BB962C8B-B14F-4D97-AF65-F5344CB8AC3E}">
-        <p14:creationId xmlns:p14="http://schemas.microsoft.com/office/powerpoint/2010/main" val="2241300416"/>
+        <p14:creationId xmlns:p14="http://schemas.microsoft.com/office/powerpoint/2010/main" xmlns="" val="2241300416"/>
       </p:ext>
     </p:extLst>
   </p:cSld>
@@ -14045,7 +14324,7 @@
           <p:cNvPr id="4" name="그림 3">
             <a:extLst>
               <a:ext uri="{FF2B5EF4-FFF2-40B4-BE49-F238E27FC236}">
-                <a16:creationId xmlns:a16="http://schemas.microsoft.com/office/drawing/2014/main" id="{DC493379-A5A5-4675-A967-236522A0173F}"/>
+                <a16:creationId xmlns:a16="http://schemas.microsoft.com/office/drawing/2014/main" xmlns="" id="{DC493379-A5A5-4675-A967-236522A0173F}"/>
               </a:ext>
             </a:extLst>
           </p:cNvPr>
@@ -14058,7 +14337,7 @@
           <a:blip r:embed="rId2">
             <a:extLst>
               <a:ext uri="{28A0092B-C50C-407E-A947-70E740481C1C}">
-                <a14:useLocalDpi xmlns:a14="http://schemas.microsoft.com/office/drawing/2010/main" val="0"/>
+                <a14:useLocalDpi xmlns:a14="http://schemas.microsoft.com/office/drawing/2010/main" xmlns="" val="0"/>
               </a:ext>
             </a:extLst>
           </a:blip>
@@ -14084,8 +14363,8 @@
         </p:nvSpPr>
         <p:spPr>
           <a:xfrm>
-            <a:off x="352624" y="1368644"/>
-            <a:ext cx="1718804" cy="369332"/>
+            <a:off x="285720" y="1368644"/>
+            <a:ext cx="1736950" cy="369332"/>
           </a:xfrm>
           <a:prstGeom prst="rect">
             <a:avLst/>
@@ -14104,8 +14383,8 @@
                 <a:solidFill>
                   <a:srgbClr val="8CC63E"/>
                 </a:solidFill>
-                <a:latin typeface="Noto Sans CJK SC Thin" pitchFamily="34" charset="-127"/>
-                <a:ea typeface="Noto Sans CJK SC Thin" pitchFamily="34" charset="-127"/>
+                <a:latin typeface="나눔고딕" pitchFamily="50" charset="-127"/>
+                <a:ea typeface="나눔고딕" pitchFamily="50" charset="-127"/>
               </a:rPr>
               <a:t>[Verb] to sleep</a:t>
             </a:r>
@@ -14113,8 +14392,8 @@
               <a:solidFill>
                 <a:srgbClr val="8CC63E"/>
               </a:solidFill>
-              <a:latin typeface="Noto Sans CJK SC Thin" pitchFamily="34" charset="-127"/>
-              <a:ea typeface="Noto Sans CJK SC Thin" pitchFamily="34" charset="-127"/>
+              <a:latin typeface="나눔고딕" pitchFamily="50" charset="-127"/>
+              <a:ea typeface="나눔고딕" pitchFamily="50" charset="-127"/>
             </a:endParaRPr>
           </a:p>
         </p:txBody>
@@ -14128,7 +14407,7 @@
         <p:spPr>
           <a:xfrm>
             <a:off x="190248" y="260648"/>
-            <a:ext cx="3127779" cy="1107996"/>
+            <a:ext cx="2901756" cy="1107996"/>
           </a:xfrm>
           <a:prstGeom prst="rect">
             <a:avLst/>
@@ -14147,8 +14426,8 @@
                 <a:solidFill>
                   <a:srgbClr val="8CC63E"/>
                 </a:solidFill>
-                <a:latin typeface="MS Reference Sans Serif" panose="020B0604030504040204" pitchFamily="34" charset="0"/>
-                <a:ea typeface="Noto Sans CJK SC Bold" pitchFamily="34" charset="-127"/>
+                <a:latin typeface="나눔고딕 ExtraBold" pitchFamily="50" charset="-127"/>
+                <a:ea typeface="나눔고딕 ExtraBold" pitchFamily="50" charset="-127"/>
               </a:rPr>
               <a:t>Dormir</a:t>
             </a:r>
@@ -14160,7 +14439,7 @@
           <p:cNvPr id="8" name="TextBox 7">
             <a:extLst>
               <a:ext uri="{FF2B5EF4-FFF2-40B4-BE49-F238E27FC236}">
-                <a16:creationId xmlns:a16="http://schemas.microsoft.com/office/drawing/2014/main" id="{21B173A2-6726-4E21-8682-3395A26E07ED}"/>
+                <a16:creationId xmlns:a16="http://schemas.microsoft.com/office/drawing/2014/main" xmlns="" id="{21B173A2-6726-4E21-8682-3395A26E07ED}"/>
               </a:ext>
             </a:extLst>
           </p:cNvPr>
@@ -14170,7 +14449,7 @@
         <p:spPr>
           <a:xfrm>
             <a:off x="7307247" y="5013176"/>
-            <a:ext cx="1217000" cy="1354217"/>
+            <a:ext cx="973343" cy="1354217"/>
           </a:xfrm>
           <a:prstGeom prst="rect">
             <a:avLst/>
@@ -14193,8 +14472,8 @@
                 <a:solidFill>
                   <a:srgbClr val="8CC63E"/>
                 </a:solidFill>
-                <a:latin typeface="Noto Sans CJK SC Bold" pitchFamily="34" charset="-127"/>
-                <a:ea typeface="Noto Sans CJK SC Bold" pitchFamily="34" charset="-127"/>
+                <a:latin typeface="나눔바른펜" pitchFamily="50" charset="-127"/>
+                <a:ea typeface="나눔바른펜" pitchFamily="50" charset="-127"/>
               </a:rPr>
               <a:t>권혁민</a:t>
             </a:r>
@@ -14202,8 +14481,8 @@
               <a:solidFill>
                 <a:srgbClr val="8CC63E"/>
               </a:solidFill>
-              <a:latin typeface="Noto Sans CJK SC Bold" pitchFamily="34" charset="-127"/>
-              <a:ea typeface="Noto Sans CJK SC Bold" pitchFamily="34" charset="-127"/>
+              <a:latin typeface="나눔바른펜" pitchFamily="50" charset="-127"/>
+              <a:ea typeface="나눔바른펜" pitchFamily="50" charset="-127"/>
             </a:endParaRPr>
           </a:p>
           <a:p>
@@ -14217,8 +14496,8 @@
                 <a:solidFill>
                   <a:srgbClr val="8CC63E"/>
                 </a:solidFill>
-                <a:latin typeface="Noto Sans CJK SC Bold" pitchFamily="34" charset="-127"/>
-                <a:ea typeface="Noto Sans CJK SC Bold" pitchFamily="34" charset="-127"/>
+                <a:latin typeface="나눔바른펜" pitchFamily="50" charset="-127"/>
+                <a:ea typeface="나눔바른펜" pitchFamily="50" charset="-127"/>
               </a:rPr>
               <a:t>김상현 </a:t>
             </a:r>
@@ -14226,8 +14505,8 @@
               <a:solidFill>
                 <a:srgbClr val="8CC63E"/>
               </a:solidFill>
-              <a:latin typeface="Noto Sans CJK SC Bold" pitchFamily="34" charset="-127"/>
-              <a:ea typeface="Noto Sans CJK SC Bold" pitchFamily="34" charset="-127"/>
+              <a:latin typeface="나눔바른펜" pitchFamily="50" charset="-127"/>
+              <a:ea typeface="나눔바른펜" pitchFamily="50" charset="-127"/>
             </a:endParaRPr>
           </a:p>
           <a:p>
@@ -14241,8 +14520,8 @@
                 <a:solidFill>
                   <a:srgbClr val="8CC63E"/>
                 </a:solidFill>
-                <a:latin typeface="Noto Sans CJK SC Bold" pitchFamily="34" charset="-127"/>
-                <a:ea typeface="Noto Sans CJK SC Bold" pitchFamily="34" charset="-127"/>
+                <a:latin typeface="나눔바른펜" pitchFamily="50" charset="-127"/>
+                <a:ea typeface="나눔바른펜" pitchFamily="50" charset="-127"/>
               </a:rPr>
               <a:t>장인애</a:t>
             </a:r>
@@ -14252,7 +14531,7 @@
     </p:spTree>
     <p:extLst>
       <p:ext uri="{BB962C8B-B14F-4D97-AF65-F5344CB8AC3E}">
-        <p14:creationId xmlns:p14="http://schemas.microsoft.com/office/powerpoint/2010/main" val="1914512661"/>
+        <p14:creationId xmlns:p14="http://schemas.microsoft.com/office/powerpoint/2010/main" xmlns="" val="1914512661"/>
       </p:ext>
     </p:extLst>
   </p:cSld>
@@ -14284,7 +14563,7 @@
           <p:cNvPr id="2" name="TextBox 1">
             <a:extLst>
               <a:ext uri="{FF2B5EF4-FFF2-40B4-BE49-F238E27FC236}">
-                <a16:creationId xmlns:a16="http://schemas.microsoft.com/office/drawing/2014/main" id="{7B3BC4B6-4462-49DD-BD31-ECBD7E667EEA}"/>
+                <a16:creationId xmlns:a16="http://schemas.microsoft.com/office/drawing/2014/main" xmlns="" id="{7B3BC4B6-4462-49DD-BD31-ECBD7E667EEA}"/>
               </a:ext>
             </a:extLst>
           </p:cNvPr>
@@ -14294,7 +14573,7 @@
         <p:spPr>
           <a:xfrm>
             <a:off x="467430" y="426076"/>
-            <a:ext cx="537327" cy="338554"/>
+            <a:ext cx="577402" cy="369332"/>
           </a:xfrm>
           <a:prstGeom prst="rect">
             <a:avLst/>
@@ -14316,7 +14595,7 @@
           <a:lstStyle/>
           <a:p>
             <a:r>
-              <a:rPr lang="en-US" altLang="ko-KR" sz="1600" dirty="0">
+              <a:rPr lang="en-US" altLang="ko-KR" dirty="0">
                 <a:solidFill>
                   <a:srgbClr val="8CC63E"/>
                 </a:solidFill>
@@ -14325,7 +14604,7 @@
               </a:rPr>
               <a:t>#02</a:t>
             </a:r>
-            <a:endParaRPr lang="ko-KR" altLang="en-US" sz="1600" dirty="0">
+            <a:endParaRPr lang="ko-KR" altLang="en-US" dirty="0">
               <a:solidFill>
                 <a:srgbClr val="8CC63E"/>
               </a:solidFill>
@@ -14340,7 +14619,7 @@
           <p:cNvPr id="3" name="TextBox 2">
             <a:extLst>
               <a:ext uri="{FF2B5EF4-FFF2-40B4-BE49-F238E27FC236}">
-                <a16:creationId xmlns:a16="http://schemas.microsoft.com/office/drawing/2014/main" id="{9FC5142B-0FFE-4F62-9338-F22E75105785}"/>
+                <a16:creationId xmlns:a16="http://schemas.microsoft.com/office/drawing/2014/main" xmlns="" id="{9FC5142B-0FFE-4F62-9338-F22E75105785}"/>
               </a:ext>
             </a:extLst>
           </p:cNvPr>
@@ -14350,7 +14629,7 @@
         <p:spPr>
           <a:xfrm>
             <a:off x="467430" y="764630"/>
-            <a:ext cx="1600566" cy="461665"/>
+            <a:ext cx="1899879" cy="523220"/>
           </a:xfrm>
           <a:prstGeom prst="rect">
             <a:avLst/>
@@ -14364,21 +14643,21 @@
           <a:lstStyle/>
           <a:p>
             <a:r>
-              <a:rPr lang="en-US" altLang="ko-KR" sz="2400" dirty="0">
+              <a:rPr lang="en-US" altLang="ko-KR" sz="2800" dirty="0">
                 <a:solidFill>
                   <a:srgbClr val="8CC63E"/>
                 </a:solidFill>
-                <a:latin typeface="Noto Sans CJK SC Bold" pitchFamily="34" charset="-127"/>
-                <a:ea typeface="Noto Sans CJK SC Bold" pitchFamily="34" charset="-127"/>
+                <a:latin typeface="나눔고딕 ExtraBold" pitchFamily="50" charset="-127"/>
+                <a:ea typeface="나눔고딕 ExtraBold" pitchFamily="50" charset="-127"/>
               </a:rPr>
               <a:t>Difference</a:t>
             </a:r>
-            <a:endParaRPr lang="ko-KR" altLang="en-US" sz="2400" dirty="0">
+            <a:endParaRPr lang="ko-KR" altLang="en-US" sz="2800" dirty="0">
               <a:solidFill>
                 <a:srgbClr val="8CC63E"/>
               </a:solidFill>
-              <a:latin typeface="Noto Sans CJK SC Bold" pitchFamily="34" charset="-127"/>
-              <a:ea typeface="Noto Sans CJK SC Bold" pitchFamily="34" charset="-127"/>
+              <a:latin typeface="나눔고딕 ExtraBold" pitchFamily="50" charset="-127"/>
+              <a:ea typeface="나눔고딕 ExtraBold" pitchFamily="50" charset="-127"/>
             </a:endParaRPr>
           </a:p>
         </p:txBody>
@@ -14388,7 +14667,7 @@
           <p:cNvPr id="1026" name="Picture 2" descr="‘노이즈-마스킹 슬립버드’. 사진 보스(BOSE) 제공">
             <a:extLst>
               <a:ext uri="{FF2B5EF4-FFF2-40B4-BE49-F238E27FC236}">
-                <a16:creationId xmlns:a16="http://schemas.microsoft.com/office/drawing/2014/main" id="{9474D26E-0E49-4660-9CAB-C46C5272E664}"/>
+                <a16:creationId xmlns:a16="http://schemas.microsoft.com/office/drawing/2014/main" xmlns="" id="{9474D26E-0E49-4660-9CAB-C46C5272E664}"/>
               </a:ext>
             </a:extLst>
           </p:cNvPr>
@@ -14401,7 +14680,7 @@
           <a:blip r:embed="rId3">
             <a:extLst>
               <a:ext uri="{28A0092B-C50C-407E-A947-70E740481C1C}">
-                <a14:useLocalDpi xmlns:a14="http://schemas.microsoft.com/office/drawing/2010/main" val="0"/>
+                <a14:useLocalDpi xmlns:a14="http://schemas.microsoft.com/office/drawing/2010/main" xmlns="" val="0"/>
               </a:ext>
             </a:extLst>
           </a:blip>
@@ -14412,7 +14691,7 @@
         </p:blipFill>
         <p:spPr bwMode="auto">
           <a:xfrm>
-            <a:off x="323528" y="1103184"/>
+            <a:off x="323528" y="1181113"/>
             <a:ext cx="3810000" cy="4105275"/>
           </a:xfrm>
           <a:prstGeom prst="rect">
@@ -14421,7 +14700,7 @@
           <a:noFill/>
           <a:extLst>
             <a:ext uri="{909E8E84-426E-40DD-AFC4-6F175D3DCCD1}">
-              <a14:hiddenFill xmlns:a14="http://schemas.microsoft.com/office/drawing/2010/main">
+              <a14:hiddenFill xmlns:a14="http://schemas.microsoft.com/office/drawing/2010/main" xmlns="">
                 <a:solidFill>
                   <a:srgbClr val="FFFFFF"/>
                 </a:solidFill>
@@ -14435,7 +14714,7 @@
           <p:cNvPr id="7" name="그림 6">
             <a:extLst>
               <a:ext uri="{FF2B5EF4-FFF2-40B4-BE49-F238E27FC236}">
-                <a16:creationId xmlns:a16="http://schemas.microsoft.com/office/drawing/2014/main" id="{67B7DC00-9CAC-4F92-A3D2-757ED13242D1}"/>
+                <a16:creationId xmlns:a16="http://schemas.microsoft.com/office/drawing/2014/main" xmlns="" id="{67B7DC00-9CAC-4F92-A3D2-757ED13242D1}"/>
               </a:ext>
             </a:extLst>
           </p:cNvPr>
@@ -14463,7 +14742,7 @@
     </p:spTree>
     <p:extLst>
       <p:ext uri="{BB962C8B-B14F-4D97-AF65-F5344CB8AC3E}">
-        <p14:creationId xmlns:p14="http://schemas.microsoft.com/office/powerpoint/2010/main" val="1823020762"/>
+        <p14:creationId xmlns:p14="http://schemas.microsoft.com/office/powerpoint/2010/main" xmlns="" val="1823020762"/>
       </p:ext>
     </p:extLst>
   </p:cSld>
@@ -14624,7 +14903,7 @@
           <p:cNvPr id="2" name="TextBox 1">
             <a:extLst>
               <a:ext uri="{FF2B5EF4-FFF2-40B4-BE49-F238E27FC236}">
-                <a16:creationId xmlns:a16="http://schemas.microsoft.com/office/drawing/2014/main" id="{91771DA1-1A2B-455C-8CF4-31709FA4E511}"/>
+                <a16:creationId xmlns:a16="http://schemas.microsoft.com/office/drawing/2014/main" xmlns="" id="{91771DA1-1A2B-455C-8CF4-31709FA4E511}"/>
               </a:ext>
             </a:extLst>
           </p:cNvPr>
@@ -14634,7 +14913,7 @@
         <p:spPr>
           <a:xfrm>
             <a:off x="467430" y="426076"/>
-            <a:ext cx="537327" cy="338554"/>
+            <a:ext cx="603050" cy="369332"/>
           </a:xfrm>
           <a:prstGeom prst="rect">
             <a:avLst/>
@@ -14656,21 +14935,21 @@
           <a:lstStyle/>
           <a:p>
             <a:r>
-              <a:rPr lang="en-US" altLang="ko-KR" sz="1600" dirty="0">
+              <a:rPr lang="en-US" altLang="ko-KR" dirty="0">
                 <a:solidFill>
                   <a:srgbClr val="8CC63E"/>
                 </a:solidFill>
-                <a:latin typeface="Noto Sans CJK SC Bold" pitchFamily="34" charset="-127"/>
-                <a:ea typeface="Noto Sans CJK SC Bold" pitchFamily="34" charset="-127"/>
+                <a:latin typeface="나눔고딕" pitchFamily="50" charset="-127"/>
+                <a:ea typeface="나눔고딕" pitchFamily="50" charset="-127"/>
               </a:rPr>
               <a:t>#02</a:t>
             </a:r>
-            <a:endParaRPr lang="ko-KR" altLang="en-US" sz="1600" dirty="0">
+            <a:endParaRPr lang="ko-KR" altLang="en-US" dirty="0">
               <a:solidFill>
                 <a:srgbClr val="8CC63E"/>
               </a:solidFill>
-              <a:latin typeface="Noto Sans CJK SC Bold" pitchFamily="34" charset="-127"/>
-              <a:ea typeface="Noto Sans CJK SC Bold" pitchFamily="34" charset="-127"/>
+              <a:latin typeface="나눔고딕" pitchFamily="50" charset="-127"/>
+              <a:ea typeface="나눔고딕" pitchFamily="50" charset="-127"/>
             </a:endParaRPr>
           </a:p>
         </p:txBody>
@@ -14680,7 +14959,7 @@
           <p:cNvPr id="2050" name="Picture 2" descr="왼쪽은 필립스 스마트슬립 헤드밴드를 한 남자가 머리에 착용하고 있는 모습, 오른쪽은 한 여자가 섬녹스 수면 베개 로봇을 끌어안고 자고 있는 모습.">
             <a:extLst>
               <a:ext uri="{FF2B5EF4-FFF2-40B4-BE49-F238E27FC236}">
-                <a16:creationId xmlns:a16="http://schemas.microsoft.com/office/drawing/2014/main" id="{2B1BFAA3-C677-4363-ACD1-73312CC68511}"/>
+                <a16:creationId xmlns:a16="http://schemas.microsoft.com/office/drawing/2014/main" xmlns="" id="{2B1BFAA3-C677-4363-ACD1-73312CC68511}"/>
               </a:ext>
             </a:extLst>
           </p:cNvPr>
@@ -14693,7 +14972,7 @@
           <a:blip r:embed="rId2">
             <a:extLst>
               <a:ext uri="{28A0092B-C50C-407E-A947-70E740481C1C}">
-                <a14:useLocalDpi xmlns:a14="http://schemas.microsoft.com/office/drawing/2010/main" val="0"/>
+                <a14:useLocalDpi xmlns:a14="http://schemas.microsoft.com/office/drawing/2010/main" xmlns="" val="0"/>
               </a:ext>
             </a:extLst>
           </a:blip>
@@ -14713,7 +14992,7 @@
           <a:noFill/>
           <a:extLst>
             <a:ext uri="{909E8E84-426E-40DD-AFC4-6F175D3DCCD1}">
-              <a14:hiddenFill xmlns:a14="http://schemas.microsoft.com/office/drawing/2010/main">
+              <a14:hiddenFill xmlns:a14="http://schemas.microsoft.com/office/drawing/2010/main" xmlns="">
                 <a:solidFill>
                   <a:srgbClr val="FFFFFF"/>
                 </a:solidFill>
@@ -14727,7 +15006,7 @@
           <p:cNvPr id="6" name="그림 5">
             <a:extLst>
               <a:ext uri="{FF2B5EF4-FFF2-40B4-BE49-F238E27FC236}">
-                <a16:creationId xmlns:a16="http://schemas.microsoft.com/office/drawing/2014/main" id="{704CB31F-F8AA-46C9-80DA-3F53BB8BF382}"/>
+                <a16:creationId xmlns:a16="http://schemas.microsoft.com/office/drawing/2014/main" xmlns="" id="{704CB31F-F8AA-46C9-80DA-3F53BB8BF382}"/>
               </a:ext>
             </a:extLst>
           </p:cNvPr>
@@ -14755,7 +15034,7 @@
     </p:spTree>
     <p:extLst>
       <p:ext uri="{BB962C8B-B14F-4D97-AF65-F5344CB8AC3E}">
-        <p14:creationId xmlns:p14="http://schemas.microsoft.com/office/powerpoint/2010/main" val="2967465442"/>
+        <p14:creationId xmlns:p14="http://schemas.microsoft.com/office/powerpoint/2010/main" xmlns="" val="2967465442"/>
       </p:ext>
     </p:extLst>
   </p:cSld>
@@ -14787,7 +15066,7 @@
           <p:cNvPr id="5" name="TextBox 4">
             <a:extLst>
               <a:ext uri="{FF2B5EF4-FFF2-40B4-BE49-F238E27FC236}">
-                <a16:creationId xmlns:a16="http://schemas.microsoft.com/office/drawing/2014/main" id="{EB2A3120-B6DD-4A49-8F02-8E8C6827D9B4}"/>
+                <a16:creationId xmlns:a16="http://schemas.microsoft.com/office/drawing/2014/main" xmlns="" id="{EB2A3120-B6DD-4A49-8F02-8E8C6827D9B4}"/>
               </a:ext>
             </a:extLst>
           </p:cNvPr>
@@ -14797,7 +15076,7 @@
         <p:spPr>
           <a:xfrm>
             <a:off x="467430" y="426076"/>
-            <a:ext cx="537327" cy="338554"/>
+            <a:ext cx="603050" cy="369332"/>
           </a:xfrm>
           <a:prstGeom prst="rect">
             <a:avLst/>
@@ -14819,21 +15098,21 @@
           <a:lstStyle/>
           <a:p>
             <a:r>
-              <a:rPr lang="en-US" altLang="ko-KR" sz="1600" dirty="0">
+              <a:rPr lang="en-US" altLang="ko-KR" dirty="0">
                 <a:solidFill>
                   <a:srgbClr val="8CC63E"/>
                 </a:solidFill>
-                <a:latin typeface="Noto Sans CJK SC Bold" pitchFamily="34" charset="-127"/>
-                <a:ea typeface="Noto Sans CJK SC Bold" pitchFamily="34" charset="-127"/>
+                <a:latin typeface="나눔고딕" pitchFamily="50" charset="-127"/>
+                <a:ea typeface="나눔고딕" pitchFamily="50" charset="-127"/>
               </a:rPr>
               <a:t>#02</a:t>
             </a:r>
-            <a:endParaRPr lang="ko-KR" altLang="en-US" sz="1600" dirty="0">
+            <a:endParaRPr lang="ko-KR" altLang="en-US" dirty="0">
               <a:solidFill>
                 <a:srgbClr val="8CC63E"/>
               </a:solidFill>
-              <a:latin typeface="Noto Sans CJK SC Bold" pitchFamily="34" charset="-127"/>
-              <a:ea typeface="Noto Sans CJK SC Bold" pitchFamily="34" charset="-127"/>
+              <a:latin typeface="나눔고딕" pitchFamily="50" charset="-127"/>
+              <a:ea typeface="나눔고딕" pitchFamily="50" charset="-127"/>
             </a:endParaRPr>
           </a:p>
         </p:txBody>
@@ -14843,7 +15122,7 @@
           <p:cNvPr id="6" name="그림 5">
             <a:extLst>
               <a:ext uri="{FF2B5EF4-FFF2-40B4-BE49-F238E27FC236}">
-                <a16:creationId xmlns:a16="http://schemas.microsoft.com/office/drawing/2014/main" id="{3D3BFBF9-354A-40BC-8011-A0258EA62C15}"/>
+                <a16:creationId xmlns:a16="http://schemas.microsoft.com/office/drawing/2014/main" xmlns="" id="{3D3BFBF9-354A-40BC-8011-A0258EA62C15}"/>
               </a:ext>
             </a:extLst>
           </p:cNvPr>
@@ -14871,13 +15150,20 @@
     </p:spTree>
     <p:extLst>
       <p:ext uri="{BB962C8B-B14F-4D97-AF65-F5344CB8AC3E}">
-        <p14:creationId xmlns:p14="http://schemas.microsoft.com/office/powerpoint/2010/main" val="1125011997"/>
+        <p14:creationId xmlns:p14="http://schemas.microsoft.com/office/powerpoint/2010/main" xmlns="" val="1125011997"/>
       </p:ext>
     </p:extLst>
   </p:cSld>
   <p:clrMapOvr>
     <a:masterClrMapping/>
   </p:clrMapOvr>
+  <p:timing>
+    <p:tnLst>
+      <p:par>
+        <p:cTn id="1" dur="indefinite" restart="never" nodeType="tmRoot"/>
+      </p:par>
+    </p:tnLst>
+  </p:timing>
 </p:sld>
 </file>
 
@@ -14911,7 +15197,7 @@
           <p:cNvPr id="2" name="TextBox 1">
             <a:extLst>
               <a:ext uri="{FF2B5EF4-FFF2-40B4-BE49-F238E27FC236}">
-                <a16:creationId xmlns:a16="http://schemas.microsoft.com/office/drawing/2014/main" id="{91771DA1-1A2B-455C-8CF4-31709FA4E511}"/>
+                <a16:creationId xmlns:a16="http://schemas.microsoft.com/office/drawing/2014/main" xmlns="" id="{91771DA1-1A2B-455C-8CF4-31709FA4E511}"/>
               </a:ext>
             </a:extLst>
           </p:cNvPr>
@@ -14921,7 +15207,7 @@
         <p:spPr>
           <a:xfrm>
             <a:off x="467430" y="426076"/>
-            <a:ext cx="537327" cy="338554"/>
+            <a:ext cx="577402" cy="369332"/>
           </a:xfrm>
           <a:prstGeom prst="rect">
             <a:avLst/>
@@ -14948,7 +15234,7 @@
               </a:spcAft>
             </a:pPr>
             <a:r>
-              <a:rPr lang="en-US" altLang="ko-KR" sz="1600">
+              <a:rPr lang="en-US" altLang="ko-KR" dirty="0">
                 <a:solidFill>
                   <a:srgbClr val="8CC63E"/>
                 </a:solidFill>
@@ -14957,7 +15243,7 @@
               </a:rPr>
               <a:t>#02</a:t>
             </a:r>
-            <a:endParaRPr lang="ko-KR" altLang="en-US" sz="1600">
+            <a:endParaRPr lang="ko-KR" altLang="en-US" dirty="0">
               <a:solidFill>
                 <a:srgbClr val="8CC63E"/>
               </a:solidFill>
@@ -14972,7 +15258,7 @@
           <p:cNvPr id="3" name="TextBox 2">
             <a:extLst>
               <a:ext uri="{FF2B5EF4-FFF2-40B4-BE49-F238E27FC236}">
-                <a16:creationId xmlns:a16="http://schemas.microsoft.com/office/drawing/2014/main" id="{590ACCC9-B11E-47B0-9F50-23D679AE9DAC}"/>
+                <a16:creationId xmlns:a16="http://schemas.microsoft.com/office/drawing/2014/main" xmlns="" id="{590ACCC9-B11E-47B0-9F50-23D679AE9DAC}"/>
               </a:ext>
             </a:extLst>
           </p:cNvPr>
@@ -14982,7 +15268,7 @@
         <p:spPr>
           <a:xfrm>
             <a:off x="467430" y="764630"/>
-            <a:ext cx="1600566" cy="461665"/>
+            <a:ext cx="1899879" cy="523220"/>
           </a:xfrm>
           <a:prstGeom prst="rect">
             <a:avLst/>
@@ -15001,21 +15287,21 @@
               </a:spcAft>
             </a:pPr>
             <a:r>
-              <a:rPr lang="en-US" altLang="ko-KR" sz="2400">
+              <a:rPr lang="en-US" altLang="ko-KR" sz="2800" dirty="0">
                 <a:solidFill>
                   <a:srgbClr val="8CC63E"/>
                 </a:solidFill>
-                <a:latin typeface="Noto Sans CJK SC Bold" pitchFamily="34" charset="-127"/>
-                <a:ea typeface="Noto Sans CJK SC Bold" pitchFamily="34" charset="-127"/>
+                <a:latin typeface="나눔고딕 ExtraBold" pitchFamily="50" charset="-127"/>
+                <a:ea typeface="나눔고딕 ExtraBold" pitchFamily="50" charset="-127"/>
               </a:rPr>
               <a:t>Difference</a:t>
             </a:r>
-            <a:endParaRPr lang="ko-KR" altLang="en-US" sz="2400">
+            <a:endParaRPr lang="ko-KR" altLang="en-US" sz="2800" dirty="0">
               <a:solidFill>
                 <a:srgbClr val="8CC63E"/>
               </a:solidFill>
-              <a:latin typeface="Noto Sans CJK SC Bold" pitchFamily="34" charset="-127"/>
-              <a:ea typeface="Noto Sans CJK SC Bold" pitchFamily="34" charset="-127"/>
+              <a:latin typeface="나눔고딕 ExtraBold" pitchFamily="50" charset="-127"/>
+              <a:ea typeface="나눔고딕 ExtraBold" pitchFamily="50" charset="-127"/>
             </a:endParaRPr>
           </a:p>
         </p:txBody>
@@ -15025,7 +15311,7 @@
           <p:cNvPr id="7" name="TextBox 3">
             <a:extLst>
               <a:ext uri="{FF2B5EF4-FFF2-40B4-BE49-F238E27FC236}">
-                <a16:creationId xmlns:a16="http://schemas.microsoft.com/office/drawing/2014/main" id="{80A25BDB-FAB2-48E8-BD02-8B91B3E513CE}"/>
+                <a16:creationId xmlns:a16="http://schemas.microsoft.com/office/drawing/2014/main" xmlns="" id="{80A25BDB-FAB2-48E8-BD02-8B91B3E513CE}"/>
               </a:ext>
             </a:extLst>
           </p:cNvPr>
@@ -15033,7 +15319,7 @@
           <p:nvPr>
             <p:extLst>
               <p:ext uri="{D42A27DB-BD31-4B8C-83A1-F6EECF244321}">
-                <p14:modId xmlns:p14="http://schemas.microsoft.com/office/powerpoint/2010/main" val="3560464331"/>
+                <p14:modId xmlns:p14="http://schemas.microsoft.com/office/powerpoint/2010/main" xmlns="" val="3560464331"/>
               </p:ext>
             </p:extLst>
           </p:nvPr>
@@ -15051,13 +15337,20 @@
     </p:spTree>
     <p:extLst>
       <p:ext uri="{BB962C8B-B14F-4D97-AF65-F5344CB8AC3E}">
-        <p14:creationId xmlns:p14="http://schemas.microsoft.com/office/powerpoint/2010/main" val="939907238"/>
+        <p14:creationId xmlns:p14="http://schemas.microsoft.com/office/powerpoint/2010/main" xmlns="" val="939907238"/>
       </p:ext>
     </p:extLst>
   </p:cSld>
   <p:clrMapOvr>
     <a:masterClrMapping/>
   </p:clrMapOvr>
+  <p:timing>
+    <p:tnLst>
+      <p:par>
+        <p:cTn id="1" dur="indefinite" restart="never" nodeType="tmRoot"/>
+      </p:par>
+    </p:tnLst>
+  </p:timing>
 </p:sld>
 </file>
 
@@ -15172,7 +15465,7 @@
           <p:cNvPr id="4" name="TextBox 3">
             <a:extLst>
               <a:ext uri="{FF2B5EF4-FFF2-40B4-BE49-F238E27FC236}">
-                <a16:creationId xmlns:a16="http://schemas.microsoft.com/office/drawing/2014/main" id="{93F1C931-6206-4A36-BEAE-3EAD647C18BA}"/>
+                <a16:creationId xmlns:a16="http://schemas.microsoft.com/office/drawing/2014/main" xmlns="" id="{93F1C931-6206-4A36-BEAE-3EAD647C18BA}"/>
               </a:ext>
             </a:extLst>
           </p:cNvPr>
@@ -15498,7 +15791,7 @@
           <p:cNvPr id="4" name="TextBox 3">
             <a:extLst>
               <a:ext uri="{FF2B5EF4-FFF2-40B4-BE49-F238E27FC236}">
-                <a16:creationId xmlns:a16="http://schemas.microsoft.com/office/drawing/2014/main" id="{E13355B0-2001-463F-8348-60C2A44B4A58}"/>
+                <a16:creationId xmlns:a16="http://schemas.microsoft.com/office/drawing/2014/main" xmlns="" id="{E13355B0-2001-463F-8348-60C2A44B4A58}"/>
               </a:ext>
             </a:extLst>
           </p:cNvPr>
@@ -15720,7 +16013,7 @@
           <p:cNvPr id="4" name="TextBox 3">
             <a:extLst>
               <a:ext uri="{FF2B5EF4-FFF2-40B4-BE49-F238E27FC236}">
-                <a16:creationId xmlns:a16="http://schemas.microsoft.com/office/drawing/2014/main" id="{7D365608-7BE8-4B36-A498-607274AFBFBE}"/>
+                <a16:creationId xmlns:a16="http://schemas.microsoft.com/office/drawing/2014/main" xmlns="" id="{7D365608-7BE8-4B36-A498-607274AFBFBE}"/>
               </a:ext>
             </a:extLst>
           </p:cNvPr>
@@ -15952,7 +16245,7 @@
           <p:nvPr>
             <p:extLst>
               <p:ext uri="{D42A27DB-BD31-4B8C-83A1-F6EECF244321}">
-                <p14:modId xmlns:p14="http://schemas.microsoft.com/office/powerpoint/2010/main" val="912207201"/>
+                <p14:modId xmlns:p14="http://schemas.microsoft.com/office/powerpoint/2010/main" xmlns="" val="912207201"/>
               </p:ext>
             </p:extLst>
           </p:nvPr>
@@ -15972,7 +16265,7 @@
           <p:cNvPr id="5" name="TextBox 4">
             <a:extLst>
               <a:ext uri="{FF2B5EF4-FFF2-40B4-BE49-F238E27FC236}">
-                <a16:creationId xmlns:a16="http://schemas.microsoft.com/office/drawing/2014/main" id="{546B1003-0424-494C-929B-468750208780}"/>
+                <a16:creationId xmlns:a16="http://schemas.microsoft.com/office/drawing/2014/main" xmlns="" id="{546B1003-0424-494C-929B-468750208780}"/>
               </a:ext>
             </a:extLst>
           </p:cNvPr>
@@ -16225,7 +16518,7 @@
           <p:cNvPr id="4" name="TextBox 3">
             <a:extLst>
               <a:ext uri="{FF2B5EF4-FFF2-40B4-BE49-F238E27FC236}">
-                <a16:creationId xmlns:a16="http://schemas.microsoft.com/office/drawing/2014/main" id="{6AF3204B-412E-4C3D-AF1B-4239E7649597}"/>
+                <a16:creationId xmlns:a16="http://schemas.microsoft.com/office/drawing/2014/main" xmlns="" id="{6AF3204B-412E-4C3D-AF1B-4239E7649597}"/>
               </a:ext>
             </a:extLst>
           </p:cNvPr>
@@ -16341,7 +16634,7 @@
         <p:spPr>
           <a:xfrm>
             <a:off x="500034" y="785794"/>
-            <a:ext cx="2928958" cy="369332"/>
+            <a:ext cx="2928958" cy="523220"/>
           </a:xfrm>
           <a:prstGeom prst="rect">
             <a:avLst/>
@@ -16356,17 +16649,21 @@
           <a:p>
             <a:pPr marL="342900" indent="-342900"/>
             <a:r>
-              <a:rPr lang="en-US" altLang="ko-KR" dirty="0">
+              <a:rPr lang="en-US" altLang="ko-KR" sz="2800" dirty="0">
                 <a:solidFill>
                   <a:srgbClr val="8CC63E"/>
                 </a:solidFill>
+                <a:latin typeface="나눔고딕 ExtraBold" pitchFamily="50" charset="-127"/>
+                <a:ea typeface="나눔고딕 ExtraBold" pitchFamily="50" charset="-127"/>
               </a:rPr>
               <a:t>Demo</a:t>
             </a:r>
-            <a:endParaRPr lang="ko-KR" altLang="en-US" dirty="0">
+            <a:endParaRPr lang="ko-KR" altLang="en-US" sz="2800" dirty="0">
               <a:solidFill>
                 <a:srgbClr val="8CC63E"/>
               </a:solidFill>
+              <a:latin typeface="나눔고딕 ExtraBold" pitchFamily="50" charset="-127"/>
+              <a:ea typeface="나눔고딕 ExtraBold" pitchFamily="50" charset="-127"/>
             </a:endParaRPr>
           </a:p>
         </p:txBody>
@@ -16380,7 +16677,7 @@
         <p:spPr>
           <a:xfrm>
             <a:off x="467430" y="426076"/>
-            <a:ext cx="537327" cy="338554"/>
+            <a:ext cx="603050" cy="369332"/>
           </a:xfrm>
           <a:prstGeom prst="rect">
             <a:avLst/>
@@ -16402,21 +16699,21 @@
           <a:lstStyle/>
           <a:p>
             <a:r>
-              <a:rPr lang="en-US" altLang="ko-KR" sz="1600" dirty="0">
+              <a:rPr lang="en-US" altLang="ko-KR" dirty="0">
                 <a:solidFill>
                   <a:srgbClr val="8CC63E"/>
                 </a:solidFill>
-                <a:latin typeface="Noto Sans CJK SC Bold" pitchFamily="34" charset="-127"/>
-                <a:ea typeface="Noto Sans CJK SC Bold" pitchFamily="34" charset="-127"/>
+                <a:latin typeface="나눔고딕" pitchFamily="50" charset="-127"/>
+                <a:ea typeface="나눔고딕" pitchFamily="50" charset="-127"/>
               </a:rPr>
               <a:t>#04</a:t>
             </a:r>
-            <a:endParaRPr lang="ko-KR" altLang="en-US" sz="1600" dirty="0">
+            <a:endParaRPr lang="ko-KR" altLang="en-US" dirty="0">
               <a:solidFill>
                 <a:srgbClr val="8CC63E"/>
               </a:solidFill>
-              <a:latin typeface="Noto Sans CJK SC Bold" pitchFamily="34" charset="-127"/>
-              <a:ea typeface="Noto Sans CJK SC Bold" pitchFamily="34" charset="-127"/>
+              <a:latin typeface="나눔고딕" pitchFamily="50" charset="-127"/>
+              <a:ea typeface="나눔고딕" pitchFamily="50" charset="-127"/>
             </a:endParaRPr>
           </a:p>
         </p:txBody>
@@ -16424,7 +16721,7 @@
     </p:spTree>
     <p:extLst>
       <p:ext uri="{BB962C8B-B14F-4D97-AF65-F5344CB8AC3E}">
-        <p14:creationId xmlns:p14="http://schemas.microsoft.com/office/powerpoint/2010/main" val="1225903437"/>
+        <p14:creationId xmlns:p14="http://schemas.microsoft.com/office/powerpoint/2010/main" xmlns="" val="1225903437"/>
       </p:ext>
     </p:extLst>
   </p:cSld>
@@ -16464,7 +16761,7 @@
           <p:cNvPr id="3" name="TextBox 2">
             <a:extLst>
               <a:ext uri="{FF2B5EF4-FFF2-40B4-BE49-F238E27FC236}">
-                <a16:creationId xmlns:a16="http://schemas.microsoft.com/office/drawing/2014/main" id="{A686B826-D049-4EDB-9D98-626EC22D03CD}"/>
+                <a16:creationId xmlns:a16="http://schemas.microsoft.com/office/drawing/2014/main" xmlns="" id="{A686B826-D049-4EDB-9D98-626EC22D03CD}"/>
               </a:ext>
             </a:extLst>
           </p:cNvPr>
@@ -16498,12 +16795,12 @@
               </a:spcAft>
             </a:pPr>
             <a:r>
-              <a:rPr lang="en-US" altLang="ko-KR" sz="4400" kern="1200">
+              <a:rPr lang="en-US" altLang="ko-KR" sz="4400" kern="1200" dirty="0">
                 <a:solidFill>
                   <a:schemeClr val="tx1"/>
                 </a:solidFill>
-                <a:latin typeface="+mj-lt"/>
-                <a:ea typeface="+mj-ea"/>
+                <a:latin typeface="나눔고딕 ExtraBold" pitchFamily="50" charset="-127"/>
+                <a:ea typeface="나눔고딕 ExtraBold" pitchFamily="50" charset="-127"/>
                 <a:cs typeface="+mj-cs"/>
               </a:rPr>
               <a:t>Contents</a:t>
@@ -16516,7 +16813,7 @@
           <p:cNvPr id="5" name="TextBox 1">
             <a:extLst>
               <a:ext uri="{FF2B5EF4-FFF2-40B4-BE49-F238E27FC236}">
-                <a16:creationId xmlns:a16="http://schemas.microsoft.com/office/drawing/2014/main" id="{6D7EC502-1523-495A-94F2-A12AB59DE3C1}"/>
+                <a16:creationId xmlns:a16="http://schemas.microsoft.com/office/drawing/2014/main" xmlns="" id="{6D7EC502-1523-495A-94F2-A12AB59DE3C1}"/>
               </a:ext>
             </a:extLst>
           </p:cNvPr>
@@ -16524,7 +16821,7 @@
           <p:nvPr>
             <p:extLst>
               <p:ext uri="{D42A27DB-BD31-4B8C-83A1-F6EECF244321}">
-                <p14:modId xmlns:p14="http://schemas.microsoft.com/office/powerpoint/2010/main" val="1413079141"/>
+                <p14:modId xmlns:p14="http://schemas.microsoft.com/office/powerpoint/2010/main" xmlns="" val="1413079141"/>
               </p:ext>
             </p:extLst>
           </p:nvPr>
@@ -16578,7 +16875,7 @@
             <a:hlinkClick r:id="rId3"/>
             <a:extLst>
               <a:ext uri="{FF2B5EF4-FFF2-40B4-BE49-F238E27FC236}">
-                <a16:creationId xmlns:a16="http://schemas.microsoft.com/office/drawing/2014/main" id="{C185CDA3-5298-42EF-BBAA-411F053DC025}"/>
+                <a16:creationId xmlns:a16="http://schemas.microsoft.com/office/drawing/2014/main" xmlns="" id="{C185CDA3-5298-42EF-BBAA-411F053DC025}"/>
               </a:ext>
             </a:extLst>
           </p:cNvPr>
@@ -16591,7 +16888,7 @@
           <a:blip r:embed="rId4">
             <a:extLst>
               <a:ext uri="{28A0092B-C50C-407E-A947-70E740481C1C}">
-                <a14:useLocalDpi xmlns:a14="http://schemas.microsoft.com/office/drawing/2010/main" val="0"/>
+                <a14:useLocalDpi xmlns:a14="http://schemas.microsoft.com/office/drawing/2010/main" xmlns="" val="0"/>
               </a:ext>
             </a:extLst>
           </a:blip>
@@ -16601,7 +16898,7 @@
         </p:blipFill>
         <p:spPr bwMode="auto">
           <a:xfrm>
-            <a:off x="482600" y="1444625"/>
+            <a:off x="482600" y="1674829"/>
             <a:ext cx="3968749" cy="3968749"/>
           </a:xfrm>
           <a:prstGeom prst="rect">
@@ -16610,7 +16907,7 @@
           <a:noFill/>
           <a:extLst>
             <a:ext uri="{909E8E84-426E-40DD-AFC4-6F175D3DCCD1}">
-              <a14:hiddenFill xmlns:a14="http://schemas.microsoft.com/office/drawing/2010/main">
+              <a14:hiddenFill xmlns:a14="http://schemas.microsoft.com/office/drawing/2010/main" xmlns="">
                 <a:solidFill>
                   <a:srgbClr val="FFFFFF"/>
                 </a:solidFill>
@@ -16624,7 +16921,7 @@
           <p:cNvPr id="6" name="그림 5">
             <a:extLst>
               <a:ext uri="{FF2B5EF4-FFF2-40B4-BE49-F238E27FC236}">
-                <a16:creationId xmlns:a16="http://schemas.microsoft.com/office/drawing/2014/main" id="{0D3C26E3-5EDD-4B5A-84A1-9BD8D5C1A0F0}"/>
+                <a16:creationId xmlns:a16="http://schemas.microsoft.com/office/drawing/2014/main" xmlns="" id="{0D3C26E3-5EDD-4B5A-84A1-9BD8D5C1A0F0}"/>
               </a:ext>
             </a:extLst>
           </p:cNvPr>
@@ -16637,7 +16934,7 @@
           <a:blip r:embed="rId5" cstate="print">
             <a:extLst>
               <a:ext uri="{28A0092B-C50C-407E-A947-70E740481C1C}">
-                <a14:useLocalDpi xmlns:a14="http://schemas.microsoft.com/office/drawing/2010/main" val="0"/>
+                <a14:useLocalDpi xmlns:a14="http://schemas.microsoft.com/office/drawing/2010/main" xmlns="" val="0"/>
               </a:ext>
             </a:extLst>
           </a:blip>
@@ -16647,7 +16944,7 @@
         </p:blipFill>
         <p:spPr>
           <a:xfrm>
-            <a:off x="4692648" y="2312789"/>
+            <a:off x="4692648" y="2482462"/>
             <a:ext cx="3968751" cy="2232422"/>
           </a:xfrm>
           <a:prstGeom prst="rect">
@@ -16660,7 +16957,7 @@
           <p:cNvPr id="2" name="TextBox 1">
             <a:extLst>
               <a:ext uri="{FF2B5EF4-FFF2-40B4-BE49-F238E27FC236}">
-                <a16:creationId xmlns:a16="http://schemas.microsoft.com/office/drawing/2014/main" id="{35A8D289-0FCE-4F6D-910C-0519F6C7E8FB}"/>
+                <a16:creationId xmlns:a16="http://schemas.microsoft.com/office/drawing/2014/main" xmlns="" id="{35A8D289-0FCE-4F6D-910C-0519F6C7E8FB}"/>
               </a:ext>
             </a:extLst>
           </p:cNvPr>
@@ -16670,7 +16967,7 @@
         <p:spPr>
           <a:xfrm>
             <a:off x="467430" y="426076"/>
-            <a:ext cx="537327" cy="338554"/>
+            <a:ext cx="603050" cy="369332"/>
           </a:xfrm>
           <a:prstGeom prst="rect">
             <a:avLst/>
@@ -16697,21 +16994,21 @@
               </a:spcAft>
             </a:pPr>
             <a:r>
-              <a:rPr lang="en-US" altLang="ko-KR" sz="1600" dirty="0">
+              <a:rPr lang="en-US" altLang="ko-KR" dirty="0">
                 <a:solidFill>
                   <a:srgbClr val="8CC63E"/>
                 </a:solidFill>
-                <a:latin typeface="Noto Sans CJK SC Bold" pitchFamily="34" charset="-127"/>
-                <a:ea typeface="Noto Sans CJK SC Bold" pitchFamily="34" charset="-127"/>
+                <a:latin typeface="나눔고딕" pitchFamily="50" charset="-127"/>
+                <a:ea typeface="나눔고딕" pitchFamily="50" charset="-127"/>
               </a:rPr>
               <a:t>#05</a:t>
             </a:r>
-            <a:endParaRPr lang="ko-KR" altLang="en-US" sz="1600">
+            <a:endParaRPr lang="ko-KR" altLang="en-US" dirty="0">
               <a:solidFill>
                 <a:srgbClr val="8CC63E"/>
               </a:solidFill>
-              <a:latin typeface="Noto Sans CJK SC Bold" pitchFamily="34" charset="-127"/>
-              <a:ea typeface="Noto Sans CJK SC Bold" pitchFamily="34" charset="-127"/>
+              <a:latin typeface="나눔고딕" pitchFamily="50" charset="-127"/>
+              <a:ea typeface="나눔고딕" pitchFamily="50" charset="-127"/>
             </a:endParaRPr>
           </a:p>
         </p:txBody>
@@ -16721,7 +17018,7 @@
           <p:cNvPr id="4" name="TextBox 3">
             <a:extLst>
               <a:ext uri="{FF2B5EF4-FFF2-40B4-BE49-F238E27FC236}">
-                <a16:creationId xmlns:a16="http://schemas.microsoft.com/office/drawing/2014/main" id="{30A69B62-82A1-48BD-88E6-F1AB956CE7F9}"/>
+                <a16:creationId xmlns:a16="http://schemas.microsoft.com/office/drawing/2014/main" xmlns="" id="{30A69B62-82A1-48BD-88E6-F1AB956CE7F9}"/>
               </a:ext>
             </a:extLst>
           </p:cNvPr>
@@ -16731,7 +17028,7 @@
         <p:spPr>
           <a:xfrm>
             <a:off x="500034" y="785794"/>
-            <a:ext cx="2928958" cy="369332"/>
+            <a:ext cx="2928958" cy="523220"/>
           </a:xfrm>
           <a:prstGeom prst="rect">
             <a:avLst/>
@@ -16750,17 +17047,21 @@
               </a:spcAft>
             </a:pPr>
             <a:r>
-              <a:rPr lang="en-US" altLang="ko-KR" dirty="0">
+              <a:rPr lang="en-US" altLang="ko-KR" sz="2800" dirty="0">
                 <a:solidFill>
                   <a:srgbClr val="8CC63E"/>
                 </a:solidFill>
+                <a:latin typeface="나눔고딕 ExtraBold" pitchFamily="50" charset="-127"/>
+                <a:ea typeface="나눔고딕 ExtraBold" pitchFamily="50" charset="-127"/>
               </a:rPr>
               <a:t>Future Prospects</a:t>
             </a:r>
-            <a:endParaRPr lang="ko-KR" altLang="en-US">
+            <a:endParaRPr lang="ko-KR" altLang="en-US" sz="2800" dirty="0">
               <a:solidFill>
                 <a:srgbClr val="8CC63E"/>
               </a:solidFill>
+              <a:latin typeface="나눔고딕 ExtraBold" pitchFamily="50" charset="-127"/>
+              <a:ea typeface="나눔고딕 ExtraBold" pitchFamily="50" charset="-127"/>
             </a:endParaRPr>
           </a:p>
         </p:txBody>
@@ -16768,7 +17069,7 @@
     </p:spTree>
     <p:extLst>
       <p:ext uri="{BB962C8B-B14F-4D97-AF65-F5344CB8AC3E}">
-        <p14:creationId xmlns:p14="http://schemas.microsoft.com/office/powerpoint/2010/main" val="1889734667"/>
+        <p14:creationId xmlns:p14="http://schemas.microsoft.com/office/powerpoint/2010/main" xmlns="" val="1889734667"/>
       </p:ext>
     </p:extLst>
   </p:cSld>
@@ -16808,7 +17109,7 @@
           <p:cNvPr id="6" name="그림 5" descr="쥐고있는, 사람, 손, 실내이(가) 표시된 사진&#10;&#10;자동 생성된 설명">
             <a:extLst>
               <a:ext uri="{FF2B5EF4-FFF2-40B4-BE49-F238E27FC236}">
-                <a16:creationId xmlns:a16="http://schemas.microsoft.com/office/drawing/2014/main" id="{DC09C71B-6E61-47F3-81D7-2BDAA9CE1B69}"/>
+                <a16:creationId xmlns:a16="http://schemas.microsoft.com/office/drawing/2014/main" xmlns="" id="{DC09C71B-6E61-47F3-81D7-2BDAA9CE1B69}"/>
               </a:ext>
             </a:extLst>
           </p:cNvPr>
@@ -16821,7 +17122,7 @@
           <a:blip r:embed="rId2">
             <a:extLst>
               <a:ext uri="{28A0092B-C50C-407E-A947-70E740481C1C}">
-                <a14:useLocalDpi xmlns:a14="http://schemas.microsoft.com/office/drawing/2010/main" val="0"/>
+                <a14:useLocalDpi xmlns:a14="http://schemas.microsoft.com/office/drawing/2010/main" xmlns="" val="0"/>
               </a:ext>
             </a:extLst>
           </a:blip>
@@ -16844,7 +17145,7 @@
           <p:cNvPr id="4" name="그림 3">
             <a:extLst>
               <a:ext uri="{FF2B5EF4-FFF2-40B4-BE49-F238E27FC236}">
-                <a16:creationId xmlns:a16="http://schemas.microsoft.com/office/drawing/2014/main" id="{6B94A6EA-DF01-4EC6-A801-29690873003B}"/>
+                <a16:creationId xmlns:a16="http://schemas.microsoft.com/office/drawing/2014/main" xmlns="" id="{6B94A6EA-DF01-4EC6-A801-29690873003B}"/>
               </a:ext>
             </a:extLst>
           </p:cNvPr>
@@ -16874,7 +17175,7 @@
           <p:cNvPr id="2" name="TextBox 1">
             <a:extLst>
               <a:ext uri="{FF2B5EF4-FFF2-40B4-BE49-F238E27FC236}">
-                <a16:creationId xmlns:a16="http://schemas.microsoft.com/office/drawing/2014/main" id="{392705E2-8827-411B-A434-4CDD56E7FCE9}"/>
+                <a16:creationId xmlns:a16="http://schemas.microsoft.com/office/drawing/2014/main" xmlns="" id="{392705E2-8827-411B-A434-4CDD56E7FCE9}"/>
               </a:ext>
             </a:extLst>
           </p:cNvPr>
@@ -16935,7 +17236,7 @@
           <p:cNvPr id="3" name="TextBox 2">
             <a:extLst>
               <a:ext uri="{FF2B5EF4-FFF2-40B4-BE49-F238E27FC236}">
-                <a16:creationId xmlns:a16="http://schemas.microsoft.com/office/drawing/2014/main" id="{3D4D259B-5C6A-4486-A904-D7BB06CA8D0A}"/>
+                <a16:creationId xmlns:a16="http://schemas.microsoft.com/office/drawing/2014/main" xmlns="" id="{3D4D259B-5C6A-4486-A904-D7BB06CA8D0A}"/>
               </a:ext>
             </a:extLst>
           </p:cNvPr>
@@ -16982,7 +17283,7 @@
     </p:spTree>
     <p:extLst>
       <p:ext uri="{BB962C8B-B14F-4D97-AF65-F5344CB8AC3E}">
-        <p14:creationId xmlns:p14="http://schemas.microsoft.com/office/powerpoint/2010/main" val="177105312"/>
+        <p14:creationId xmlns:p14="http://schemas.microsoft.com/office/powerpoint/2010/main" xmlns="" val="177105312"/>
       </p:ext>
     </p:extLst>
   </p:cSld>
@@ -17014,7 +17315,7 @@
           <p:cNvPr id="2" name="TextBox 1">
             <a:extLst>
               <a:ext uri="{FF2B5EF4-FFF2-40B4-BE49-F238E27FC236}">
-                <a16:creationId xmlns:a16="http://schemas.microsoft.com/office/drawing/2014/main" id="{35A8D289-0FCE-4F6D-910C-0519F6C7E8FB}"/>
+                <a16:creationId xmlns:a16="http://schemas.microsoft.com/office/drawing/2014/main" xmlns="" id="{35A8D289-0FCE-4F6D-910C-0519F6C7E8FB}"/>
               </a:ext>
             </a:extLst>
           </p:cNvPr>
@@ -17075,7 +17376,7 @@
           <p:cNvPr id="4" name="TextBox 3">
             <a:extLst>
               <a:ext uri="{FF2B5EF4-FFF2-40B4-BE49-F238E27FC236}">
-                <a16:creationId xmlns:a16="http://schemas.microsoft.com/office/drawing/2014/main" id="{30A69B62-82A1-48BD-88E6-F1AB956CE7F9}"/>
+                <a16:creationId xmlns:a16="http://schemas.microsoft.com/office/drawing/2014/main" xmlns="" id="{30A69B62-82A1-48BD-88E6-F1AB956CE7F9}"/>
               </a:ext>
             </a:extLst>
           </p:cNvPr>
@@ -17124,7 +17425,7 @@
           <p:cNvPr id="3" name="그림 2">
             <a:extLst>
               <a:ext uri="{FF2B5EF4-FFF2-40B4-BE49-F238E27FC236}">
-                <a16:creationId xmlns:a16="http://schemas.microsoft.com/office/drawing/2014/main" id="{0E15A757-542E-4A2A-A9F0-14EB836531BF}"/>
+                <a16:creationId xmlns:a16="http://schemas.microsoft.com/office/drawing/2014/main" xmlns="" id="{0E15A757-542E-4A2A-A9F0-14EB836531BF}"/>
               </a:ext>
             </a:extLst>
           </p:cNvPr>
@@ -17152,7 +17453,7 @@
     </p:spTree>
     <p:extLst>
       <p:ext uri="{BB962C8B-B14F-4D97-AF65-F5344CB8AC3E}">
-        <p14:creationId xmlns:p14="http://schemas.microsoft.com/office/powerpoint/2010/main" val="4080329371"/>
+        <p14:creationId xmlns:p14="http://schemas.microsoft.com/office/powerpoint/2010/main" xmlns="" val="4080329371"/>
       </p:ext>
     </p:extLst>
   </p:cSld>
@@ -17184,7 +17485,7 @@
           <p:cNvPr id="2" name="TextBox 1">
             <a:extLst>
               <a:ext uri="{FF2B5EF4-FFF2-40B4-BE49-F238E27FC236}">
-                <a16:creationId xmlns:a16="http://schemas.microsoft.com/office/drawing/2014/main" id="{E9FB7317-74E6-4F41-BAC2-38309172E5C4}"/>
+                <a16:creationId xmlns:a16="http://schemas.microsoft.com/office/drawing/2014/main" xmlns="" id="{E9FB7317-74E6-4F41-BAC2-38309172E5C4}"/>
               </a:ext>
             </a:extLst>
           </p:cNvPr>
@@ -17220,7 +17521,7 @@
     </p:spTree>
     <p:extLst>
       <p:ext uri="{BB962C8B-B14F-4D97-AF65-F5344CB8AC3E}">
-        <p14:creationId xmlns:p14="http://schemas.microsoft.com/office/powerpoint/2010/main" val="1142831589"/>
+        <p14:creationId xmlns:p14="http://schemas.microsoft.com/office/powerpoint/2010/main" xmlns="" val="1142831589"/>
       </p:ext>
     </p:extLst>
   </p:cSld>
@@ -17264,7 +17565,7 @@
         <p:spPr>
           <a:xfrm>
             <a:off x="467430" y="426076"/>
-            <a:ext cx="545342" cy="338554"/>
+            <a:ext cx="603050" cy="369332"/>
           </a:xfrm>
           <a:prstGeom prst="rect">
             <a:avLst/>
@@ -17291,21 +17592,21 @@
               </a:spcAft>
             </a:pPr>
             <a:r>
-              <a:rPr lang="en-US" altLang="ko-KR" sz="1600">
+              <a:rPr lang="en-US" altLang="ko-KR" dirty="0">
                 <a:solidFill>
                   <a:srgbClr val="8CC63E"/>
                 </a:solidFill>
-                <a:latin typeface="Noto Sans CJK SC Bold" pitchFamily="34" charset="-127"/>
-                <a:ea typeface="Noto Sans CJK SC Bold" pitchFamily="34" charset="-127"/>
+                <a:latin typeface="나눔고딕" pitchFamily="50" charset="-127"/>
+                <a:ea typeface="나눔고딕" pitchFamily="50" charset="-127"/>
               </a:rPr>
               <a:t>#01</a:t>
             </a:r>
-            <a:endParaRPr lang="ko-KR" altLang="en-US" sz="1600">
+            <a:endParaRPr lang="ko-KR" altLang="en-US" dirty="0">
               <a:solidFill>
                 <a:srgbClr val="8CC63E"/>
               </a:solidFill>
-              <a:latin typeface="Noto Sans CJK SC Bold" pitchFamily="34" charset="-127"/>
-              <a:ea typeface="Noto Sans CJK SC Bold" pitchFamily="34" charset="-127"/>
+              <a:latin typeface="나눔고딕" pitchFamily="50" charset="-127"/>
+              <a:ea typeface="나눔고딕" pitchFamily="50" charset="-127"/>
             </a:endParaRPr>
           </a:p>
         </p:txBody>
@@ -17319,7 +17620,7 @@
         <p:spPr>
           <a:xfrm>
             <a:off x="467430" y="764630"/>
-            <a:ext cx="1345689" cy="461665"/>
+            <a:ext cx="1564852" cy="523220"/>
           </a:xfrm>
           <a:prstGeom prst="rect">
             <a:avLst/>
@@ -17338,21 +17639,21 @@
               </a:spcAft>
             </a:pPr>
             <a:r>
-              <a:rPr lang="en-US" altLang="ko-KR" sz="2400">
+              <a:rPr lang="en-US" altLang="ko-KR" sz="2800" dirty="0">
                 <a:solidFill>
                   <a:srgbClr val="8CC63E"/>
                 </a:solidFill>
-                <a:latin typeface="Noto Sans CJK SC Bold" pitchFamily="34" charset="-127"/>
-                <a:ea typeface="Noto Sans CJK SC Bold" pitchFamily="34" charset="-127"/>
+                <a:latin typeface="나눔고딕 ExtraBold" pitchFamily="50" charset="-127"/>
+                <a:ea typeface="나눔고딕 ExtraBold" pitchFamily="50" charset="-127"/>
               </a:rPr>
               <a:t>Problem</a:t>
             </a:r>
-            <a:endParaRPr lang="ko-KR" altLang="en-US" sz="2400" dirty="0">
+            <a:endParaRPr lang="ko-KR" altLang="en-US" sz="2800" dirty="0">
               <a:solidFill>
                 <a:srgbClr val="8CC63E"/>
               </a:solidFill>
-              <a:latin typeface="Noto Sans CJK SC Bold" pitchFamily="34" charset="-127"/>
-              <a:ea typeface="Noto Sans CJK SC Bold" pitchFamily="34" charset="-127"/>
+              <a:latin typeface="나눔고딕 ExtraBold" pitchFamily="50" charset="-127"/>
+              <a:ea typeface="나눔고딕 ExtraBold" pitchFamily="50" charset="-127"/>
             </a:endParaRPr>
           </a:p>
         </p:txBody>
@@ -17362,7 +17663,7 @@
           <p:cNvPr id="9" name="그림 8">
             <a:extLst>
               <a:ext uri="{FF2B5EF4-FFF2-40B4-BE49-F238E27FC236}">
-                <a16:creationId xmlns:a16="http://schemas.microsoft.com/office/drawing/2014/main" id="{F4FF60D0-DE5E-4577-BB32-715DCB4DE412}"/>
+                <a16:creationId xmlns:a16="http://schemas.microsoft.com/office/drawing/2014/main" xmlns="" id="{F4FF60D0-DE5E-4577-BB32-715DCB4DE412}"/>
               </a:ext>
             </a:extLst>
           </p:cNvPr>
@@ -17375,7 +17676,7 @@
           <a:blip r:embed="rId3">
             <a:extLst>
               <a:ext uri="{28A0092B-C50C-407E-A947-70E740481C1C}">
-                <a14:useLocalDpi xmlns:a14="http://schemas.microsoft.com/office/drawing/2010/main" val="0"/>
+                <a14:useLocalDpi xmlns:a14="http://schemas.microsoft.com/office/drawing/2010/main" xmlns="" val="0"/>
               </a:ext>
             </a:extLst>
           </a:blip>
@@ -17398,7 +17699,7 @@
           <p:cNvPr id="10" name="TextBox 9">
             <a:extLst>
               <a:ext uri="{FF2B5EF4-FFF2-40B4-BE49-F238E27FC236}">
-                <a16:creationId xmlns:a16="http://schemas.microsoft.com/office/drawing/2014/main" id="{9621BEF7-3C71-4D66-B707-FBA5112CE931}"/>
+                <a16:creationId xmlns:a16="http://schemas.microsoft.com/office/drawing/2014/main" xmlns="" id="{9621BEF7-3C71-4D66-B707-FBA5112CE931}"/>
               </a:ext>
             </a:extLst>
           </p:cNvPr>
@@ -17407,8 +17708,8 @@
         </p:nvSpPr>
         <p:spPr>
           <a:xfrm>
-            <a:off x="6156176" y="1174750"/>
-            <a:ext cx="2225824" cy="1200329"/>
+            <a:off x="6156176" y="928670"/>
+            <a:ext cx="2225824" cy="2257926"/>
           </a:xfrm>
           <a:prstGeom prst="rect">
             <a:avLst/>
@@ -17421,47 +17722,75 @@
           </a:bodyPr>
           <a:lstStyle/>
           <a:p>
+            <a:pPr>
+              <a:lnSpc>
+                <a:spcPct val="150000"/>
+              </a:lnSpc>
+            </a:pPr>
             <a:r>
-              <a:rPr lang="ko-KR" altLang="en-US" dirty="0">
-                <a:latin typeface="MS Reference Sans Serif" panose="020B0604030504040204" pitchFamily="34" charset="0"/>
+              <a:rPr lang="ko-KR" altLang="en-US" sz="2400" dirty="0">
+                <a:latin typeface="나눔바른펜" pitchFamily="50" charset="-127"/>
+                <a:ea typeface="나눔바른펜" pitchFamily="50" charset="-127"/>
               </a:rPr>
               <a:t>신체 회복 </a:t>
             </a:r>
-            <a:endParaRPr lang="en-US" altLang="ko-KR" dirty="0">
-              <a:latin typeface="MS Reference Sans Serif" panose="020B0604030504040204" pitchFamily="34" charset="0"/>
+            <a:endParaRPr lang="en-US" altLang="ko-KR" sz="2400" dirty="0">
+              <a:latin typeface="나눔바른펜" pitchFamily="50" charset="-127"/>
+              <a:ea typeface="나눔바른펜" pitchFamily="50" charset="-127"/>
             </a:endParaRPr>
           </a:p>
           <a:p>
+            <a:pPr>
+              <a:lnSpc>
+                <a:spcPct val="150000"/>
+              </a:lnSpc>
+            </a:pPr>
             <a:r>
-              <a:rPr lang="ko-KR" altLang="en-US" dirty="0">
-                <a:latin typeface="MS Reference Sans Serif" panose="020B0604030504040204" pitchFamily="34" charset="0"/>
+              <a:rPr lang="ko-KR" altLang="en-US" sz="2400" dirty="0">
+                <a:latin typeface="나눔바른펜" pitchFamily="50" charset="-127"/>
+                <a:ea typeface="나눔바른펜" pitchFamily="50" charset="-127"/>
               </a:rPr>
               <a:t>에너지 보존</a:t>
             </a:r>
-            <a:endParaRPr lang="en-US" altLang="ko-KR" dirty="0">
-              <a:latin typeface="MS Reference Sans Serif" panose="020B0604030504040204" pitchFamily="34" charset="0"/>
+            <a:endParaRPr lang="en-US" altLang="ko-KR" sz="2400" dirty="0">
+              <a:latin typeface="나눔바른펜" pitchFamily="50" charset="-127"/>
+              <a:ea typeface="나눔바른펜" pitchFamily="50" charset="-127"/>
             </a:endParaRPr>
           </a:p>
           <a:p>
+            <a:pPr>
+              <a:lnSpc>
+                <a:spcPct val="150000"/>
+              </a:lnSpc>
+            </a:pPr>
             <a:r>
-              <a:rPr lang="ko-KR" altLang="en-US" dirty="0">
-                <a:latin typeface="MS Reference Sans Serif" panose="020B0604030504040204" pitchFamily="34" charset="0"/>
+              <a:rPr lang="ko-KR" altLang="en-US" sz="2400" dirty="0">
+                <a:latin typeface="나눔바른펜" pitchFamily="50" charset="-127"/>
+                <a:ea typeface="나눔바른펜" pitchFamily="50" charset="-127"/>
               </a:rPr>
               <a:t>호르몬 분비 </a:t>
             </a:r>
-            <a:endParaRPr lang="en-US" altLang="ko-KR" dirty="0">
-              <a:latin typeface="MS Reference Sans Serif" panose="020B0604030504040204" pitchFamily="34" charset="0"/>
+            <a:endParaRPr lang="en-US" altLang="ko-KR" sz="2400" dirty="0">
+              <a:latin typeface="나눔바른펜" pitchFamily="50" charset="-127"/>
+              <a:ea typeface="나눔바른펜" pitchFamily="50" charset="-127"/>
             </a:endParaRPr>
           </a:p>
           <a:p>
+            <a:pPr>
+              <a:lnSpc>
+                <a:spcPct val="150000"/>
+              </a:lnSpc>
+            </a:pPr>
             <a:r>
-              <a:rPr lang="ko-KR" altLang="en-US" dirty="0">
-                <a:latin typeface="MS Reference Sans Serif" panose="020B0604030504040204" pitchFamily="34" charset="0"/>
+              <a:rPr lang="ko-KR" altLang="en-US" sz="2400" dirty="0">
+                <a:latin typeface="나눔바른펜" pitchFamily="50" charset="-127"/>
+                <a:ea typeface="나눔바른펜" pitchFamily="50" charset="-127"/>
               </a:rPr>
               <a:t>기억 저장</a:t>
             </a:r>
-            <a:endParaRPr lang="en-US" dirty="0">
-              <a:latin typeface="MS Reference Sans Serif" panose="020B0604030504040204" pitchFamily="34" charset="0"/>
+            <a:endParaRPr lang="en-US" sz="2400" dirty="0">
+              <a:latin typeface="나눔바른펜" pitchFamily="50" charset="-127"/>
+              <a:ea typeface="나눔바른펜" pitchFamily="50" charset="-127"/>
             </a:endParaRPr>
           </a:p>
         </p:txBody>
@@ -17469,7 +17798,7 @@
     </p:spTree>
     <p:extLst>
       <p:ext uri="{BB962C8B-B14F-4D97-AF65-F5344CB8AC3E}">
-        <p14:creationId xmlns:p14="http://schemas.microsoft.com/office/powerpoint/2010/main" val="3642274656"/>
+        <p14:creationId xmlns:p14="http://schemas.microsoft.com/office/powerpoint/2010/main" xmlns="" val="3642274656"/>
       </p:ext>
     </p:extLst>
   </p:cSld>
@@ -17501,7 +17830,7 @@
           <p:cNvPr id="2" name="TextBox 1">
             <a:extLst>
               <a:ext uri="{FF2B5EF4-FFF2-40B4-BE49-F238E27FC236}">
-                <a16:creationId xmlns:a16="http://schemas.microsoft.com/office/drawing/2014/main" id="{746CC9E0-85F1-4113-991F-5A0EBD33CCFA}"/>
+                <a16:creationId xmlns:a16="http://schemas.microsoft.com/office/drawing/2014/main" xmlns="" id="{746CC9E0-85F1-4113-991F-5A0EBD33CCFA}"/>
               </a:ext>
             </a:extLst>
           </p:cNvPr>
@@ -17510,8 +17839,8 @@
         </p:nvSpPr>
         <p:spPr>
           <a:xfrm>
-            <a:off x="5364088" y="4437112"/>
-            <a:ext cx="3993232" cy="1754326"/>
+            <a:off x="4214810" y="3429000"/>
+            <a:ext cx="3993232" cy="3365921"/>
           </a:xfrm>
           <a:prstGeom prst="rect">
             <a:avLst/>
@@ -17524,47 +17853,106 @@
           </a:bodyPr>
           <a:lstStyle/>
           <a:p>
+            <a:pPr algn="ctr">
+              <a:lnSpc>
+                <a:spcPct val="150000"/>
+              </a:lnSpc>
+            </a:pPr>
             <a:r>
-              <a:rPr lang="ko-KR" altLang="en-US" dirty="0"/>
+              <a:rPr lang="ko-KR" altLang="en-US" sz="2400" dirty="0">
+                <a:latin typeface="나눔바른펜" pitchFamily="50" charset="-127"/>
+                <a:ea typeface="나눔바른펜" pitchFamily="50" charset="-127"/>
+              </a:rPr>
               <a:t>피로감</a:t>
             </a:r>
-            <a:endParaRPr lang="en-US" altLang="ko-KR" dirty="0"/>
-          </a:p>
-          <a:p>
+            <a:endParaRPr lang="en-US" altLang="ko-KR" sz="2400" dirty="0">
+              <a:latin typeface="나눔바른펜" pitchFamily="50" charset="-127"/>
+              <a:ea typeface="나눔바른펜" pitchFamily="50" charset="-127"/>
+            </a:endParaRPr>
+          </a:p>
+          <a:p>
+            <a:pPr algn="ctr">
+              <a:lnSpc>
+                <a:spcPct val="150000"/>
+              </a:lnSpc>
+            </a:pPr>
             <a:r>
-              <a:rPr lang="ko-KR" altLang="en-US" dirty="0"/>
+              <a:rPr lang="ko-KR" altLang="en-US" sz="2400" dirty="0">
+                <a:latin typeface="나눔바른펜" pitchFamily="50" charset="-127"/>
+                <a:ea typeface="나눔바른펜" pitchFamily="50" charset="-127"/>
+              </a:rPr>
               <a:t>주간 </a:t>
             </a:r>
             <a:r>
-              <a:rPr lang="ko-KR" altLang="en-US" dirty="0" err="1"/>
+              <a:rPr lang="ko-KR" altLang="en-US" sz="2400" dirty="0" err="1">
+                <a:latin typeface="나눔바른펜" pitchFamily="50" charset="-127"/>
+                <a:ea typeface="나눔바른펜" pitchFamily="50" charset="-127"/>
+              </a:rPr>
               <a:t>졸림증</a:t>
             </a:r>
-            <a:endParaRPr lang="en-US" altLang="ko-KR" dirty="0"/>
-          </a:p>
-          <a:p>
+            <a:endParaRPr lang="en-US" altLang="ko-KR" sz="2400" dirty="0">
+              <a:latin typeface="나눔바른펜" pitchFamily="50" charset="-127"/>
+              <a:ea typeface="나눔바른펜" pitchFamily="50" charset="-127"/>
+            </a:endParaRPr>
+          </a:p>
+          <a:p>
+            <a:pPr algn="ctr">
+              <a:lnSpc>
+                <a:spcPct val="150000"/>
+              </a:lnSpc>
+            </a:pPr>
             <a:r>
-              <a:rPr lang="ko-KR" altLang="en-US" dirty="0"/>
+              <a:rPr lang="ko-KR" altLang="en-US" sz="2400" dirty="0">
+                <a:latin typeface="나눔바른펜" pitchFamily="50" charset="-127"/>
+                <a:ea typeface="나눔바른펜" pitchFamily="50" charset="-127"/>
+              </a:rPr>
               <a:t>집중력 감소 </a:t>
             </a:r>
-            <a:endParaRPr lang="en-US" altLang="ko-KR" dirty="0"/>
-          </a:p>
-          <a:p>
+            <a:endParaRPr lang="en-US" altLang="ko-KR" sz="2400" dirty="0">
+              <a:latin typeface="나눔바른펜" pitchFamily="50" charset="-127"/>
+              <a:ea typeface="나눔바른펜" pitchFamily="50" charset="-127"/>
+            </a:endParaRPr>
+          </a:p>
+          <a:p>
+            <a:pPr algn="ctr">
+              <a:lnSpc>
+                <a:spcPct val="150000"/>
+              </a:lnSpc>
+            </a:pPr>
             <a:r>
-              <a:rPr lang="ko-KR" altLang="en-US" dirty="0"/>
+              <a:rPr lang="ko-KR" altLang="en-US" sz="2400" dirty="0">
+                <a:latin typeface="나눔바른펜" pitchFamily="50" charset="-127"/>
+                <a:ea typeface="나눔바른펜" pitchFamily="50" charset="-127"/>
+              </a:rPr>
               <a:t>감정기복 </a:t>
             </a:r>
-            <a:endParaRPr lang="en-US" altLang="ko-KR" dirty="0"/>
-          </a:p>
-          <a:p>
+            <a:endParaRPr lang="en-US" altLang="ko-KR" sz="2400" dirty="0">
+              <a:latin typeface="나눔바른펜" pitchFamily="50" charset="-127"/>
+              <a:ea typeface="나눔바른펜" pitchFamily="50" charset="-127"/>
+            </a:endParaRPr>
+          </a:p>
+          <a:p>
+            <a:pPr algn="ctr">
+              <a:lnSpc>
+                <a:spcPct val="150000"/>
+              </a:lnSpc>
+            </a:pPr>
             <a:r>
-              <a:rPr lang="ko-KR" altLang="en-US" dirty="0"/>
+              <a:rPr lang="ko-KR" altLang="en-US" sz="2400" dirty="0">
+                <a:latin typeface="나눔바른펜" pitchFamily="50" charset="-127"/>
+                <a:ea typeface="나눔바른펜" pitchFamily="50" charset="-127"/>
+              </a:rPr>
               <a:t>식욕 증가 </a:t>
             </a:r>
             <a:br>
-              <a:rPr lang="ko-KR" altLang="en-US" dirty="0"/>
+              <a:rPr lang="ko-KR" altLang="en-US" sz="2400" dirty="0">
+                <a:latin typeface="나눔바른펜" pitchFamily="50" charset="-127"/>
+                <a:ea typeface="나눔바른펜" pitchFamily="50" charset="-127"/>
+              </a:rPr>
             </a:br>
-            <a:endParaRPr lang="en-US" dirty="0">
-              <a:latin typeface="MS Reference Sans Serif" panose="020B0604030504040204" pitchFamily="34" charset="0"/>
+            <a:endParaRPr lang="en-US" sz="2400" dirty="0">
+              <a:latin typeface="나눔바른펜" pitchFamily="50" charset="-127"/>
+              <a:ea typeface="나눔바른펜" pitchFamily="50" charset="-127"/>
             </a:endParaRPr>
           </a:p>
         </p:txBody>
@@ -17574,7 +17962,7 @@
           <p:cNvPr id="4" name="그림 3">
             <a:extLst>
               <a:ext uri="{FF2B5EF4-FFF2-40B4-BE49-F238E27FC236}">
-                <a16:creationId xmlns:a16="http://schemas.microsoft.com/office/drawing/2014/main" id="{CA00586B-D417-4B19-88BE-27E0F10516F6}"/>
+                <a16:creationId xmlns:a16="http://schemas.microsoft.com/office/drawing/2014/main" xmlns="" id="{CA00586B-D417-4B19-88BE-27E0F10516F6}"/>
               </a:ext>
             </a:extLst>
           </p:cNvPr>
@@ -17587,7 +17975,7 @@
           <a:blip r:embed="rId2" cstate="print">
             <a:extLst>
               <a:ext uri="{28A0092B-C50C-407E-A947-70E740481C1C}">
-                <a14:useLocalDpi xmlns:a14="http://schemas.microsoft.com/office/drawing/2010/main" val="0"/>
+                <a14:useLocalDpi xmlns:a14="http://schemas.microsoft.com/office/drawing/2010/main" xmlns="" val="0"/>
               </a:ext>
             </a:extLst>
           </a:blip>
@@ -17610,7 +17998,7 @@
           <p:cNvPr id="6" name="그림 5">
             <a:extLst>
               <a:ext uri="{FF2B5EF4-FFF2-40B4-BE49-F238E27FC236}">
-                <a16:creationId xmlns:a16="http://schemas.microsoft.com/office/drawing/2014/main" id="{BE54F152-1DC4-42BB-AC30-CEFCF557B388}"/>
+                <a16:creationId xmlns:a16="http://schemas.microsoft.com/office/drawing/2014/main" xmlns="" id="{BE54F152-1DC4-42BB-AC30-CEFCF557B388}"/>
               </a:ext>
             </a:extLst>
           </p:cNvPr>
@@ -17623,7 +18011,7 @@
           <a:blip r:embed="rId3">
             <a:extLst>
               <a:ext uri="{28A0092B-C50C-407E-A947-70E740481C1C}">
-                <a14:useLocalDpi xmlns:a14="http://schemas.microsoft.com/office/drawing/2010/main" val="0"/>
+                <a14:useLocalDpi xmlns:a14="http://schemas.microsoft.com/office/drawing/2010/main" xmlns="" val="0"/>
               </a:ext>
             </a:extLst>
           </a:blip>
@@ -17633,7 +18021,7 @@
         </p:blipFill>
         <p:spPr>
           <a:xfrm>
-            <a:off x="4211960" y="661699"/>
+            <a:off x="4211960" y="357166"/>
             <a:ext cx="3619500" cy="3133725"/>
           </a:xfrm>
           <a:prstGeom prst="rect">
@@ -17646,7 +18034,7 @@
           <p:cNvPr id="8" name="그림 7" descr="사람, 먹는, 입, 여자이(가) 표시된 사진&#10;&#10;자동 생성된 설명">
             <a:extLst>
               <a:ext uri="{FF2B5EF4-FFF2-40B4-BE49-F238E27FC236}">
-                <a16:creationId xmlns:a16="http://schemas.microsoft.com/office/drawing/2014/main" id="{A9A06BF8-6FA5-4A4C-AD48-CCF3B096783B}"/>
+                <a16:creationId xmlns:a16="http://schemas.microsoft.com/office/drawing/2014/main" xmlns="" id="{A9A06BF8-6FA5-4A4C-AD48-CCF3B096783B}"/>
               </a:ext>
             </a:extLst>
           </p:cNvPr>
@@ -17659,7 +18047,7 @@
           <a:blip r:embed="rId4">
             <a:extLst>
               <a:ext uri="{28A0092B-C50C-407E-A947-70E740481C1C}">
-                <a14:useLocalDpi xmlns:a14="http://schemas.microsoft.com/office/drawing/2010/main" val="0"/>
+                <a14:useLocalDpi xmlns:a14="http://schemas.microsoft.com/office/drawing/2010/main" xmlns="" val="0"/>
               </a:ext>
             </a:extLst>
           </a:blip>
@@ -17682,7 +18070,7 @@
           <p:cNvPr id="9" name="TextBox 8">
             <a:extLst>
               <a:ext uri="{FF2B5EF4-FFF2-40B4-BE49-F238E27FC236}">
-                <a16:creationId xmlns:a16="http://schemas.microsoft.com/office/drawing/2014/main" id="{8BB84652-01A0-4FF5-A494-13DD02A36C7E}"/>
+                <a16:creationId xmlns:a16="http://schemas.microsoft.com/office/drawing/2014/main" xmlns="" id="{8BB84652-01A0-4FF5-A494-13DD02A36C7E}"/>
               </a:ext>
             </a:extLst>
           </p:cNvPr>
@@ -17692,7 +18080,7 @@
         <p:spPr>
           <a:xfrm>
             <a:off x="467430" y="426076"/>
-            <a:ext cx="545342" cy="338554"/>
+            <a:ext cx="603050" cy="369332"/>
           </a:xfrm>
           <a:prstGeom prst="rect">
             <a:avLst/>
@@ -17719,21 +18107,21 @@
               </a:spcAft>
             </a:pPr>
             <a:r>
-              <a:rPr lang="en-US" altLang="ko-KR" sz="1600" dirty="0">
+              <a:rPr lang="en-US" altLang="ko-KR" dirty="0">
                 <a:solidFill>
                   <a:srgbClr val="8CC63E"/>
                 </a:solidFill>
-                <a:latin typeface="Noto Sans CJK SC Bold" pitchFamily="34" charset="-127"/>
-                <a:ea typeface="Noto Sans CJK SC Bold" pitchFamily="34" charset="-127"/>
+                <a:latin typeface="나눔고딕" pitchFamily="50" charset="-127"/>
+                <a:ea typeface="나눔고딕" pitchFamily="50" charset="-127"/>
               </a:rPr>
               <a:t>#01</a:t>
             </a:r>
-            <a:endParaRPr lang="ko-KR" altLang="en-US" sz="1600" dirty="0">
+            <a:endParaRPr lang="ko-KR" altLang="en-US" dirty="0">
               <a:solidFill>
                 <a:srgbClr val="8CC63E"/>
               </a:solidFill>
-              <a:latin typeface="Noto Sans CJK SC Bold" pitchFamily="34" charset="-127"/>
-              <a:ea typeface="Noto Sans CJK SC Bold" pitchFamily="34" charset="-127"/>
+              <a:latin typeface="나눔고딕" pitchFamily="50" charset="-127"/>
+              <a:ea typeface="나눔고딕" pitchFamily="50" charset="-127"/>
             </a:endParaRPr>
           </a:p>
         </p:txBody>
@@ -17741,7 +18129,7 @@
     </p:spTree>
     <p:extLst>
       <p:ext uri="{BB962C8B-B14F-4D97-AF65-F5344CB8AC3E}">
-        <p14:creationId xmlns:p14="http://schemas.microsoft.com/office/powerpoint/2010/main" val="4212288647"/>
+        <p14:creationId xmlns:p14="http://schemas.microsoft.com/office/powerpoint/2010/main" xmlns="" val="4212288647"/>
       </p:ext>
     </p:extLst>
   </p:cSld>
@@ -17798,7 +18186,7 @@
           <p:cNvPr id="2" name="그림 1">
             <a:extLst>
               <a:ext uri="{FF2B5EF4-FFF2-40B4-BE49-F238E27FC236}">
-                <a16:creationId xmlns:a16="http://schemas.microsoft.com/office/drawing/2014/main" id="{CC9D18CC-AA6A-4DE7-B6E9-DA41D6EC7262}"/>
+                <a16:creationId xmlns:a16="http://schemas.microsoft.com/office/drawing/2014/main" xmlns="" id="{CC9D18CC-AA6A-4DE7-B6E9-DA41D6EC7262}"/>
               </a:ext>
             </a:extLst>
           </p:cNvPr>
@@ -17832,7 +18220,7 @@
         <p:spPr>
           <a:xfrm>
             <a:off x="467430" y="426076"/>
-            <a:ext cx="545342" cy="338554"/>
+            <a:ext cx="603050" cy="369332"/>
           </a:xfrm>
           <a:prstGeom prst="rect">
             <a:avLst/>
@@ -17859,21 +18247,21 @@
               </a:spcAft>
             </a:pPr>
             <a:r>
-              <a:rPr lang="en-US" altLang="ko-KR" sz="1600" dirty="0">
+              <a:rPr lang="en-US" altLang="ko-KR" dirty="0">
                 <a:solidFill>
                   <a:srgbClr val="8CC63E"/>
                 </a:solidFill>
-                <a:latin typeface="Noto Sans CJK SC Bold" pitchFamily="34" charset="-127"/>
-                <a:ea typeface="Noto Sans CJK SC Bold" pitchFamily="34" charset="-127"/>
+                <a:latin typeface="나눔고딕" pitchFamily="50" charset="-127"/>
+                <a:ea typeface="나눔고딕" pitchFamily="50" charset="-127"/>
               </a:rPr>
               <a:t>#01</a:t>
             </a:r>
-            <a:endParaRPr lang="ko-KR" altLang="en-US" sz="1600" dirty="0">
+            <a:endParaRPr lang="ko-KR" altLang="en-US" dirty="0">
               <a:solidFill>
                 <a:srgbClr val="8CC63E"/>
               </a:solidFill>
-              <a:latin typeface="Noto Sans CJK SC Bold" pitchFamily="34" charset="-127"/>
-              <a:ea typeface="Noto Sans CJK SC Bold" pitchFamily="34" charset="-127"/>
+              <a:latin typeface="나눔고딕" pitchFamily="50" charset="-127"/>
+              <a:ea typeface="나눔고딕" pitchFamily="50" charset="-127"/>
             </a:endParaRPr>
           </a:p>
         </p:txBody>
@@ -17883,7 +18271,7 @@
           <p:cNvPr id="3" name="타원 2">
             <a:extLst>
               <a:ext uri="{FF2B5EF4-FFF2-40B4-BE49-F238E27FC236}">
-                <a16:creationId xmlns:a16="http://schemas.microsoft.com/office/drawing/2014/main" id="{C220B905-F98A-4867-9E5D-F9AD8934F248}"/>
+                <a16:creationId xmlns:a16="http://schemas.microsoft.com/office/drawing/2014/main" xmlns="" id="{C220B905-F98A-4867-9E5D-F9AD8934F248}"/>
               </a:ext>
             </a:extLst>
           </p:cNvPr>
@@ -17933,7 +18321,7 @@
     </p:spTree>
     <p:extLst>
       <p:ext uri="{BB962C8B-B14F-4D97-AF65-F5344CB8AC3E}">
-        <p14:creationId xmlns:p14="http://schemas.microsoft.com/office/powerpoint/2010/main" val="4278147462"/>
+        <p14:creationId xmlns:p14="http://schemas.microsoft.com/office/powerpoint/2010/main" xmlns="" val="4278147462"/>
       </p:ext>
     </p:extLst>
   </p:cSld>
@@ -17965,7 +18353,7 @@
           <p:cNvPr id="3" name="그림 2" descr="개체, 시계이(가) 표시된 사진&#10;&#10;자동 생성된 설명">
             <a:extLst>
               <a:ext uri="{FF2B5EF4-FFF2-40B4-BE49-F238E27FC236}">
-                <a16:creationId xmlns:a16="http://schemas.microsoft.com/office/drawing/2014/main" id="{F3B7D1BD-A81E-4972-ACB0-C7FF5791DEC2}"/>
+                <a16:creationId xmlns:a16="http://schemas.microsoft.com/office/drawing/2014/main" xmlns="" id="{F3B7D1BD-A81E-4972-ACB0-C7FF5791DEC2}"/>
               </a:ext>
             </a:extLst>
           </p:cNvPr>
@@ -17978,7 +18366,7 @@
           <a:blip r:embed="rId2" cstate="print">
             <a:extLst>
               <a:ext uri="{28A0092B-C50C-407E-A947-70E740481C1C}">
-                <a14:useLocalDpi xmlns:a14="http://schemas.microsoft.com/office/drawing/2010/main" val="0"/>
+                <a14:useLocalDpi xmlns:a14="http://schemas.microsoft.com/office/drawing/2010/main" xmlns="" val="0"/>
               </a:ext>
             </a:extLst>
           </a:blip>
@@ -18001,7 +18389,7 @@
           <p:cNvPr id="4" name="TextBox 3">
             <a:extLst>
               <a:ext uri="{FF2B5EF4-FFF2-40B4-BE49-F238E27FC236}">
-                <a16:creationId xmlns:a16="http://schemas.microsoft.com/office/drawing/2014/main" id="{2DE1B7E9-9315-4736-BA96-1B5E555EF92A}"/>
+                <a16:creationId xmlns:a16="http://schemas.microsoft.com/office/drawing/2014/main" xmlns="" id="{2DE1B7E9-9315-4736-BA96-1B5E555EF92A}"/>
               </a:ext>
             </a:extLst>
           </p:cNvPr>
@@ -18011,7 +18399,7 @@
         <p:spPr>
           <a:xfrm>
             <a:off x="467430" y="426076"/>
-            <a:ext cx="545342" cy="338554"/>
+            <a:ext cx="603050" cy="369332"/>
           </a:xfrm>
           <a:prstGeom prst="rect">
             <a:avLst/>
@@ -18038,21 +18426,21 @@
               </a:spcAft>
             </a:pPr>
             <a:r>
-              <a:rPr lang="en-US" altLang="ko-KR" sz="1600" dirty="0">
+              <a:rPr lang="en-US" altLang="ko-KR" dirty="0">
                 <a:solidFill>
                   <a:srgbClr val="8CC63E"/>
                 </a:solidFill>
-                <a:latin typeface="Noto Sans CJK SC Bold" pitchFamily="34" charset="-127"/>
-                <a:ea typeface="Noto Sans CJK SC Bold" pitchFamily="34" charset="-127"/>
+                <a:latin typeface="나눔고딕" pitchFamily="50" charset="-127"/>
+                <a:ea typeface="나눔고딕" pitchFamily="50" charset="-127"/>
               </a:rPr>
               <a:t>#01</a:t>
             </a:r>
-            <a:endParaRPr lang="ko-KR" altLang="en-US" sz="1600" dirty="0">
+            <a:endParaRPr lang="ko-KR" altLang="en-US" dirty="0">
               <a:solidFill>
                 <a:srgbClr val="8CC63E"/>
               </a:solidFill>
-              <a:latin typeface="Noto Sans CJK SC Bold" pitchFamily="34" charset="-127"/>
-              <a:ea typeface="Noto Sans CJK SC Bold" pitchFamily="34" charset="-127"/>
+              <a:latin typeface="나눔고딕" pitchFamily="50" charset="-127"/>
+              <a:ea typeface="나눔고딕" pitchFamily="50" charset="-127"/>
             </a:endParaRPr>
           </a:p>
         </p:txBody>
@@ -18062,7 +18450,7 @@
           <p:cNvPr id="6" name="그림 5" descr="스크린샷이(가) 표시된 사진&#10;&#10;자동 생성된 설명">
             <a:extLst>
               <a:ext uri="{FF2B5EF4-FFF2-40B4-BE49-F238E27FC236}">
-                <a16:creationId xmlns:a16="http://schemas.microsoft.com/office/drawing/2014/main" id="{52286550-BDB6-4703-AD9C-E499B8C1CE87}"/>
+                <a16:creationId xmlns:a16="http://schemas.microsoft.com/office/drawing/2014/main" xmlns="" id="{52286550-BDB6-4703-AD9C-E499B8C1CE87}"/>
               </a:ext>
             </a:extLst>
           </p:cNvPr>
@@ -18075,7 +18463,7 @@
           <a:blip r:embed="rId3">
             <a:extLst>
               <a:ext uri="{28A0092B-C50C-407E-A947-70E740481C1C}">
-                <a14:useLocalDpi xmlns:a14="http://schemas.microsoft.com/office/drawing/2010/main" val="0"/>
+                <a14:useLocalDpi xmlns:a14="http://schemas.microsoft.com/office/drawing/2010/main" xmlns="" val="0"/>
               </a:ext>
             </a:extLst>
           </a:blip>
@@ -18098,7 +18486,7 @@
           <p:cNvPr id="7" name="그림 6">
             <a:extLst>
               <a:ext uri="{FF2B5EF4-FFF2-40B4-BE49-F238E27FC236}">
-                <a16:creationId xmlns:a16="http://schemas.microsoft.com/office/drawing/2014/main" id="{59379F7F-5F55-4F1D-9AF9-AB382F39C753}"/>
+                <a16:creationId xmlns:a16="http://schemas.microsoft.com/office/drawing/2014/main" xmlns="" id="{59379F7F-5F55-4F1D-9AF9-AB382F39C753}"/>
               </a:ext>
             </a:extLst>
           </p:cNvPr>
@@ -18126,7 +18514,7 @@
     </p:spTree>
     <p:extLst>
       <p:ext uri="{BB962C8B-B14F-4D97-AF65-F5344CB8AC3E}">
-        <p14:creationId xmlns:p14="http://schemas.microsoft.com/office/powerpoint/2010/main" val="3978817730"/>
+        <p14:creationId xmlns:p14="http://schemas.microsoft.com/office/powerpoint/2010/main" xmlns="" val="3978817730"/>
       </p:ext>
     </p:extLst>
   </p:cSld>
@@ -18287,7 +18675,7 @@
           <p:cNvPr id="3" name="TextBox 2">
             <a:extLst>
               <a:ext uri="{FF2B5EF4-FFF2-40B4-BE49-F238E27FC236}">
-                <a16:creationId xmlns:a16="http://schemas.microsoft.com/office/drawing/2014/main" id="{79FD645E-767C-4548-BEFC-A9475AD2654E}"/>
+                <a16:creationId xmlns:a16="http://schemas.microsoft.com/office/drawing/2014/main" xmlns="" id="{79FD645E-767C-4548-BEFC-A9475AD2654E}"/>
               </a:ext>
             </a:extLst>
           </p:cNvPr>
@@ -18297,7 +18685,7 @@
         <p:spPr>
           <a:xfrm>
             <a:off x="467430" y="426076"/>
-            <a:ext cx="545342" cy="338554"/>
+            <a:ext cx="603050" cy="369332"/>
           </a:xfrm>
           <a:prstGeom prst="rect">
             <a:avLst/>
@@ -18324,21 +18712,21 @@
               </a:spcAft>
             </a:pPr>
             <a:r>
-              <a:rPr lang="en-US" altLang="ko-KR" sz="1600" dirty="0">
+              <a:rPr lang="en-US" altLang="ko-KR" dirty="0">
                 <a:solidFill>
                   <a:srgbClr val="8CC63E"/>
                 </a:solidFill>
-                <a:latin typeface="Noto Sans CJK SC Bold" pitchFamily="34" charset="-127"/>
-                <a:ea typeface="Noto Sans CJK SC Bold" pitchFamily="34" charset="-127"/>
+                <a:latin typeface="나눔고딕" pitchFamily="50" charset="-127"/>
+                <a:ea typeface="나눔고딕" pitchFamily="50" charset="-127"/>
               </a:rPr>
               <a:t>#01</a:t>
             </a:r>
-            <a:endParaRPr lang="ko-KR" altLang="en-US" sz="1600" dirty="0">
+            <a:endParaRPr lang="ko-KR" altLang="en-US" dirty="0">
               <a:solidFill>
                 <a:srgbClr val="8CC63E"/>
               </a:solidFill>
-              <a:latin typeface="Noto Sans CJK SC Bold" pitchFamily="34" charset="-127"/>
-              <a:ea typeface="Noto Sans CJK SC Bold" pitchFamily="34" charset="-127"/>
+              <a:latin typeface="나눔고딕" pitchFamily="50" charset="-127"/>
+              <a:ea typeface="나눔고딕" pitchFamily="50" charset="-127"/>
             </a:endParaRPr>
           </a:p>
         </p:txBody>
@@ -18348,7 +18736,7 @@
           <p:cNvPr id="9" name="그림 8">
             <a:extLst>
               <a:ext uri="{FF2B5EF4-FFF2-40B4-BE49-F238E27FC236}">
-                <a16:creationId xmlns:a16="http://schemas.microsoft.com/office/drawing/2014/main" id="{2DE42607-1E03-4035-8E34-B0E7BBB63176}"/>
+                <a16:creationId xmlns:a16="http://schemas.microsoft.com/office/drawing/2014/main" xmlns="" id="{2DE42607-1E03-4035-8E34-B0E7BBB63176}"/>
               </a:ext>
             </a:extLst>
           </p:cNvPr>
@@ -18361,7 +18749,7 @@
           <a:blip r:embed="rId2">
             <a:extLst>
               <a:ext uri="{28A0092B-C50C-407E-A947-70E740481C1C}">
-                <a14:useLocalDpi xmlns:a14="http://schemas.microsoft.com/office/drawing/2010/main" val="0"/>
+                <a14:useLocalDpi xmlns:a14="http://schemas.microsoft.com/office/drawing/2010/main" xmlns="" val="0"/>
               </a:ext>
             </a:extLst>
           </a:blip>
@@ -18371,8 +18759,8 @@
         </p:blipFill>
         <p:spPr>
           <a:xfrm>
-            <a:off x="5452991" y="2046406"/>
-            <a:ext cx="3370288" cy="3370288"/>
+            <a:off x="4786314" y="1379729"/>
+            <a:ext cx="4357686" cy="4357686"/>
           </a:xfrm>
           <a:prstGeom prst="rect">
             <a:avLst/>
@@ -18384,7 +18772,7 @@
           <p:cNvPr id="12" name="그림 11">
             <a:extLst>
               <a:ext uri="{FF2B5EF4-FFF2-40B4-BE49-F238E27FC236}">
-                <a16:creationId xmlns:a16="http://schemas.microsoft.com/office/drawing/2014/main" id="{E94E3B77-7C1B-44DB-A4B4-0D6072F4BF7F}"/>
+                <a16:creationId xmlns:a16="http://schemas.microsoft.com/office/drawing/2014/main" xmlns="" id="{E94E3B77-7C1B-44DB-A4B4-0D6072F4BF7F}"/>
               </a:ext>
             </a:extLst>
           </p:cNvPr>
@@ -18414,7 +18802,7 @@
           <p:cNvPr id="13" name="화살표: 오른쪽 12">
             <a:extLst>
               <a:ext uri="{FF2B5EF4-FFF2-40B4-BE49-F238E27FC236}">
-                <a16:creationId xmlns:a16="http://schemas.microsoft.com/office/drawing/2014/main" id="{35D215A0-2461-4D7C-B7BB-6D838AFE112A}"/>
+                <a16:creationId xmlns:a16="http://schemas.microsoft.com/office/drawing/2014/main" xmlns="" id="{35D215A0-2461-4D7C-B7BB-6D838AFE112A}"/>
               </a:ext>
             </a:extLst>
           </p:cNvPr>
@@ -18458,7 +18846,7 @@
     </p:spTree>
     <p:extLst>
       <p:ext uri="{BB962C8B-B14F-4D97-AF65-F5344CB8AC3E}">
-        <p14:creationId xmlns:p14="http://schemas.microsoft.com/office/powerpoint/2010/main" val="756800797"/>
+        <p14:creationId xmlns:p14="http://schemas.microsoft.com/office/powerpoint/2010/main" xmlns="" val="756800797"/>
       </p:ext>
     </p:extLst>
   </p:cSld>
@@ -18490,7 +18878,7 @@
           <p:cNvPr id="2" name="그림 1">
             <a:extLst>
               <a:ext uri="{FF2B5EF4-FFF2-40B4-BE49-F238E27FC236}">
-                <a16:creationId xmlns:a16="http://schemas.microsoft.com/office/drawing/2014/main" id="{D11C214C-50E1-4A76-A52D-81FA6F82884E}"/>
+                <a16:creationId xmlns:a16="http://schemas.microsoft.com/office/drawing/2014/main" xmlns="" id="{D11C214C-50E1-4A76-A52D-81FA6F82884E}"/>
               </a:ext>
             </a:extLst>
           </p:cNvPr>
@@ -18520,7 +18908,7 @@
           <p:cNvPr id="3" name="TextBox 2">
             <a:extLst>
               <a:ext uri="{FF2B5EF4-FFF2-40B4-BE49-F238E27FC236}">
-                <a16:creationId xmlns:a16="http://schemas.microsoft.com/office/drawing/2014/main" id="{F0C7F774-7366-44B5-9044-E5D4B799C911}"/>
+                <a16:creationId xmlns:a16="http://schemas.microsoft.com/office/drawing/2014/main" xmlns="" id="{F0C7F774-7366-44B5-9044-E5D4B799C911}"/>
               </a:ext>
             </a:extLst>
           </p:cNvPr>
@@ -18530,7 +18918,7 @@
         <p:spPr>
           <a:xfrm>
             <a:off x="467430" y="426076"/>
-            <a:ext cx="545342" cy="338554"/>
+            <a:ext cx="603050" cy="369332"/>
           </a:xfrm>
           <a:prstGeom prst="rect">
             <a:avLst/>
@@ -18557,21 +18945,21 @@
               </a:spcAft>
             </a:pPr>
             <a:r>
-              <a:rPr lang="en-US" altLang="ko-KR" sz="1600" dirty="0">
+              <a:rPr lang="en-US" altLang="ko-KR" dirty="0">
                 <a:solidFill>
                   <a:srgbClr val="8CC63E"/>
                 </a:solidFill>
-                <a:latin typeface="Noto Sans CJK SC Bold" pitchFamily="34" charset="-127"/>
-                <a:ea typeface="Noto Sans CJK SC Bold" pitchFamily="34" charset="-127"/>
+                <a:latin typeface="나눔고딕" pitchFamily="50" charset="-127"/>
+                <a:ea typeface="나눔고딕" pitchFamily="50" charset="-127"/>
               </a:rPr>
               <a:t>#01</a:t>
             </a:r>
-            <a:endParaRPr lang="ko-KR" altLang="en-US" sz="1600" dirty="0">
+            <a:endParaRPr lang="ko-KR" altLang="en-US" dirty="0">
               <a:solidFill>
                 <a:srgbClr val="8CC63E"/>
               </a:solidFill>
-              <a:latin typeface="Noto Sans CJK SC Bold" pitchFamily="34" charset="-127"/>
-              <a:ea typeface="Noto Sans CJK SC Bold" pitchFamily="34" charset="-127"/>
+              <a:latin typeface="나눔고딕" pitchFamily="50" charset="-127"/>
+              <a:ea typeface="나눔고딕" pitchFamily="50" charset="-127"/>
             </a:endParaRPr>
           </a:p>
         </p:txBody>
@@ -18579,7 +18967,7 @@
     </p:spTree>
     <p:extLst>
       <p:ext uri="{BB962C8B-B14F-4D97-AF65-F5344CB8AC3E}">
-        <p14:creationId xmlns:p14="http://schemas.microsoft.com/office/powerpoint/2010/main" val="2615094696"/>
+        <p14:creationId xmlns:p14="http://schemas.microsoft.com/office/powerpoint/2010/main" xmlns="" val="2615094696"/>
       </p:ext>
     </p:extLst>
   </p:cSld>
@@ -18619,7 +19007,7 @@
           <p:cNvPr id="3" name="그림 2">
             <a:extLst>
               <a:ext uri="{FF2B5EF4-FFF2-40B4-BE49-F238E27FC236}">
-                <a16:creationId xmlns:a16="http://schemas.microsoft.com/office/drawing/2014/main" id="{EC5C103B-8EE7-434D-9800-756DB1C84633}"/>
+                <a16:creationId xmlns:a16="http://schemas.microsoft.com/office/drawing/2014/main" xmlns="" id="{EC5C103B-8EE7-434D-9800-756DB1C84633}"/>
               </a:ext>
             </a:extLst>
           </p:cNvPr>
@@ -18649,7 +19037,7 @@
           <p:cNvPr id="5" name="그림 4">
             <a:extLst>
               <a:ext uri="{FF2B5EF4-FFF2-40B4-BE49-F238E27FC236}">
-                <a16:creationId xmlns:a16="http://schemas.microsoft.com/office/drawing/2014/main" id="{5930A19D-1262-4FF8-A87D-AA38DD4375AF}"/>
+                <a16:creationId xmlns:a16="http://schemas.microsoft.com/office/drawing/2014/main" xmlns="" id="{5930A19D-1262-4FF8-A87D-AA38DD4375AF}"/>
               </a:ext>
             </a:extLst>
           </p:cNvPr>
@@ -18679,7 +19067,7 @@
           <p:cNvPr id="6" name="타원 5">
             <a:extLst>
               <a:ext uri="{FF2B5EF4-FFF2-40B4-BE49-F238E27FC236}">
-                <a16:creationId xmlns:a16="http://schemas.microsoft.com/office/drawing/2014/main" id="{ADD34254-57AD-44BD-9A97-5B370B98A610}"/>
+                <a16:creationId xmlns:a16="http://schemas.microsoft.com/office/drawing/2014/main" xmlns="" id="{ADD34254-57AD-44BD-9A97-5B370B98A610}"/>
               </a:ext>
             </a:extLst>
           </p:cNvPr>
@@ -18731,7 +19119,7 @@
           <p:cNvPr id="7" name="타원 6">
             <a:extLst>
               <a:ext uri="{FF2B5EF4-FFF2-40B4-BE49-F238E27FC236}">
-                <a16:creationId xmlns:a16="http://schemas.microsoft.com/office/drawing/2014/main" id="{7A9AFF48-C1F3-4898-8599-45BD4B4CAB33}"/>
+                <a16:creationId xmlns:a16="http://schemas.microsoft.com/office/drawing/2014/main" xmlns="" id="{7A9AFF48-C1F3-4898-8599-45BD4B4CAB33}"/>
               </a:ext>
             </a:extLst>
           </p:cNvPr>
@@ -18781,7 +19169,7 @@
     </p:spTree>
     <p:extLst>
       <p:ext uri="{BB962C8B-B14F-4D97-AF65-F5344CB8AC3E}">
-        <p14:creationId xmlns:p14="http://schemas.microsoft.com/office/powerpoint/2010/main" val="568110225"/>
+        <p14:creationId xmlns:p14="http://schemas.microsoft.com/office/powerpoint/2010/main" xmlns="" val="568110225"/>
       </p:ext>
     </p:extLst>
   </p:cSld>
@@ -19047,7 +19435,7 @@
     </a:clrScheme>
     <a:fontScheme name="Office">
       <a:majorFont>
-        <a:latin typeface="Calibri Light" panose="020F0302020204030204"/>
+        <a:latin typeface="Calibri Light"/>
         <a:ea typeface=""/>
         <a:cs typeface=""/>
         <a:font script="Jpan" typeface="游ゴシック Light"/>
@@ -19099,7 +19487,7 @@
         <a:font script="Tfng" typeface="Ebrima"/>
       </a:majorFont>
       <a:minorFont>
-        <a:latin typeface="Calibri" panose="020F0502020204030204"/>
+        <a:latin typeface="Calibri"/>
         <a:ea typeface=""/>
         <a:cs typeface=""/>
         <a:font script="Jpan" typeface="游ゴシック"/>
@@ -19293,7 +19681,7 @@
   <a:extraClrSchemeLst/>
   <a:extLst>
     <a:ext uri="{05A4C25C-085E-4340-85A3-A5531E510DB2}">
-      <thm15:themeFamily xmlns:thm15="http://schemas.microsoft.com/office/thememl/2012/main" name="Office Theme" id="{62F939B6-93AF-4DB8-9C6B-D6C7DFDC589F}" vid="{4A3C46E8-61CC-4603-A589-7422A47A8E4A}"/>
+      <thm15:themeFamily xmlns:thm15="http://schemas.microsoft.com/office/thememl/2012/main" xmlns="" name="Office Theme" id="{62F939B6-93AF-4DB8-9C6B-D6C7DFDC589F}" vid="{4A3C46E8-61CC-4603-A589-7422A47A8E4A}"/>
     </a:ext>
   </a:extLst>
 </a:theme>
